--- a/public/sample-template.pptx
+++ b/public/sample-template.pptx
@@ -1,40 +1,47 @@
 
 <file path=ppt/presentation.xml><?xml version="1.0" encoding="utf-8"?>
-<p:presentation xmlns:a="http://schemas.openxmlformats.org/drawingml/2006/main" xmlns:r="http://schemas.openxmlformats.org/officeDocument/2006/relationships" xmlns:p="http://schemas.openxmlformats.org/presentationml/2006/main" saveSubsetFonts="1" embedTrueTypeFonts="true">
+<p:presentation xmlns:a="http://schemas.openxmlformats.org/drawingml/2006/main" xmlns:r="http://schemas.openxmlformats.org/officeDocument/2006/relationships" xmlns:p="http://schemas.openxmlformats.org/presentationml/2006/main" embedTrueTypeFonts="1" saveSubsetFonts="1">
   <p:sldMasterIdLst>
     <p:sldMasterId id="2147483648" r:id="rId1"/>
   </p:sldMasterIdLst>
   <p:sldIdLst>
-    <p:sldId id="256" r:id="rId6"/>
-    <p:sldId id="257" r:id="rId7"/>
-    <p:sldId id="258" r:id="rId8"/>
-    <p:sldId id="259" r:id="rId9"/>
-    <p:sldId id="260" r:id="rId10"/>
-    <p:sldId id="261" r:id="rId11"/>
-    <p:sldId id="262" r:id="rId12"/>
+    <p:sldId id="256" r:id="rId2"/>
+    <p:sldId id="257" r:id="rId3"/>
+    <p:sldId id="263" r:id="rId4"/>
+    <p:sldId id="264" r:id="rId5"/>
+    <p:sldId id="258" r:id="rId6"/>
+    <p:sldId id="265" r:id="rId7"/>
+    <p:sldId id="259" r:id="rId8"/>
+    <p:sldId id="266" r:id="rId9"/>
+    <p:sldId id="267" r:id="rId10"/>
+    <p:sldId id="260" r:id="rId11"/>
+    <p:sldId id="268" r:id="rId12"/>
+    <p:sldId id="261" r:id="rId13"/>
+    <p:sldId id="262" r:id="rId14"/>
   </p:sldIdLst>
   <p:sldSz cx="18288000" cy="10287000"/>
   <p:notesSz cx="6858000" cy="9144000"/>
   <p:embeddedFontLst>
     <p:embeddedFont>
-      <p:font typeface="Vollkorn" charset="1" panose="00000500000000000000"/>
-      <p:regular r:id="rId13"/>
-    </p:embeddedFont>
-    <p:embeddedFont>
-      <p:font typeface="Times New Roman Bold" charset="1" panose="02020803070505020304"/>
-      <p:regular r:id="rId14"/>
-    </p:embeddedFont>
-    <p:embeddedFont>
-      <p:font typeface="Open Sans Bold" charset="1" panose="00000000000000000000"/>
+      <p:font typeface="Canva Sans" panose="020B0503030501040103"/>
       <p:regular r:id="rId15"/>
     </p:embeddedFont>
     <p:embeddedFont>
-      <p:font typeface="Canva Sans" charset="1" panose="020B0503030501040103"/>
+      <p:font typeface="Open Sans" panose="020B0606030504020204" pitchFamily="34" charset="0"/>
       <p:regular r:id="rId16"/>
     </p:embeddedFont>
     <p:embeddedFont>
-      <p:font typeface="Open Sans" charset="1" panose="00000000000000000000"/>
+      <p:font typeface="Open Sans Bold"/>
       <p:regular r:id="rId17"/>
+    </p:embeddedFont>
+    <p:embeddedFont>
+      <p:font typeface="Times New Roman Bold" panose="02020803070505020304"/>
+      <p:regular r:id="rId18"/>
+      <p:bold r:id="rId19"/>
+    </p:embeddedFont>
+    <p:embeddedFont>
+      <p:font typeface="Vollkorn" pitchFamily="2" charset="0"/>
+      <p:regular r:id="rId20"/>
     </p:embeddedFont>
   </p:embeddedFontLst>
   <p:defaultTextStyle>
@@ -132,6 +139,22 @@
       </a:defRPr>
     </a:lvl9pPr>
   </p:defaultTextStyle>
+  <p:extLst>
+    <p:ext uri="{EFAFB233-063F-42B5-8137-9DF3F51BA10A}">
+      <p15:sldGuideLst xmlns:p15="http://schemas.microsoft.com/office/powerpoint/2012/main">
+        <p15:guide id="1" orient="horz" pos="2160">
+          <p15:clr>
+            <a:srgbClr val="A4A3A4"/>
+          </p15:clr>
+        </p15:guide>
+        <p15:guide id="2" pos="2880">
+          <p15:clr>
+            <a:srgbClr val="A4A3A4"/>
+          </p15:clr>
+        </p15:guide>
+      </p15:sldGuideLst>
+    </p:ext>
+  </p:extLst>
 </p:presentation>
 </file>
 
@@ -173,10 +196,9 @@
           <a:lstStyle/>
           <a:p>
             <a:r>
-              <a:rPr lang="en-US" smtClean="0"/>
+              <a:rPr lang="en-US"/>
               <a:t>Click to edit Master title style</a:t>
             </a:r>
-            <a:endParaRPr lang="en-US"/>
           </a:p>
         </p:txBody>
       </p:sp>
@@ -292,10 +314,9 @@
           </a:lstStyle>
           <a:p>
             <a:r>
-              <a:rPr lang="en-US" smtClean="0"/>
+              <a:rPr lang="en-US"/>
               <a:t>Click to edit Master subtitle style</a:t>
             </a:r>
-            <a:endParaRPr lang="en-US"/>
           </a:p>
         </p:txBody>
       </p:sp>
@@ -317,7 +338,7 @@
             <a:fld id="{1D8BD707-D9CF-40AE-B4C6-C98DA3205C09}" type="datetimeFigureOut">
               <a:rPr lang="en-US" smtClean="0"/>
               <a:pPr/>
-              <a:t>8/1/2011</a:t>
+              <a:t>2/17/2026</a:t>
             </a:fld>
             <a:endParaRPr lang="en-US"/>
           </a:p>
@@ -407,10 +428,9 @@
           <a:lstStyle/>
           <a:p>
             <a:r>
-              <a:rPr lang="en-US" smtClean="0"/>
+              <a:rPr lang="en-US"/>
               <a:t>Click to edit Master title style</a:t>
             </a:r>
-            <a:endParaRPr lang="en-US"/>
           </a:p>
         </p:txBody>
       </p:sp>
@@ -431,38 +451,37 @@
           <a:p>
             <a:pPr lvl="0"/>
             <a:r>
-              <a:rPr lang="en-US" smtClean="0"/>
+              <a:rPr lang="en-US"/>
               <a:t>Click to edit Master text styles</a:t>
             </a:r>
           </a:p>
           <a:p>
             <a:pPr lvl="1"/>
             <a:r>
-              <a:rPr lang="en-US" smtClean="0"/>
+              <a:rPr lang="en-US"/>
               <a:t>Second level</a:t>
             </a:r>
           </a:p>
           <a:p>
             <a:pPr lvl="2"/>
             <a:r>
-              <a:rPr lang="en-US" smtClean="0"/>
+              <a:rPr lang="en-US"/>
               <a:t>Third level</a:t>
             </a:r>
           </a:p>
           <a:p>
             <a:pPr lvl="3"/>
             <a:r>
-              <a:rPr lang="en-US" smtClean="0"/>
+              <a:rPr lang="en-US"/>
               <a:t>Fourth level</a:t>
             </a:r>
           </a:p>
           <a:p>
             <a:pPr lvl="4"/>
             <a:r>
-              <a:rPr lang="en-US" smtClean="0"/>
+              <a:rPr lang="en-US"/>
               <a:t>Fifth level</a:t>
             </a:r>
-            <a:endParaRPr lang="en-US"/>
           </a:p>
         </p:txBody>
       </p:sp>
@@ -484,7 +503,7 @@
             <a:fld id="{1D8BD707-D9CF-40AE-B4C6-C98DA3205C09}" type="datetimeFigureOut">
               <a:rPr lang="en-US" smtClean="0"/>
               <a:pPr/>
-              <a:t>8/1/2011</a:t>
+              <a:t>2/17/2026</a:t>
             </a:fld>
             <a:endParaRPr lang="en-US"/>
           </a:p>
@@ -579,10 +598,9 @@
           <a:lstStyle/>
           <a:p>
             <a:r>
-              <a:rPr lang="en-US" smtClean="0"/>
+              <a:rPr lang="en-US"/>
               <a:t>Click to edit Master title style</a:t>
             </a:r>
-            <a:endParaRPr lang="en-US"/>
           </a:p>
         </p:txBody>
       </p:sp>
@@ -608,38 +626,37 @@
           <a:p>
             <a:pPr lvl="0"/>
             <a:r>
-              <a:rPr lang="en-US" smtClean="0"/>
+              <a:rPr lang="en-US"/>
               <a:t>Click to edit Master text styles</a:t>
             </a:r>
           </a:p>
           <a:p>
             <a:pPr lvl="1"/>
             <a:r>
-              <a:rPr lang="en-US" smtClean="0"/>
+              <a:rPr lang="en-US"/>
               <a:t>Second level</a:t>
             </a:r>
           </a:p>
           <a:p>
             <a:pPr lvl="2"/>
             <a:r>
-              <a:rPr lang="en-US" smtClean="0"/>
+              <a:rPr lang="en-US"/>
               <a:t>Third level</a:t>
             </a:r>
           </a:p>
           <a:p>
             <a:pPr lvl="3"/>
             <a:r>
-              <a:rPr lang="en-US" smtClean="0"/>
+              <a:rPr lang="en-US"/>
               <a:t>Fourth level</a:t>
             </a:r>
           </a:p>
           <a:p>
             <a:pPr lvl="4"/>
             <a:r>
-              <a:rPr lang="en-US" smtClean="0"/>
+              <a:rPr lang="en-US"/>
               <a:t>Fifth level</a:t>
             </a:r>
-            <a:endParaRPr lang="en-US"/>
           </a:p>
         </p:txBody>
       </p:sp>
@@ -661,7 +678,7 @@
             <a:fld id="{1D8BD707-D9CF-40AE-B4C6-C98DA3205C09}" type="datetimeFigureOut">
               <a:rPr lang="en-US" smtClean="0"/>
               <a:pPr/>
-              <a:t>8/1/2011</a:t>
+              <a:t>2/17/2026</a:t>
             </a:fld>
             <a:endParaRPr lang="en-US"/>
           </a:p>
@@ -751,10 +768,9 @@
           <a:lstStyle/>
           <a:p>
             <a:r>
-              <a:rPr lang="en-US" smtClean="0"/>
+              <a:rPr lang="en-US"/>
               <a:t>Click to edit Master title style</a:t>
             </a:r>
-            <a:endParaRPr lang="en-US"/>
           </a:p>
         </p:txBody>
       </p:sp>
@@ -775,38 +791,37 @@
           <a:p>
             <a:pPr lvl="0"/>
             <a:r>
-              <a:rPr lang="en-US" smtClean="0"/>
+              <a:rPr lang="en-US"/>
               <a:t>Click to edit Master text styles</a:t>
             </a:r>
           </a:p>
           <a:p>
             <a:pPr lvl="1"/>
             <a:r>
-              <a:rPr lang="en-US" smtClean="0"/>
+              <a:rPr lang="en-US"/>
               <a:t>Second level</a:t>
             </a:r>
           </a:p>
           <a:p>
             <a:pPr lvl="2"/>
             <a:r>
-              <a:rPr lang="en-US" smtClean="0"/>
+              <a:rPr lang="en-US"/>
               <a:t>Third level</a:t>
             </a:r>
           </a:p>
           <a:p>
             <a:pPr lvl="3"/>
             <a:r>
-              <a:rPr lang="en-US" smtClean="0"/>
+              <a:rPr lang="en-US"/>
               <a:t>Fourth level</a:t>
             </a:r>
           </a:p>
           <a:p>
             <a:pPr lvl="4"/>
             <a:r>
-              <a:rPr lang="en-US" smtClean="0"/>
+              <a:rPr lang="en-US"/>
               <a:t>Fifth level</a:t>
             </a:r>
-            <a:endParaRPr lang="en-US"/>
           </a:p>
         </p:txBody>
       </p:sp>
@@ -828,7 +843,7 @@
             <a:fld id="{1D8BD707-D9CF-40AE-B4C6-C98DA3205C09}" type="datetimeFigureOut">
               <a:rPr lang="en-US" smtClean="0"/>
               <a:pPr/>
-              <a:t>8/1/2011</a:t>
+              <a:t>2/17/2026</a:t>
             </a:fld>
             <a:endParaRPr lang="en-US"/>
           </a:p>
@@ -927,10 +942,9 @@
           </a:lstStyle>
           <a:p>
             <a:r>
-              <a:rPr lang="en-US" smtClean="0"/>
+              <a:rPr lang="en-US"/>
               <a:t>Click to edit Master title style</a:t>
             </a:r>
-            <a:endParaRPr lang="en-US"/>
           </a:p>
         </p:txBody>
       </p:sp>
@@ -1047,7 +1061,7 @@
           <a:p>
             <a:pPr lvl="0"/>
             <a:r>
-              <a:rPr lang="en-US" smtClean="0"/>
+              <a:rPr lang="en-US"/>
               <a:t>Click to edit Master text styles</a:t>
             </a:r>
           </a:p>
@@ -1071,7 +1085,7 @@
             <a:fld id="{1D8BD707-D9CF-40AE-B4C6-C98DA3205C09}" type="datetimeFigureOut">
               <a:rPr lang="en-US" smtClean="0"/>
               <a:pPr/>
-              <a:t>8/1/2011</a:t>
+              <a:t>2/17/2026</a:t>
             </a:fld>
             <a:endParaRPr lang="en-US"/>
           </a:p>
@@ -1161,10 +1175,9 @@
           <a:lstStyle/>
           <a:p>
             <a:r>
-              <a:rPr lang="en-US" smtClean="0"/>
+              <a:rPr lang="en-US"/>
               <a:t>Click to edit Master title style</a:t>
             </a:r>
-            <a:endParaRPr lang="en-US"/>
           </a:p>
         </p:txBody>
       </p:sp>
@@ -1218,38 +1231,37 @@
           <a:p>
             <a:pPr lvl="0"/>
             <a:r>
-              <a:rPr lang="en-US" smtClean="0"/>
+              <a:rPr lang="en-US"/>
               <a:t>Click to edit Master text styles</a:t>
             </a:r>
           </a:p>
           <a:p>
             <a:pPr lvl="1"/>
             <a:r>
-              <a:rPr lang="en-US" smtClean="0"/>
+              <a:rPr lang="en-US"/>
               <a:t>Second level</a:t>
             </a:r>
           </a:p>
           <a:p>
             <a:pPr lvl="2"/>
             <a:r>
-              <a:rPr lang="en-US" smtClean="0"/>
+              <a:rPr lang="en-US"/>
               <a:t>Third level</a:t>
             </a:r>
           </a:p>
           <a:p>
             <a:pPr lvl="3"/>
             <a:r>
-              <a:rPr lang="en-US" smtClean="0"/>
+              <a:rPr lang="en-US"/>
               <a:t>Fourth level</a:t>
             </a:r>
           </a:p>
           <a:p>
             <a:pPr lvl="4"/>
             <a:r>
-              <a:rPr lang="en-US" smtClean="0"/>
+              <a:rPr lang="en-US"/>
               <a:t>Fifth level</a:t>
             </a:r>
-            <a:endParaRPr lang="en-US"/>
           </a:p>
         </p:txBody>
       </p:sp>
@@ -1303,38 +1315,37 @@
           <a:p>
             <a:pPr lvl="0"/>
             <a:r>
-              <a:rPr lang="en-US" smtClean="0"/>
+              <a:rPr lang="en-US"/>
               <a:t>Click to edit Master text styles</a:t>
             </a:r>
           </a:p>
           <a:p>
             <a:pPr lvl="1"/>
             <a:r>
-              <a:rPr lang="en-US" smtClean="0"/>
+              <a:rPr lang="en-US"/>
               <a:t>Second level</a:t>
             </a:r>
           </a:p>
           <a:p>
             <a:pPr lvl="2"/>
             <a:r>
-              <a:rPr lang="en-US" smtClean="0"/>
+              <a:rPr lang="en-US"/>
               <a:t>Third level</a:t>
             </a:r>
           </a:p>
           <a:p>
             <a:pPr lvl="3"/>
             <a:r>
-              <a:rPr lang="en-US" smtClean="0"/>
+              <a:rPr lang="en-US"/>
               <a:t>Fourth level</a:t>
             </a:r>
           </a:p>
           <a:p>
             <a:pPr lvl="4"/>
             <a:r>
-              <a:rPr lang="en-US" smtClean="0"/>
+              <a:rPr lang="en-US"/>
               <a:t>Fifth level</a:t>
             </a:r>
-            <a:endParaRPr lang="en-US"/>
           </a:p>
         </p:txBody>
       </p:sp>
@@ -1356,7 +1367,7 @@
             <a:fld id="{1D8BD707-D9CF-40AE-B4C6-C98DA3205C09}" type="datetimeFigureOut">
               <a:rPr lang="en-US" smtClean="0"/>
               <a:pPr/>
-              <a:t>8/1/2011</a:t>
+              <a:t>2/17/2026</a:t>
             </a:fld>
             <a:endParaRPr lang="en-US"/>
           </a:p>
@@ -1450,10 +1461,9 @@
           </a:lstStyle>
           <a:p>
             <a:r>
-              <a:rPr lang="en-US" smtClean="0"/>
+              <a:rPr lang="en-US"/>
               <a:t>Click to edit Master title style</a:t>
             </a:r>
-            <a:endParaRPr lang="en-US"/>
           </a:p>
         </p:txBody>
       </p:sp>
@@ -1516,7 +1526,7 @@
           <a:p>
             <a:pPr lvl="0"/>
             <a:r>
-              <a:rPr lang="en-US" smtClean="0"/>
+              <a:rPr lang="en-US"/>
               <a:t>Click to edit Master text styles</a:t>
             </a:r>
           </a:p>
@@ -1572,38 +1582,37 @@
           <a:p>
             <a:pPr lvl="0"/>
             <a:r>
-              <a:rPr lang="en-US" smtClean="0"/>
+              <a:rPr lang="en-US"/>
               <a:t>Click to edit Master text styles</a:t>
             </a:r>
           </a:p>
           <a:p>
             <a:pPr lvl="1"/>
             <a:r>
-              <a:rPr lang="en-US" smtClean="0"/>
+              <a:rPr lang="en-US"/>
               <a:t>Second level</a:t>
             </a:r>
           </a:p>
           <a:p>
             <a:pPr lvl="2"/>
             <a:r>
-              <a:rPr lang="en-US" smtClean="0"/>
+              <a:rPr lang="en-US"/>
               <a:t>Third level</a:t>
             </a:r>
           </a:p>
           <a:p>
             <a:pPr lvl="3"/>
             <a:r>
-              <a:rPr lang="en-US" smtClean="0"/>
+              <a:rPr lang="en-US"/>
               <a:t>Fourth level</a:t>
             </a:r>
           </a:p>
           <a:p>
             <a:pPr lvl="4"/>
             <a:r>
-              <a:rPr lang="en-US" smtClean="0"/>
+              <a:rPr lang="en-US"/>
               <a:t>Fifth level</a:t>
             </a:r>
-            <a:endParaRPr lang="en-US"/>
           </a:p>
         </p:txBody>
       </p:sp>
@@ -1666,7 +1675,7 @@
           <a:p>
             <a:pPr lvl="0"/>
             <a:r>
-              <a:rPr lang="en-US" smtClean="0"/>
+              <a:rPr lang="en-US"/>
               <a:t>Click to edit Master text styles</a:t>
             </a:r>
           </a:p>
@@ -1722,38 +1731,37 @@
           <a:p>
             <a:pPr lvl="0"/>
             <a:r>
-              <a:rPr lang="en-US" smtClean="0"/>
+              <a:rPr lang="en-US"/>
               <a:t>Click to edit Master text styles</a:t>
             </a:r>
           </a:p>
           <a:p>
             <a:pPr lvl="1"/>
             <a:r>
-              <a:rPr lang="en-US" smtClean="0"/>
+              <a:rPr lang="en-US"/>
               <a:t>Second level</a:t>
             </a:r>
           </a:p>
           <a:p>
             <a:pPr lvl="2"/>
             <a:r>
-              <a:rPr lang="en-US" smtClean="0"/>
+              <a:rPr lang="en-US"/>
               <a:t>Third level</a:t>
             </a:r>
           </a:p>
           <a:p>
             <a:pPr lvl="3"/>
             <a:r>
-              <a:rPr lang="en-US" smtClean="0"/>
+              <a:rPr lang="en-US"/>
               <a:t>Fourth level</a:t>
             </a:r>
           </a:p>
           <a:p>
             <a:pPr lvl="4"/>
             <a:r>
-              <a:rPr lang="en-US" smtClean="0"/>
+              <a:rPr lang="en-US"/>
               <a:t>Fifth level</a:t>
             </a:r>
-            <a:endParaRPr lang="en-US"/>
           </a:p>
         </p:txBody>
       </p:sp>
@@ -1775,7 +1783,7 @@
             <a:fld id="{1D8BD707-D9CF-40AE-B4C6-C98DA3205C09}" type="datetimeFigureOut">
               <a:rPr lang="en-US" smtClean="0"/>
               <a:pPr/>
-              <a:t>8/1/2011</a:t>
+              <a:t>2/17/2026</a:t>
             </a:fld>
             <a:endParaRPr lang="en-US"/>
           </a:p>
@@ -1865,10 +1873,9 @@
           <a:lstStyle/>
           <a:p>
             <a:r>
-              <a:rPr lang="en-US" smtClean="0"/>
+              <a:rPr lang="en-US"/>
               <a:t>Click to edit Master title style</a:t>
             </a:r>
-            <a:endParaRPr lang="en-US"/>
           </a:p>
         </p:txBody>
       </p:sp>
@@ -1890,7 +1897,7 @@
             <a:fld id="{1D8BD707-D9CF-40AE-B4C6-C98DA3205C09}" type="datetimeFigureOut">
               <a:rPr lang="en-US" smtClean="0"/>
               <a:pPr/>
-              <a:t>8/1/2011</a:t>
+              <a:t>2/17/2026</a:t>
             </a:fld>
             <a:endParaRPr lang="en-US"/>
           </a:p>
@@ -1982,7 +1989,7 @@
             <a:fld id="{1D8BD707-D9CF-40AE-B4C6-C98DA3205C09}" type="datetimeFigureOut">
               <a:rPr lang="en-US" smtClean="0"/>
               <a:pPr/>
-              <a:t>8/1/2011</a:t>
+              <a:t>2/17/2026</a:t>
             </a:fld>
             <a:endParaRPr lang="en-US"/>
           </a:p>
@@ -2081,10 +2088,9 @@
           </a:lstStyle>
           <a:p>
             <a:r>
-              <a:rPr lang="en-US" smtClean="0"/>
+              <a:rPr lang="en-US"/>
               <a:t>Click to edit Master title style</a:t>
             </a:r>
-            <a:endParaRPr lang="en-US"/>
           </a:p>
         </p:txBody>
       </p:sp>
@@ -2138,38 +2144,37 @@
           <a:p>
             <a:pPr lvl="0"/>
             <a:r>
-              <a:rPr lang="en-US" smtClean="0"/>
+              <a:rPr lang="en-US"/>
               <a:t>Click to edit Master text styles</a:t>
             </a:r>
           </a:p>
           <a:p>
             <a:pPr lvl="1"/>
             <a:r>
-              <a:rPr lang="en-US" smtClean="0"/>
+              <a:rPr lang="en-US"/>
               <a:t>Second level</a:t>
             </a:r>
           </a:p>
           <a:p>
             <a:pPr lvl="2"/>
             <a:r>
-              <a:rPr lang="en-US" smtClean="0"/>
+              <a:rPr lang="en-US"/>
               <a:t>Third level</a:t>
             </a:r>
           </a:p>
           <a:p>
             <a:pPr lvl="3"/>
             <a:r>
-              <a:rPr lang="en-US" smtClean="0"/>
+              <a:rPr lang="en-US"/>
               <a:t>Fourth level</a:t>
             </a:r>
           </a:p>
           <a:p>
             <a:pPr lvl="4"/>
             <a:r>
-              <a:rPr lang="en-US" smtClean="0"/>
+              <a:rPr lang="en-US"/>
               <a:t>Fifth level</a:t>
             </a:r>
-            <a:endParaRPr lang="en-US"/>
           </a:p>
         </p:txBody>
       </p:sp>
@@ -2232,7 +2237,7 @@
           <a:p>
             <a:pPr lvl="0"/>
             <a:r>
-              <a:rPr lang="en-US" smtClean="0"/>
+              <a:rPr lang="en-US"/>
               <a:t>Click to edit Master text styles</a:t>
             </a:r>
           </a:p>
@@ -2256,7 +2261,7 @@
             <a:fld id="{1D8BD707-D9CF-40AE-B4C6-C98DA3205C09}" type="datetimeFigureOut">
               <a:rPr lang="en-US" smtClean="0"/>
               <a:pPr/>
-              <a:t>8/1/2011</a:t>
+              <a:t>2/17/2026</a:t>
             </a:fld>
             <a:endParaRPr lang="en-US"/>
           </a:p>
@@ -2355,10 +2360,9 @@
           </a:lstStyle>
           <a:p>
             <a:r>
-              <a:rPr lang="en-US" smtClean="0"/>
+              <a:rPr lang="en-US"/>
               <a:t>Click to edit Master title style</a:t>
             </a:r>
-            <a:endParaRPr lang="en-US"/>
           </a:p>
         </p:txBody>
       </p:sp>
@@ -2482,7 +2486,7 @@
           <a:p>
             <a:pPr lvl="0"/>
             <a:r>
-              <a:rPr lang="en-US" smtClean="0"/>
+              <a:rPr lang="en-US"/>
               <a:t>Click to edit Master text styles</a:t>
             </a:r>
           </a:p>
@@ -2506,7 +2510,7 @@
             <a:fld id="{1D8BD707-D9CF-40AE-B4C6-C98DA3205C09}" type="datetimeFigureOut">
               <a:rPr lang="en-US" smtClean="0"/>
               <a:pPr/>
-              <a:t>8/1/2011</a:t>
+              <a:t>2/17/2026</a:t>
             </a:fld>
             <a:endParaRPr lang="en-US"/>
           </a:p>
@@ -2611,10 +2615,9 @@
           <a:lstStyle/>
           <a:p>
             <a:r>
-              <a:rPr lang="en-US" smtClean="0"/>
+              <a:rPr lang="en-US"/>
               <a:t>Click to edit Master title style</a:t>
             </a:r>
-            <a:endParaRPr lang="en-US"/>
           </a:p>
         </p:txBody>
       </p:sp>
@@ -2645,38 +2648,37 @@
           <a:p>
             <a:pPr lvl="0"/>
             <a:r>
-              <a:rPr lang="en-US" smtClean="0"/>
+              <a:rPr lang="en-US"/>
               <a:t>Click to edit Master text styles</a:t>
             </a:r>
           </a:p>
           <a:p>
             <a:pPr lvl="1"/>
             <a:r>
-              <a:rPr lang="en-US" smtClean="0"/>
+              <a:rPr lang="en-US"/>
               <a:t>Second level</a:t>
             </a:r>
           </a:p>
           <a:p>
             <a:pPr lvl="2"/>
             <a:r>
-              <a:rPr lang="en-US" smtClean="0"/>
+              <a:rPr lang="en-US"/>
               <a:t>Third level</a:t>
             </a:r>
           </a:p>
           <a:p>
             <a:pPr lvl="3"/>
             <a:r>
-              <a:rPr lang="en-US" smtClean="0"/>
+              <a:rPr lang="en-US"/>
               <a:t>Fourth level</a:t>
             </a:r>
           </a:p>
           <a:p>
             <a:pPr lvl="4"/>
             <a:r>
-              <a:rPr lang="en-US" smtClean="0"/>
+              <a:rPr lang="en-US"/>
               <a:t>Fifth level</a:t>
             </a:r>
-            <a:endParaRPr lang="en-US"/>
           </a:p>
         </p:txBody>
       </p:sp>
@@ -2716,7 +2718,7 @@
             <a:fld id="{1D8BD707-D9CF-40AE-B4C6-C98DA3205C09}" type="datetimeFigureOut">
               <a:rPr lang="en-US" smtClean="0"/>
               <a:pPr/>
-              <a:t>8/1/2011</a:t>
+              <a:t>2/17/2026</a:t>
             </a:fld>
             <a:endParaRPr lang="en-US"/>
           </a:p>
@@ -3071,7 +3073,7 @@
 </file>
 
 <file path=ppt/slides/slide1.xml><?xml version="1.0" encoding="utf-8"?>
-<p:sld xmlns:p="http://schemas.openxmlformats.org/presentationml/2006/main" xmlns:a="http://schemas.openxmlformats.org/drawingml/2006/main" xmlns:r="http://schemas.openxmlformats.org/officeDocument/2006/relationships">
+<p:sld xmlns:a="http://schemas.openxmlformats.org/drawingml/2006/main" xmlns:r="http://schemas.openxmlformats.org/officeDocument/2006/relationships" xmlns:p="http://schemas.openxmlformats.org/presentationml/2006/main">
   <p:cSld>
     <p:spTree>
       <p:nvGrpSpPr>
@@ -3089,12 +3091,12 @@
       </p:grpSpPr>
       <p:sp>
         <p:nvSpPr>
-          <p:cNvPr name="Freeform 2" id="2"/>
+          <p:cNvPr id="2" name="Freeform 2"/>
           <p:cNvSpPr/>
           <p:nvPr/>
         </p:nvSpPr>
         <p:spPr>
-          <a:xfrm flipH="false" flipV="false" rot="0">
+          <a:xfrm>
             <a:off x="15615100" y="204611"/>
             <a:ext cx="1900850" cy="1900850"/>
           </a:xfrm>
@@ -3103,9 +3105,9 @@
             <a:gdLst/>
             <a:ahLst/>
             <a:cxnLst/>
-            <a:rect r="r" b="b" t="t" l="l"/>
+            <a:rect l="l" t="t" r="r" b="b"/>
             <a:pathLst>
-              <a:path h="1900850" w="1900850">
+              <a:path w="1900850" h="1900850">
                 <a:moveTo>
                   <a:pt x="0" y="0"/>
                 </a:moveTo>
@@ -3128,574 +3130,26 @@
           <a:blipFill>
             <a:blip r:embed="rId2"/>
             <a:stretch>
-              <a:fillRect l="0" t="0" r="0" b="0"/>
+              <a:fillRect/>
             </a:stretch>
           </a:blipFill>
         </p:spPr>
-      </p:sp>
-      <p:grpSp>
-        <p:nvGrpSpPr>
-          <p:cNvPr name="Group 3" id="3"/>
-          <p:cNvGrpSpPr/>
+        <p:txBody>
+          <a:bodyPr/>
+          <a:lstStyle/>
+          <a:p>
+            <a:endParaRPr lang="en-IN"/>
+          </a:p>
+        </p:txBody>
+      </p:sp>
+      <p:sp>
+        <p:nvSpPr>
+          <p:cNvPr id="20" name="TextBox 20"/>
+          <p:cNvSpPr txBox="1"/>
           <p:nvPr/>
-        </p:nvGrpSpPr>
-        <p:grpSpPr>
-          <a:xfrm rot="0">
-            <a:off x="10395880" y="2993284"/>
-            <a:ext cx="2570228" cy="2570228"/>
-            <a:chOff x="0" y="0"/>
-            <a:chExt cx="3426971" cy="3426971"/>
-          </a:xfrm>
-        </p:grpSpPr>
-        <p:grpSp>
-          <p:nvGrpSpPr>
-            <p:cNvPr name="Group 4" id="4"/>
-            <p:cNvGrpSpPr/>
-            <p:nvPr/>
-          </p:nvGrpSpPr>
-          <p:grpSpPr>
-            <a:xfrm rot="0">
-              <a:off x="0" y="0"/>
-              <a:ext cx="3426971" cy="3426971"/>
-              <a:chOff x="0" y="0"/>
-              <a:chExt cx="812800" cy="812800"/>
-            </a:xfrm>
-          </p:grpSpPr>
-          <p:sp>
-            <p:nvSpPr>
-              <p:cNvPr name="Freeform 5" id="5"/>
-              <p:cNvSpPr/>
-              <p:nvPr/>
-            </p:nvSpPr>
-            <p:spPr>
-              <a:xfrm flipH="false" flipV="false" rot="0">
-                <a:off x="0" y="0"/>
-                <a:ext cx="812800" cy="812800"/>
-              </a:xfrm>
-              <a:custGeom>
-                <a:avLst/>
-                <a:gdLst/>
-                <a:ahLst/>
-                <a:cxnLst/>
-                <a:rect r="r" b="b" t="t" l="l"/>
-                <a:pathLst>
-                  <a:path h="812800" w="812800">
-                    <a:moveTo>
-                      <a:pt x="406400" y="0"/>
-                    </a:moveTo>
-                    <a:cubicBezTo>
-                      <a:pt x="181951" y="0"/>
-                      <a:pt x="0" y="181951"/>
-                      <a:pt x="0" y="406400"/>
-                    </a:cubicBezTo>
-                    <a:cubicBezTo>
-                      <a:pt x="0" y="630849"/>
-                      <a:pt x="181951" y="812800"/>
-                      <a:pt x="406400" y="812800"/>
-                    </a:cubicBezTo>
-                    <a:cubicBezTo>
-                      <a:pt x="630849" y="812800"/>
-                      <a:pt x="812800" y="630849"/>
-                      <a:pt x="812800" y="406400"/>
-                    </a:cubicBezTo>
-                    <a:cubicBezTo>
-                      <a:pt x="812800" y="181951"/>
-                      <a:pt x="630849" y="0"/>
-                      <a:pt x="406400" y="0"/>
-                    </a:cubicBezTo>
-                    <a:close/>
-                  </a:path>
-                </a:pathLst>
-              </a:custGeom>
-              <a:solidFill>
-                <a:srgbClr val="D9D9D9">
-                  <a:alpha val="60000"/>
-                </a:srgbClr>
-              </a:solidFill>
-            </p:spPr>
-          </p:sp>
-          <p:sp>
-            <p:nvSpPr>
-              <p:cNvPr name="TextBox 6" id="6"/>
-              <p:cNvSpPr txBox="true"/>
-              <p:nvPr/>
-            </p:nvSpPr>
-            <p:spPr>
-              <a:xfrm>
-                <a:off x="76200" y="38100"/>
-                <a:ext cx="660400" cy="698500"/>
-              </a:xfrm>
-              <a:prstGeom prst="rect">
-                <a:avLst/>
-              </a:prstGeom>
-            </p:spPr>
-            <p:txBody>
-              <a:bodyPr anchor="ctr" rtlCol="false" tIns="50800" lIns="50800" bIns="50800" rIns="50800"/>
-              <a:lstStyle/>
-              <a:p>
-                <a:pPr algn="ctr">
-                  <a:lnSpc>
-                    <a:spcPts val="2660"/>
-                  </a:lnSpc>
-                </a:pPr>
-              </a:p>
-            </p:txBody>
-          </p:sp>
-        </p:grpSp>
-        <p:grpSp>
-          <p:nvGrpSpPr>
-            <p:cNvPr name="Group 7" id="7"/>
-            <p:cNvGrpSpPr/>
-            <p:nvPr/>
-          </p:nvGrpSpPr>
-          <p:grpSpPr>
-            <a:xfrm rot="0">
-              <a:off x="268890" y="268890"/>
-              <a:ext cx="2889192" cy="2889192"/>
-              <a:chOff x="0" y="0"/>
-              <a:chExt cx="812800" cy="812800"/>
-            </a:xfrm>
-          </p:grpSpPr>
-          <p:sp>
-            <p:nvSpPr>
-              <p:cNvPr name="Freeform 8" id="8"/>
-              <p:cNvSpPr/>
-              <p:nvPr/>
-            </p:nvSpPr>
-            <p:spPr>
-              <a:xfrm flipH="false" flipV="false" rot="0">
-                <a:off x="0" y="0"/>
-                <a:ext cx="812800" cy="812800"/>
-              </a:xfrm>
-              <a:custGeom>
-                <a:avLst/>
-                <a:gdLst/>
-                <a:ahLst/>
-                <a:cxnLst/>
-                <a:rect r="r" b="b" t="t" l="l"/>
-                <a:pathLst>
-                  <a:path h="812800" w="812800">
-                    <a:moveTo>
-                      <a:pt x="406400" y="0"/>
-                    </a:moveTo>
-                    <a:cubicBezTo>
-                      <a:pt x="181951" y="0"/>
-                      <a:pt x="0" y="181951"/>
-                      <a:pt x="0" y="406400"/>
-                    </a:cubicBezTo>
-                    <a:cubicBezTo>
-                      <a:pt x="0" y="630849"/>
-                      <a:pt x="181951" y="812800"/>
-                      <a:pt x="406400" y="812800"/>
-                    </a:cubicBezTo>
-                    <a:cubicBezTo>
-                      <a:pt x="630849" y="812800"/>
-                      <a:pt x="812800" y="630849"/>
-                      <a:pt x="812800" y="406400"/>
-                    </a:cubicBezTo>
-                    <a:cubicBezTo>
-                      <a:pt x="812800" y="181951"/>
-                      <a:pt x="630849" y="0"/>
-                      <a:pt x="406400" y="0"/>
-                    </a:cubicBezTo>
-                    <a:close/>
-                  </a:path>
-                </a:pathLst>
-              </a:custGeom>
-              <a:solidFill>
-                <a:srgbClr val="FFFFFF">
-                  <a:alpha val="60000"/>
-                </a:srgbClr>
-              </a:solidFill>
-            </p:spPr>
-          </p:sp>
-          <p:sp>
-            <p:nvSpPr>
-              <p:cNvPr name="TextBox 9" id="9"/>
-              <p:cNvSpPr txBox="true"/>
-              <p:nvPr/>
-            </p:nvSpPr>
-            <p:spPr>
-              <a:xfrm>
-                <a:off x="76200" y="38100"/>
-                <a:ext cx="660400" cy="698500"/>
-              </a:xfrm>
-              <a:prstGeom prst="rect">
-                <a:avLst/>
-              </a:prstGeom>
-            </p:spPr>
-            <p:txBody>
-              <a:bodyPr anchor="ctr" rtlCol="false" tIns="50800" lIns="50800" bIns="50800" rIns="50800"/>
-              <a:lstStyle/>
-              <a:p>
-                <a:pPr algn="ctr">
-                  <a:lnSpc>
-                    <a:spcPts val="2660"/>
-                  </a:lnSpc>
-                </a:pPr>
-              </a:p>
-            </p:txBody>
-          </p:sp>
-        </p:grpSp>
-      </p:grpSp>
-      <p:grpSp>
-        <p:nvGrpSpPr>
-          <p:cNvPr name="Group 10" id="10"/>
-          <p:cNvGrpSpPr/>
-          <p:nvPr/>
-        </p:nvGrpSpPr>
-        <p:grpSpPr>
-          <a:xfrm rot="5400000">
-            <a:off x="12326699" y="4133427"/>
-            <a:ext cx="6576801" cy="3288400"/>
-            <a:chOff x="0" y="0"/>
-            <a:chExt cx="660400" cy="330200"/>
-          </a:xfrm>
-        </p:grpSpPr>
-        <p:sp>
-          <p:nvSpPr>
-            <p:cNvPr name="Freeform 11" id="11"/>
-            <p:cNvSpPr/>
-            <p:nvPr/>
-          </p:nvSpPr>
-          <p:spPr>
-            <a:xfrm flipH="false" flipV="false" rot="0">
-              <a:off x="0" y="0"/>
-              <a:ext cx="660400" cy="330200"/>
-            </a:xfrm>
-            <a:custGeom>
-              <a:avLst/>
-              <a:gdLst/>
-              <a:ahLst/>
-              <a:cxnLst/>
-              <a:rect r="r" b="b" t="t" l="l"/>
-              <a:pathLst>
-                <a:path h="330200" w="660400">
-                  <a:moveTo>
-                    <a:pt x="660400" y="330200"/>
-                  </a:moveTo>
-                  <a:cubicBezTo>
-                    <a:pt x="660400" y="150345"/>
-                    <a:pt x="510055" y="0"/>
-                    <a:pt x="330200" y="0"/>
-                  </a:cubicBezTo>
-                  <a:cubicBezTo>
-                    <a:pt x="150345" y="0"/>
-                    <a:pt x="0" y="150345"/>
-                    <a:pt x="0" y="330200"/>
-                  </a:cubicBezTo>
-                  <a:lnTo>
-                    <a:pt x="183347" y="330200"/>
-                  </a:lnTo>
-                  <a:cubicBezTo>
-                    <a:pt x="183347" y="250212"/>
-                    <a:pt x="250212" y="183347"/>
-                    <a:pt x="330200" y="183347"/>
-                  </a:cubicBezTo>
-                  <a:cubicBezTo>
-                    <a:pt x="410188" y="183347"/>
-                    <a:pt x="477053" y="250212"/>
-                    <a:pt x="477053" y="330200"/>
-                  </a:cubicBezTo>
-                  <a:lnTo>
-                    <a:pt x="660400" y="330200"/>
-                  </a:lnTo>
-                  <a:close/>
-                </a:path>
-              </a:pathLst>
-            </a:custGeom>
-            <a:gradFill rotWithShape="true">
-              <a:gsLst>
-                <a:gs pos="0">
-                  <a:srgbClr val="5DE0E6">
-                    <a:alpha val="100000"/>
-                  </a:srgbClr>
-                </a:gs>
-                <a:gs pos="100000">
-                  <a:srgbClr val="004AAD">
-                    <a:alpha val="100000"/>
-                  </a:srgbClr>
-                </a:gs>
-              </a:gsLst>
-              <a:lin ang="0"/>
-            </a:gradFill>
-          </p:spPr>
-        </p:sp>
-        <p:sp>
-          <p:nvSpPr>
-            <p:cNvPr name="TextBox 12" id="12"/>
-            <p:cNvSpPr txBox="true"/>
-            <p:nvPr/>
-          </p:nvSpPr>
-          <p:spPr>
-            <a:xfrm>
-              <a:off x="127000" y="6350"/>
-              <a:ext cx="406400" cy="184150"/>
-            </a:xfrm>
-            <a:prstGeom prst="rect">
-              <a:avLst/>
-            </a:prstGeom>
-          </p:spPr>
-          <p:txBody>
-            <a:bodyPr anchor="ctr" rtlCol="false" tIns="50800" lIns="50800" bIns="50800" rIns="50800"/>
-            <a:lstStyle/>
-            <a:p>
-              <a:pPr algn="ctr">
-                <a:lnSpc>
-                  <a:spcPts val="2659"/>
-                </a:lnSpc>
-              </a:pPr>
-            </a:p>
-          </p:txBody>
-        </p:sp>
-      </p:grpSp>
-      <p:grpSp>
-        <p:nvGrpSpPr>
-          <p:cNvPr name="Group 13" id="13"/>
-          <p:cNvGrpSpPr/>
-          <p:nvPr/>
-        </p:nvGrpSpPr>
-        <p:grpSpPr>
-          <a:xfrm rot="0">
-            <a:off x="11186557" y="2993284"/>
-            <a:ext cx="5568686" cy="5568686"/>
-            <a:chOff x="0" y="0"/>
-            <a:chExt cx="812800" cy="812800"/>
-          </a:xfrm>
-        </p:grpSpPr>
-        <p:sp>
-          <p:nvSpPr>
-            <p:cNvPr name="Freeform 14" id="14"/>
-            <p:cNvSpPr/>
-            <p:nvPr/>
-          </p:nvSpPr>
-          <p:spPr>
-            <a:xfrm flipH="false" flipV="false" rot="0">
-              <a:off x="0" y="0"/>
-              <a:ext cx="812800" cy="812800"/>
-            </a:xfrm>
-            <a:custGeom>
-              <a:avLst/>
-              <a:gdLst/>
-              <a:ahLst/>
-              <a:cxnLst/>
-              <a:rect r="r" b="b" t="t" l="l"/>
-              <a:pathLst>
-                <a:path h="812800" w="812800">
-                  <a:moveTo>
-                    <a:pt x="406400" y="0"/>
-                  </a:moveTo>
-                  <a:cubicBezTo>
-                    <a:pt x="181951" y="0"/>
-                    <a:pt x="0" y="181951"/>
-                    <a:pt x="0" y="406400"/>
-                  </a:cubicBezTo>
-                  <a:cubicBezTo>
-                    <a:pt x="0" y="630849"/>
-                    <a:pt x="181951" y="812800"/>
-                    <a:pt x="406400" y="812800"/>
-                  </a:cubicBezTo>
-                  <a:cubicBezTo>
-                    <a:pt x="630849" y="812800"/>
-                    <a:pt x="812800" y="630849"/>
-                    <a:pt x="812800" y="406400"/>
-                  </a:cubicBezTo>
-                  <a:cubicBezTo>
-                    <a:pt x="812800" y="181951"/>
-                    <a:pt x="630849" y="0"/>
-                    <a:pt x="406400" y="0"/>
-                  </a:cubicBezTo>
-                  <a:close/>
-                </a:path>
-              </a:pathLst>
-            </a:custGeom>
-            <a:solidFill>
-              <a:srgbClr val="D9D9D9"/>
-            </a:solidFill>
-          </p:spPr>
-        </p:sp>
-        <p:sp>
-          <p:nvSpPr>
-            <p:cNvPr name="TextBox 15" id="15"/>
-            <p:cNvSpPr txBox="true"/>
-            <p:nvPr/>
-          </p:nvSpPr>
-          <p:spPr>
-            <a:xfrm>
-              <a:off x="76200" y="38100"/>
-              <a:ext cx="660400" cy="698500"/>
-            </a:xfrm>
-            <a:prstGeom prst="rect">
-              <a:avLst/>
-            </a:prstGeom>
-          </p:spPr>
-          <p:txBody>
-            <a:bodyPr anchor="ctr" rtlCol="false" tIns="50800" lIns="50800" bIns="50800" rIns="50800"/>
-            <a:lstStyle/>
-            <a:p>
-              <a:pPr algn="ctr">
-                <a:lnSpc>
-                  <a:spcPts val="2659"/>
-                </a:lnSpc>
-                <a:spcBef>
-                  <a:spcPct val="0"/>
-                </a:spcBef>
-              </a:pPr>
-            </a:p>
-          </p:txBody>
-        </p:sp>
-      </p:grpSp>
-      <p:sp>
-        <p:nvSpPr>
-          <p:cNvPr name="Freeform 16" id="16"/>
-          <p:cNvSpPr/>
-          <p:nvPr/>
         </p:nvSpPr>
         <p:spPr>
-          <a:xfrm flipH="false" flipV="false" rot="0">
-            <a:off x="11186557" y="2819039"/>
-            <a:ext cx="5917175" cy="5917175"/>
-          </a:xfrm>
-          <a:custGeom>
-            <a:avLst/>
-            <a:gdLst/>
-            <a:ahLst/>
-            <a:cxnLst/>
-            <a:rect r="r" b="b" t="t" l="l"/>
-            <a:pathLst>
-              <a:path h="5917175" w="5917175">
-                <a:moveTo>
-                  <a:pt x="0" y="0"/>
-                </a:moveTo>
-                <a:lnTo>
-                  <a:pt x="5917175" y="0"/>
-                </a:lnTo>
-                <a:lnTo>
-                  <a:pt x="5917175" y="5917176"/>
-                </a:lnTo>
-                <a:lnTo>
-                  <a:pt x="0" y="5917176"/>
-                </a:lnTo>
-                <a:lnTo>
-                  <a:pt x="0" y="0"/>
-                </a:lnTo>
-                <a:close/>
-              </a:path>
-            </a:pathLst>
-          </a:custGeom>
-          <a:blipFill>
-            <a:blip r:embed="rId2">
-              <a:alphaModFix amt="90000"/>
-            </a:blip>
-            <a:stretch>
-              <a:fillRect l="0" t="0" r="0" b="0"/>
-            </a:stretch>
-          </a:blipFill>
-        </p:spPr>
-      </p:sp>
-      <p:grpSp>
-        <p:nvGrpSpPr>
-          <p:cNvPr name="Group 17" id="17"/>
-          <p:cNvGrpSpPr/>
-          <p:nvPr/>
-        </p:nvGrpSpPr>
-        <p:grpSpPr>
-          <a:xfrm rot="0">
-            <a:off x="10395880" y="7379557"/>
-            <a:ext cx="1543050" cy="1543050"/>
-            <a:chOff x="0" y="0"/>
-            <a:chExt cx="812800" cy="812800"/>
-          </a:xfrm>
-        </p:grpSpPr>
-        <p:sp>
-          <p:nvSpPr>
-            <p:cNvPr name="Freeform 18" id="18"/>
-            <p:cNvSpPr/>
-            <p:nvPr/>
-          </p:nvSpPr>
-          <p:spPr>
-            <a:xfrm flipH="false" flipV="false" rot="0">
-              <a:off x="0" y="0"/>
-              <a:ext cx="812800" cy="812800"/>
-            </a:xfrm>
-            <a:custGeom>
-              <a:avLst/>
-              <a:gdLst/>
-              <a:ahLst/>
-              <a:cxnLst/>
-              <a:rect r="r" b="b" t="t" l="l"/>
-              <a:pathLst>
-                <a:path h="812800" w="812800">
-                  <a:moveTo>
-                    <a:pt x="406400" y="0"/>
-                  </a:moveTo>
-                  <a:cubicBezTo>
-                    <a:pt x="181951" y="0"/>
-                    <a:pt x="0" y="181951"/>
-                    <a:pt x="0" y="406400"/>
-                  </a:cubicBezTo>
-                  <a:cubicBezTo>
-                    <a:pt x="0" y="630849"/>
-                    <a:pt x="181951" y="812800"/>
-                    <a:pt x="406400" y="812800"/>
-                  </a:cubicBezTo>
-                  <a:cubicBezTo>
-                    <a:pt x="630849" y="812800"/>
-                    <a:pt x="812800" y="630849"/>
-                    <a:pt x="812800" y="406400"/>
-                  </a:cubicBezTo>
-                  <a:cubicBezTo>
-                    <a:pt x="812800" y="181951"/>
-                    <a:pt x="630849" y="0"/>
-                    <a:pt x="406400" y="0"/>
-                  </a:cubicBezTo>
-                  <a:close/>
-                </a:path>
-              </a:pathLst>
-            </a:custGeom>
-            <a:solidFill>
-              <a:srgbClr val="D9D9D9">
-                <a:alpha val="60000"/>
-              </a:srgbClr>
-            </a:solidFill>
-          </p:spPr>
-        </p:sp>
-        <p:sp>
-          <p:nvSpPr>
-            <p:cNvPr name="TextBox 19" id="19"/>
-            <p:cNvSpPr txBox="true"/>
-            <p:nvPr/>
-          </p:nvSpPr>
-          <p:spPr>
-            <a:xfrm>
-              <a:off x="76200" y="38100"/>
-              <a:ext cx="660400" cy="698500"/>
-            </a:xfrm>
-            <a:prstGeom prst="rect">
-              <a:avLst/>
-            </a:prstGeom>
-          </p:spPr>
-          <p:txBody>
-            <a:bodyPr anchor="ctr" rtlCol="false" tIns="50800" lIns="50800" bIns="50800" rIns="50800"/>
-            <a:lstStyle/>
-            <a:p>
-              <a:pPr algn="ctr">
-                <a:lnSpc>
-                  <a:spcPts val="2659"/>
-                </a:lnSpc>
-              </a:pPr>
-            </a:p>
-          </p:txBody>
-        </p:sp>
-      </p:grpSp>
-      <p:sp>
-        <p:nvSpPr>
-          <p:cNvPr name="TextBox 20" id="20"/>
-          <p:cNvSpPr txBox="true"/>
-          <p:nvPr/>
-        </p:nvSpPr>
-        <p:spPr>
-          <a:xfrm rot="0">
+          <a:xfrm>
             <a:off x="5118672" y="495727"/>
             <a:ext cx="7847436" cy="1185269"/>
           </a:xfrm>
@@ -3704,7 +3158,7 @@
           </a:prstGeom>
         </p:spPr>
         <p:txBody>
-          <a:bodyPr anchor="t" rtlCol="false" tIns="0" lIns="0" bIns="0" rIns="0">
+          <a:bodyPr lIns="0" tIns="0" rIns="0" bIns="0" rtlCol="0" anchor="t">
             <a:spAutoFit/>
           </a:bodyPr>
           <a:lstStyle/>
@@ -3743,21 +3197,21 @@
       </p:sp>
       <p:sp>
         <p:nvSpPr>
-          <p:cNvPr name="TextBox 21" id="21"/>
-          <p:cNvSpPr txBox="true"/>
+          <p:cNvPr id="21" name="TextBox 21"/>
+          <p:cNvSpPr txBox="1"/>
           <p:nvPr/>
         </p:nvSpPr>
         <p:spPr>
-          <a:xfrm rot="0">
-            <a:off x="7608825" y="1874350"/>
-            <a:ext cx="3070350" cy="1412874"/>
+          <a:xfrm>
+            <a:off x="7004812" y="1883844"/>
+            <a:ext cx="4278375" cy="1412874"/>
           </a:xfrm>
           <a:prstGeom prst="rect">
             <a:avLst/>
           </a:prstGeom>
         </p:spPr>
         <p:txBody>
-          <a:bodyPr anchor="t" rtlCol="false" tIns="0" lIns="0" bIns="0" rIns="0">
+          <a:bodyPr wrap="square" lIns="0" tIns="0" rIns="0" bIns="0" rtlCol="0" anchor="t">
             <a:spAutoFit/>
           </a:bodyPr>
           <a:lstStyle/>
@@ -3768,7 +3222,7 @@
               </a:lnSpc>
             </a:pPr>
             <a:r>
-              <a:rPr lang="en-US" sz="4000" b="true">
+              <a:rPr lang="en-US" sz="4400" b="1" u="sng" dirty="0">
                 <a:solidFill>
                   <a:srgbClr val="000000"/>
                 </a:solidFill>
@@ -3786,31 +3240,40 @@
                 <a:spcPts val="5600"/>
               </a:lnSpc>
             </a:pPr>
-          </a:p>
-        </p:txBody>
-      </p:sp>
-      <p:sp>
-        <p:nvSpPr>
-          <p:cNvPr name="TextBox 22" id="22"/>
-          <p:cNvSpPr txBox="true"/>
+            <a:endParaRPr lang="en-US" sz="4000" b="1" u="sng" dirty="0">
+              <a:solidFill>
+                <a:srgbClr val="000000"/>
+              </a:solidFill>
+              <a:latin typeface="Times New Roman Bold"/>
+              <a:ea typeface="Times New Roman Bold"/>
+              <a:cs typeface="Times New Roman Bold"/>
+              <a:sym typeface="Times New Roman Bold"/>
+            </a:endParaRPr>
+          </a:p>
+        </p:txBody>
+      </p:sp>
+      <p:sp>
+        <p:nvSpPr>
+          <p:cNvPr id="22" name="TextBox 22"/>
+          <p:cNvSpPr txBox="1"/>
           <p:nvPr/>
         </p:nvSpPr>
         <p:spPr>
-          <a:xfrm rot="0">
+          <a:xfrm>
             <a:off x="1179142" y="3296718"/>
-            <a:ext cx="7187913" cy="5438776"/>
+            <a:ext cx="16336808" cy="6466065"/>
           </a:xfrm>
           <a:prstGeom prst="rect">
             <a:avLst/>
           </a:prstGeom>
         </p:spPr>
         <p:txBody>
-          <a:bodyPr anchor="t" rtlCol="false" tIns="0" lIns="0" bIns="0" rIns="0">
+          <a:bodyPr wrap="square" lIns="0" tIns="0" rIns="0" bIns="0" rtlCol="0" anchor="t">
             <a:spAutoFit/>
           </a:bodyPr>
           <a:lstStyle/>
           <a:p>
-            <a:pPr algn="l" marL="582925" indent="-291463" lvl="1">
+            <a:pPr marL="582925" lvl="1" indent="-291463" algn="l">
               <a:lnSpc>
                 <a:spcPts val="3914"/>
               </a:lnSpc>
@@ -3818,7 +3281,7 @@
               <a:buChar char="•"/>
             </a:pPr>
             <a:r>
-              <a:rPr lang="en-US" b="true" sz="2699">
+              <a:rPr lang="en-US" sz="2699" b="1" dirty="0">
                 <a:solidFill>
                   <a:srgbClr val="000000"/>
                 </a:solidFill>
@@ -3836,9 +3299,18 @@
                 <a:spcPts val="3914"/>
               </a:lnSpc>
             </a:pPr>
-          </a:p>
-          <a:p>
-            <a:pPr algn="l" marL="582925" indent="-291463" lvl="1">
+            <a:endParaRPr lang="en-US" sz="2699" b="1" dirty="0">
+              <a:solidFill>
+                <a:srgbClr val="000000"/>
+              </a:solidFill>
+              <a:latin typeface="Open Sans Bold"/>
+              <a:ea typeface="Open Sans Bold"/>
+              <a:cs typeface="Open Sans Bold"/>
+              <a:sym typeface="Open Sans Bold"/>
+            </a:endParaRPr>
+          </a:p>
+          <a:p>
+            <a:pPr marL="582925" lvl="1" indent="-291463" algn="l">
               <a:lnSpc>
                 <a:spcPts val="3914"/>
               </a:lnSpc>
@@ -3846,7 +3318,7 @@
               <a:buChar char="•"/>
             </a:pPr>
             <a:r>
-              <a:rPr lang="en-US" b="true" sz="2699">
+              <a:rPr lang="en-US" sz="2699" b="1" dirty="0">
                 <a:solidFill>
                   <a:srgbClr val="000000"/>
                 </a:solidFill>
@@ -3859,14 +3331,55 @@
             </a:r>
           </a:p>
           <a:p>
+            <a:pPr marL="291462" lvl="1" algn="l">
+              <a:lnSpc>
+                <a:spcPts val="3914"/>
+              </a:lnSpc>
+            </a:pPr>
+            <a:endParaRPr lang="en-US" sz="2699" b="1" dirty="0">
+              <a:solidFill>
+                <a:srgbClr val="000000"/>
+              </a:solidFill>
+              <a:latin typeface="Open Sans Bold"/>
+              <a:ea typeface="Open Sans Bold"/>
+              <a:cs typeface="Open Sans Bold"/>
+              <a:sym typeface="Open Sans Bold"/>
+            </a:endParaRPr>
+          </a:p>
+          <a:p>
+            <a:pPr marL="291462" lvl="1" algn="l">
+              <a:lnSpc>
+                <a:spcPts val="3914"/>
+              </a:lnSpc>
+            </a:pPr>
+            <a:endParaRPr lang="en-US" sz="2699" b="1" dirty="0">
+              <a:solidFill>
+                <a:srgbClr val="000000"/>
+              </a:solidFill>
+              <a:latin typeface="Open Sans Bold"/>
+              <a:ea typeface="Open Sans Bold"/>
+              <a:cs typeface="Open Sans Bold"/>
+              <a:sym typeface="Open Sans Bold"/>
+            </a:endParaRPr>
+          </a:p>
+          <a:p>
             <a:pPr algn="l">
               <a:lnSpc>
                 <a:spcPts val="3914"/>
               </a:lnSpc>
             </a:pPr>
-          </a:p>
-          <a:p>
-            <a:pPr algn="l" marL="582925" indent="-291463" lvl="1">
+            <a:endParaRPr lang="en-US" sz="2699" b="1" dirty="0">
+              <a:solidFill>
+                <a:srgbClr val="000000"/>
+              </a:solidFill>
+              <a:latin typeface="Open Sans Bold"/>
+              <a:ea typeface="Open Sans Bold"/>
+              <a:cs typeface="Open Sans Bold"/>
+              <a:sym typeface="Open Sans Bold"/>
+            </a:endParaRPr>
+          </a:p>
+          <a:p>
+            <a:pPr marL="582925" lvl="1" indent="-291463" algn="l">
               <a:lnSpc>
                 <a:spcPts val="3914"/>
               </a:lnSpc>
@@ -3874,7 +3387,7 @@
               <a:buChar char="•"/>
             </a:pPr>
             <a:r>
-              <a:rPr lang="en-US" b="true" sz="2699">
+              <a:rPr lang="en-US" sz="2699" b="1" dirty="0">
                 <a:solidFill>
                   <a:srgbClr val="000000"/>
                 </a:solidFill>
@@ -3892,9 +3405,18 @@
                 <a:spcPts val="3914"/>
               </a:lnSpc>
             </a:pPr>
-          </a:p>
-          <a:p>
-            <a:pPr algn="l" marL="582925" indent="-291463" lvl="1">
+            <a:endParaRPr lang="en-US" sz="2699" b="1" dirty="0">
+              <a:solidFill>
+                <a:srgbClr val="000000"/>
+              </a:solidFill>
+              <a:latin typeface="Open Sans Bold"/>
+              <a:ea typeface="Open Sans Bold"/>
+              <a:cs typeface="Open Sans Bold"/>
+              <a:sym typeface="Open Sans Bold"/>
+            </a:endParaRPr>
+          </a:p>
+          <a:p>
+            <a:pPr marL="582925" lvl="1" indent="-291463" algn="l">
               <a:lnSpc>
                 <a:spcPts val="3914"/>
               </a:lnSpc>
@@ -3902,7 +3424,7 @@
               <a:buChar char="•"/>
             </a:pPr>
             <a:r>
-              <a:rPr lang="en-US" b="true" sz="2699">
+              <a:rPr lang="en-US" sz="2699" b="1" dirty="0">
                 <a:solidFill>
                   <a:srgbClr val="000000"/>
                 </a:solidFill>
@@ -3920,9 +3442,18 @@
                 <a:spcPts val="3914"/>
               </a:lnSpc>
             </a:pPr>
-          </a:p>
-          <a:p>
-            <a:pPr algn="l" marL="582925" indent="-291463" lvl="1">
+            <a:endParaRPr lang="en-US" sz="2699" b="1" dirty="0">
+              <a:solidFill>
+                <a:srgbClr val="000000"/>
+              </a:solidFill>
+              <a:latin typeface="Open Sans Bold"/>
+              <a:ea typeface="Open Sans Bold"/>
+              <a:cs typeface="Open Sans Bold"/>
+              <a:sym typeface="Open Sans Bold"/>
+            </a:endParaRPr>
+          </a:p>
+          <a:p>
+            <a:pPr marL="582925" lvl="1" indent="-291463" algn="l">
               <a:lnSpc>
                 <a:spcPts val="3914"/>
               </a:lnSpc>
@@ -3930,7 +3461,7 @@
               <a:buChar char="•"/>
             </a:pPr>
             <a:r>
-              <a:rPr lang="en-US" b="true" sz="2699">
+              <a:rPr lang="en-US" sz="2699" b="1" dirty="0">
                 <a:solidFill>
                   <a:srgbClr val="000000"/>
                 </a:solidFill>
@@ -3948,9 +3479,18 @@
                 <a:spcPts val="3914"/>
               </a:lnSpc>
             </a:pPr>
-          </a:p>
-          <a:p>
-            <a:pPr algn="l" marL="582925" indent="-291463" lvl="1">
+            <a:endParaRPr lang="en-US" sz="2699" b="1" dirty="0">
+              <a:solidFill>
+                <a:srgbClr val="000000"/>
+              </a:solidFill>
+              <a:latin typeface="Open Sans Bold"/>
+              <a:ea typeface="Open Sans Bold"/>
+              <a:cs typeface="Open Sans Bold"/>
+              <a:sym typeface="Open Sans Bold"/>
+            </a:endParaRPr>
+          </a:p>
+          <a:p>
+            <a:pPr marL="582925" lvl="1" indent="-291463" algn="l">
               <a:lnSpc>
                 <a:spcPts val="3914"/>
               </a:lnSpc>
@@ -3958,7 +3498,7 @@
               <a:buChar char="•"/>
             </a:pPr>
             <a:r>
-              <a:rPr lang="en-US" b="true" sz="2699">
+              <a:rPr lang="en-US" sz="2699" b="1" dirty="0">
                 <a:solidFill>
                   <a:srgbClr val="000000"/>
                 </a:solidFill>
@@ -3972,6 +3512,44 @@
           </a:p>
         </p:txBody>
       </p:sp>
+      <p:pic>
+        <p:nvPicPr>
+          <p:cNvPr id="26" name="Picture 25">
+            <a:extLst>
+              <a:ext uri="{FF2B5EF4-FFF2-40B4-BE49-F238E27FC236}">
+                <a16:creationId xmlns:a16="http://schemas.microsoft.com/office/drawing/2014/main" id="{4EAC92FC-F709-911A-E320-D24ED06FF864}"/>
+              </a:ext>
+            </a:extLst>
+          </p:cNvPr>
+          <p:cNvPicPr>
+            <a:picLocks noChangeAspect="1"/>
+          </p:cNvPicPr>
+          <p:nvPr/>
+        </p:nvPicPr>
+        <p:blipFill>
+          <a:blip r:embed="rId3">
+            <a:alphaModFix amt="35000"/>
+            <a:extLst>
+              <a:ext uri="{28A0092B-C50C-407E-A947-70E740481C1C}">
+                <a14:useLocalDpi xmlns:a14="http://schemas.microsoft.com/office/drawing/2010/main" val="0"/>
+              </a:ext>
+            </a:extLst>
+          </a:blip>
+          <a:srcRect l="49167" t="39350" r="22500" b="15082"/>
+          <a:stretch>
+            <a:fillRect/>
+          </a:stretch>
+        </p:blipFill>
+        <p:spPr>
+          <a:xfrm>
+            <a:off x="11301723" y="2781300"/>
+            <a:ext cx="6214227" cy="5621730"/>
+          </a:xfrm>
+          <a:prstGeom prst="rect">
+            <a:avLst/>
+          </a:prstGeom>
+        </p:spPr>
+      </p:pic>
     </p:spTree>
   </p:cSld>
   <p:clrMapOvr>
@@ -3980,8 +3558,8 @@
 </p:sld>
 </file>
 
-<file path=ppt/slides/slide2.xml><?xml version="1.0" encoding="utf-8"?>
-<p:sld xmlns:p="http://schemas.openxmlformats.org/presentationml/2006/main" xmlns:a="http://schemas.openxmlformats.org/drawingml/2006/main" xmlns:r="http://schemas.openxmlformats.org/officeDocument/2006/relationships">
+<file path=ppt/slides/slide10.xml><?xml version="1.0" encoding="utf-8"?>
+<p:sld xmlns:a="http://schemas.openxmlformats.org/drawingml/2006/main" xmlns:r="http://schemas.openxmlformats.org/officeDocument/2006/relationships" xmlns:p="http://schemas.openxmlformats.org/presentationml/2006/main">
   <p:cSld>
     <p:spTree>
       <p:nvGrpSpPr>
@@ -3999,12 +3577,12 @@
       </p:grpSpPr>
       <p:sp>
         <p:nvSpPr>
-          <p:cNvPr name="Freeform 2" id="2"/>
+          <p:cNvPr id="2" name="Freeform 2"/>
           <p:cNvSpPr/>
           <p:nvPr/>
         </p:nvSpPr>
         <p:spPr>
-          <a:xfrm flipH="false" flipV="false" rot="0">
+          <a:xfrm>
             <a:off x="15252215" y="546926"/>
             <a:ext cx="1900850" cy="1900850"/>
           </a:xfrm>
@@ -4013,9 +3591,9 @@
             <a:gdLst/>
             <a:ahLst/>
             <a:cxnLst/>
-            <a:rect r="r" b="b" t="t" l="l"/>
+            <a:rect l="l" t="t" r="r" b="b"/>
             <a:pathLst>
-              <a:path h="1900850" w="1900850">
+              <a:path w="1900850" h="1900850">
                 <a:moveTo>
                   <a:pt x="0" y="0"/>
                 </a:moveTo>
@@ -4038,19 +3616,26 @@
           <a:blipFill>
             <a:blip r:embed="rId2"/>
             <a:stretch>
-              <a:fillRect l="0" t="0" r="0" b="0"/>
+              <a:fillRect/>
             </a:stretch>
           </a:blipFill>
         </p:spPr>
+        <p:txBody>
+          <a:bodyPr/>
+          <a:lstStyle/>
+          <a:p>
+            <a:endParaRPr lang="en-IN"/>
+          </a:p>
+        </p:txBody>
       </p:sp>
       <p:grpSp>
         <p:nvGrpSpPr>
-          <p:cNvPr name="Group 3" id="3"/>
+          <p:cNvPr id="3" name="Group 3"/>
           <p:cNvGrpSpPr/>
           <p:nvPr/>
         </p:nvGrpSpPr>
         <p:grpSpPr>
-          <a:xfrm rot="0">
+          <a:xfrm>
             <a:off x="894614" y="736842"/>
             <a:ext cx="2720530" cy="1521019"/>
             <a:chOff x="0" y="0"/>
@@ -4059,12 +3644,12 @@
         </p:grpSpPr>
         <p:grpSp>
           <p:nvGrpSpPr>
-            <p:cNvPr name="Group 4" id="4"/>
+            <p:cNvPr id="4" name="Group 4"/>
             <p:cNvGrpSpPr/>
             <p:nvPr/>
           </p:nvGrpSpPr>
           <p:grpSpPr>
-            <a:xfrm rot="0">
+            <a:xfrm>
               <a:off x="0" y="0"/>
               <a:ext cx="3627373" cy="2028026"/>
               <a:chOff x="0" y="0"/>
@@ -4073,12 +3658,12 @@
           </p:grpSpPr>
           <p:sp>
             <p:nvSpPr>
-              <p:cNvPr name="Freeform 5" id="5"/>
+              <p:cNvPr id="5" name="Freeform 5"/>
               <p:cNvSpPr/>
               <p:nvPr/>
             </p:nvSpPr>
             <p:spPr>
-              <a:xfrm flipH="false" flipV="false" rot="0">
+              <a:xfrm>
                 <a:off x="0" y="0"/>
                 <a:ext cx="895448" cy="500635"/>
               </a:xfrm>
@@ -4087,9 +3672,9 @@
                 <a:gdLst/>
                 <a:ahLst/>
                 <a:cxnLst/>
-                <a:rect r="r" b="b" t="t" l="l"/>
+                <a:rect l="l" t="t" r="r" b="b"/>
                 <a:pathLst>
-                  <a:path h="500635" w="895448">
+                  <a:path w="895448" h="500635">
                     <a:moveTo>
                       <a:pt x="52373" y="0"/>
                     </a:moveTo>
@@ -4160,11 +3745,18 @@
                 <a:round/>
               </a:ln>
             </p:spPr>
+            <p:txBody>
+              <a:bodyPr/>
+              <a:lstStyle/>
+              <a:p>
+                <a:endParaRPr lang="en-IN"/>
+              </a:p>
+            </p:txBody>
           </p:sp>
           <p:sp>
             <p:nvSpPr>
-              <p:cNvPr name="TextBox 6" id="6"/>
-              <p:cNvSpPr txBox="true"/>
+              <p:cNvPr id="6" name="TextBox 6"/>
+              <p:cNvSpPr txBox="1"/>
               <p:nvPr/>
             </p:nvSpPr>
             <p:spPr>
@@ -4177,7 +3769,7 @@
               </a:prstGeom>
             </p:spPr>
             <p:txBody>
-              <a:bodyPr anchor="ctr" rtlCol="false" tIns="50800" lIns="50800" bIns="50800" rIns="50800"/>
+              <a:bodyPr lIns="50800" tIns="50800" rIns="50800" bIns="50800" rtlCol="0" anchor="ctr"/>
               <a:lstStyle/>
               <a:p>
                 <a:pPr algn="ctr">
@@ -4185,18 +3777,19 @@
                     <a:spcPts val="2659"/>
                   </a:lnSpc>
                 </a:pPr>
+                <a:endParaRPr/>
               </a:p>
             </p:txBody>
           </p:sp>
         </p:grpSp>
         <p:sp>
           <p:nvSpPr>
-            <p:cNvPr name="TextBox 7" id="7"/>
-            <p:cNvSpPr txBox="true"/>
+            <p:cNvPr id="7" name="TextBox 7"/>
+            <p:cNvSpPr txBox="1"/>
             <p:nvPr/>
           </p:nvSpPr>
           <p:spPr>
-            <a:xfrm rot="0">
+            <a:xfrm>
               <a:off x="222703" y="354116"/>
               <a:ext cx="3181967" cy="1272168"/>
             </a:xfrm>
@@ -4205,7 +3798,7 @@
             </a:prstGeom>
           </p:spPr>
           <p:txBody>
-            <a:bodyPr anchor="t" rtlCol="false" tIns="0" lIns="0" bIns="0" rIns="0">
+            <a:bodyPr lIns="0" tIns="0" rIns="0" bIns="0" rtlCol="0" anchor="t">
               <a:spAutoFit/>
             </a:bodyPr>
             <a:lstStyle/>
@@ -4252,12 +3845,12 @@
       </p:grpSp>
       <p:grpSp>
         <p:nvGrpSpPr>
-          <p:cNvPr name="Group 8" id="8"/>
+          <p:cNvPr id="8" name="Group 8"/>
           <p:cNvGrpSpPr/>
           <p:nvPr/>
         </p:nvGrpSpPr>
         <p:grpSpPr>
-          <a:xfrm rot="0">
+          <a:xfrm>
             <a:off x="0" y="9499924"/>
             <a:ext cx="18288000" cy="787076"/>
             <a:chOff x="0" y="0"/>
@@ -4266,12 +3859,12 @@
         </p:grpSpPr>
         <p:sp>
           <p:nvSpPr>
-            <p:cNvPr name="Freeform 9" id="9"/>
+            <p:cNvPr id="9" name="Freeform 9"/>
             <p:cNvSpPr/>
             <p:nvPr/>
           </p:nvSpPr>
           <p:spPr>
-            <a:xfrm flipH="false" flipV="false" rot="0">
+            <a:xfrm>
               <a:off x="0" y="0"/>
               <a:ext cx="4816592" cy="207296"/>
             </a:xfrm>
@@ -4280,9 +3873,9 @@
               <a:gdLst/>
               <a:ahLst/>
               <a:cxnLst/>
-              <a:rect r="r" b="b" t="t" l="l"/>
+              <a:rect l="l" t="t" r="r" b="b"/>
               <a:pathLst>
-                <a:path h="207296" w="4816592">
+                <a:path w="4816592" h="207296">
                   <a:moveTo>
                     <a:pt x="0" y="0"/>
                   </a:moveTo>
@@ -4303,11 +3896,18 @@
               <a:srgbClr val="6652DF"/>
             </a:solidFill>
           </p:spPr>
+          <p:txBody>
+            <a:bodyPr/>
+            <a:lstStyle/>
+            <a:p>
+              <a:endParaRPr lang="en-IN"/>
+            </a:p>
+          </p:txBody>
         </p:sp>
         <p:sp>
           <p:nvSpPr>
-            <p:cNvPr name="TextBox 10" id="10"/>
-            <p:cNvSpPr txBox="true"/>
+            <p:cNvPr id="10" name="TextBox 10"/>
+            <p:cNvSpPr txBox="1"/>
             <p:nvPr/>
           </p:nvSpPr>
           <p:spPr>
@@ -4320,7 +3920,7 @@
             </a:prstGeom>
           </p:spPr>
           <p:txBody>
-            <a:bodyPr anchor="ctr" rtlCol="false" tIns="50800" lIns="50800" bIns="50800" rIns="50800"/>
+            <a:bodyPr lIns="50800" tIns="50800" rIns="50800" bIns="50800" rtlCol="0" anchor="ctr"/>
             <a:lstStyle/>
             <a:p>
               <a:pPr algn="ctr">
@@ -4328,27 +3928,28 @@
                   <a:spcPts val="2659"/>
                 </a:lnSpc>
               </a:pPr>
+              <a:endParaRPr/>
             </a:p>
           </p:txBody>
         </p:sp>
       </p:grpSp>
       <p:sp>
         <p:nvSpPr>
-          <p:cNvPr name="TextBox 11" id="11"/>
-          <p:cNvSpPr txBox="true"/>
+          <p:cNvPr id="11" name="TextBox 11"/>
+          <p:cNvSpPr txBox="1"/>
           <p:nvPr/>
         </p:nvSpPr>
         <p:spPr>
-          <a:xfrm rot="0">
-            <a:off x="7977445" y="933450"/>
-            <a:ext cx="2912467" cy="698500"/>
+          <a:xfrm>
+            <a:off x="5979448" y="947255"/>
+            <a:ext cx="6720654" cy="670889"/>
           </a:xfrm>
           <a:prstGeom prst="rect">
             <a:avLst/>
           </a:prstGeom>
         </p:spPr>
         <p:txBody>
-          <a:bodyPr anchor="t" rtlCol="false" tIns="0" lIns="0" bIns="0" rIns="0">
+          <a:bodyPr wrap="square" lIns="0" tIns="0" rIns="0" bIns="0" rtlCol="0" anchor="t">
             <a:spAutoFit/>
           </a:bodyPr>
           <a:lstStyle/>
@@ -4359,7 +3960,7 @@
               </a:lnSpc>
             </a:pPr>
             <a:r>
-              <a:rPr lang="en-US" sz="3999" b="true">
+              <a:rPr lang="en-US" sz="4400" b="1" u="sng" dirty="0">
                 <a:solidFill>
                   <a:srgbClr val="000000"/>
                 </a:solidFill>
@@ -4368,76 +3969,33 @@
                 <a:cs typeface="Times New Roman Bold"/>
                 <a:sym typeface="Times New Roman Bold"/>
               </a:rPr>
-              <a:t>IDEA TITLE</a:t>
-            </a:r>
-          </a:p>
-        </p:txBody>
-      </p:sp>
-      <p:sp>
-        <p:nvSpPr>
-          <p:cNvPr name="TextBox 12" id="12"/>
-          <p:cNvSpPr txBox="true"/>
+              <a:t>IMPACT AND BENEFITS</a:t>
+            </a:r>
+          </a:p>
+        </p:txBody>
+      </p:sp>
+      <p:sp>
+        <p:nvSpPr>
+          <p:cNvPr id="12" name="TextBox 12"/>
+          <p:cNvSpPr txBox="1"/>
           <p:nvPr/>
         </p:nvSpPr>
         <p:spPr>
-          <a:xfrm rot="0">
-            <a:off x="1620009" y="4031266"/>
-            <a:ext cx="15047982" cy="629921"/>
+          <a:xfrm>
+            <a:off x="3615144" y="3831347"/>
+            <a:ext cx="12361500" cy="3100592"/>
           </a:xfrm>
           <a:prstGeom prst="rect">
             <a:avLst/>
           </a:prstGeom>
         </p:spPr>
         <p:txBody>
-          <a:bodyPr anchor="t" rtlCol="false" tIns="0" lIns="0" bIns="0" rIns="0">
+          <a:bodyPr lIns="0" tIns="0" rIns="0" bIns="0" rtlCol="0" anchor="t">
             <a:spAutoFit/>
           </a:bodyPr>
           <a:lstStyle/>
           <a:p>
-            <a:pPr algn="ctr" marL="798820" indent="-399410" lvl="1">
-              <a:lnSpc>
-                <a:spcPts val="5179"/>
-              </a:lnSpc>
-              <a:buFont typeface="Arial"/>
-              <a:buChar char="•"/>
-            </a:pPr>
-            <a:r>
-              <a:rPr lang="en-US" b="true" sz="3699" u="sng">
-                <a:solidFill>
-                  <a:srgbClr val="000000"/>
-                </a:solidFill>
-                <a:latin typeface="Open Sans Bold"/>
-                <a:ea typeface="Open Sans Bold"/>
-                <a:cs typeface="Open Sans Bold"/>
-                <a:sym typeface="Open Sans Bold"/>
-              </a:rPr>
-              <a:t>Proposed Solution (Describe your Idea/Solution/Prototype)</a:t>
-            </a:r>
-          </a:p>
-        </p:txBody>
-      </p:sp>
-      <p:sp>
-        <p:nvSpPr>
-          <p:cNvPr name="TextBox 13" id="13"/>
-          <p:cNvSpPr txBox="true"/>
-          <p:nvPr/>
-        </p:nvSpPr>
-        <p:spPr>
-          <a:xfrm rot="0">
-            <a:off x="3405999" y="5336360"/>
-            <a:ext cx="12361500" cy="1825626"/>
-          </a:xfrm>
-          <a:prstGeom prst="rect">
-            <a:avLst/>
-          </a:prstGeom>
-        </p:spPr>
-        <p:txBody>
-          <a:bodyPr anchor="t" rtlCol="false" tIns="0" lIns="0" bIns="0" rIns="0">
-            <a:spAutoFit/>
-          </a:bodyPr>
-          <a:lstStyle/>
-          <a:p>
-            <a:pPr algn="l" marL="755641" indent="-377820" lvl="1">
+            <a:pPr marL="755641" lvl="1" indent="-377820" algn="l">
               <a:lnSpc>
                 <a:spcPts val="4899"/>
               </a:lnSpc>
@@ -4445,7 +4003,7 @@
               <a:buChar char="•"/>
             </a:pPr>
             <a:r>
-              <a:rPr lang="en-US" sz="3499">
+              <a:rPr lang="en-US" sz="3499" dirty="0">
                 <a:solidFill>
                   <a:srgbClr val="000000"/>
                 </a:solidFill>
@@ -4454,11 +4012,11 @@
                 <a:cs typeface="Open Sans"/>
                 <a:sym typeface="Open Sans"/>
               </a:rPr>
-              <a:t>Detailed explanation of the proposed solution</a:t>
-            </a:r>
-          </a:p>
-          <a:p>
-            <a:pPr algn="l" marL="755641" indent="-377820" lvl="1">
+              <a:t>Potential impact on the target audience</a:t>
+            </a:r>
+          </a:p>
+          <a:p>
+            <a:pPr marL="755641" lvl="1" indent="-377820" algn="l">
               <a:lnSpc>
                 <a:spcPts val="4899"/>
               </a:lnSpc>
@@ -4466,7 +4024,7 @@
               <a:buChar char="•"/>
             </a:pPr>
             <a:r>
-              <a:rPr lang="en-US" sz="3499">
+              <a:rPr lang="en-US" sz="3499" dirty="0">
                 <a:solidFill>
                   <a:srgbClr val="000000"/>
                 </a:solidFill>
@@ -4475,11 +4033,11 @@
                 <a:cs typeface="Open Sans"/>
                 <a:sym typeface="Open Sans"/>
               </a:rPr>
-              <a:t>How it addresses the problem</a:t>
-            </a:r>
-          </a:p>
-          <a:p>
-            <a:pPr algn="l" marL="755641" indent="-377820" lvl="1">
+              <a:t> </a:t>
+            </a:r>
+          </a:p>
+          <a:p>
+            <a:pPr marL="755641" lvl="1" indent="-377820" algn="l">
               <a:lnSpc>
                 <a:spcPts val="4899"/>
               </a:lnSpc>
@@ -4487,7 +4045,7 @@
               <a:buChar char="•"/>
             </a:pPr>
             <a:r>
-              <a:rPr lang="en-US" sz="3499">
+              <a:rPr lang="en-US" sz="3499" dirty="0">
                 <a:solidFill>
                   <a:srgbClr val="000000"/>
                 </a:solidFill>
@@ -4496,28 +4054,70 @@
                 <a:cs typeface="Open Sans"/>
                 <a:sym typeface="Open Sans"/>
               </a:rPr>
-              <a:t>Innovation and uniqueness of the solution </a:t>
-            </a:r>
-          </a:p>
-        </p:txBody>
-      </p:sp>
-      <p:sp>
-        <p:nvSpPr>
-          <p:cNvPr name="TextBox 14" id="14"/>
-          <p:cNvSpPr txBox="true"/>
+              <a:t> </a:t>
+            </a:r>
+          </a:p>
+          <a:p>
+            <a:pPr marL="755641" lvl="1" indent="-377820" algn="l">
+              <a:lnSpc>
+                <a:spcPts val="4899"/>
+              </a:lnSpc>
+              <a:buFont typeface="Arial"/>
+              <a:buChar char="•"/>
+            </a:pPr>
+            <a:r>
+              <a:rPr lang="en-US" sz="3499" dirty="0">
+                <a:solidFill>
+                  <a:srgbClr val="000000"/>
+                </a:solidFill>
+                <a:latin typeface="Open Sans"/>
+                <a:ea typeface="Open Sans"/>
+                <a:cs typeface="Open Sans"/>
+                <a:sym typeface="Open Sans"/>
+              </a:rPr>
+              <a:t> </a:t>
+            </a:r>
+          </a:p>
+          <a:p>
+            <a:pPr marL="755641" lvl="1" indent="-377820" algn="l">
+              <a:lnSpc>
+                <a:spcPts val="4899"/>
+              </a:lnSpc>
+              <a:buFont typeface="Arial"/>
+              <a:buChar char="•"/>
+            </a:pPr>
+            <a:r>
+              <a:rPr lang="en-US" sz="3499" dirty="0">
+                <a:solidFill>
+                  <a:srgbClr val="000000"/>
+                </a:solidFill>
+                <a:latin typeface="Open Sans"/>
+                <a:ea typeface="Open Sans"/>
+                <a:cs typeface="Open Sans"/>
+                <a:sym typeface="Open Sans"/>
+              </a:rPr>
+              <a:t> </a:t>
+            </a:r>
+          </a:p>
+        </p:txBody>
+      </p:sp>
+      <p:sp>
+        <p:nvSpPr>
+          <p:cNvPr id="13" name="TextBox 13"/>
+          <p:cNvSpPr txBox="1"/>
           <p:nvPr/>
         </p:nvSpPr>
         <p:spPr>
-          <a:xfrm rot="0">
+          <a:xfrm>
             <a:off x="5983077" y="9704587"/>
-            <a:ext cx="6321847" cy="372707"/>
+            <a:ext cx="6321847" cy="763195"/>
           </a:xfrm>
           <a:prstGeom prst="rect">
             <a:avLst/>
           </a:prstGeom>
         </p:spPr>
         <p:txBody>
-          <a:bodyPr anchor="t" rtlCol="false" tIns="0" lIns="0" bIns="0" rIns="0">
+          <a:bodyPr lIns="0" tIns="0" rIns="0" bIns="0" rtlCol="0" anchor="t">
             <a:spAutoFit/>
           </a:bodyPr>
           <a:lstStyle/>
@@ -4537,20 +4137,85 @@
                 <a:cs typeface="Canva Sans"/>
                 <a:sym typeface="Canva Sans"/>
               </a:rPr>
-              <a:t> @ IGNITE 2K26 IDEA SUBMISSION -TEMPLATE</a:t>
-            </a:r>
-            <a:r>
-              <a:rPr lang="en-US" sz="2200">
-                <a:solidFill>
-                  <a:srgbClr val="000000"/>
-                </a:solidFill>
-                <a:latin typeface="Canva Sans"/>
-                <a:ea typeface="Canva Sans"/>
-                <a:cs typeface="Canva Sans"/>
-                <a:sym typeface="Canva Sans"/>
-              </a:rPr>
-              <a:t>  </a:t>
-            </a:r>
+              <a:t> @ IGNITE 2K26 IDEA SUBMISSION -TEMPLATE  </a:t>
+            </a:r>
+          </a:p>
+          <a:p>
+            <a:pPr algn="ctr">
+              <a:lnSpc>
+                <a:spcPts val="3080"/>
+              </a:lnSpc>
+            </a:pPr>
+            <a:endParaRPr lang="en-US" sz="2200">
+              <a:solidFill>
+                <a:srgbClr val="FFFFFF"/>
+              </a:solidFill>
+              <a:latin typeface="Canva Sans"/>
+              <a:ea typeface="Canva Sans"/>
+              <a:cs typeface="Canva Sans"/>
+              <a:sym typeface="Canva Sans"/>
+            </a:endParaRPr>
+          </a:p>
+        </p:txBody>
+      </p:sp>
+      <p:sp>
+        <p:nvSpPr>
+          <p:cNvPr id="14" name="Freeform 2">
+            <a:extLst>
+              <a:ext uri="{FF2B5EF4-FFF2-40B4-BE49-F238E27FC236}">
+                <a16:creationId xmlns:a16="http://schemas.microsoft.com/office/drawing/2014/main" id="{6ED6D322-4D38-D67B-0005-E0716055B746}"/>
+              </a:ext>
+            </a:extLst>
+          </p:cNvPr>
+          <p:cNvSpPr/>
+          <p:nvPr/>
+        </p:nvSpPr>
+        <p:spPr>
+          <a:xfrm>
+            <a:off x="5014078" y="1282700"/>
+            <a:ext cx="8839200" cy="7848600"/>
+          </a:xfrm>
+          <a:custGeom>
+            <a:avLst/>
+            <a:gdLst/>
+            <a:ahLst/>
+            <a:cxnLst/>
+            <a:rect l="l" t="t" r="r" b="b"/>
+            <a:pathLst>
+              <a:path w="1900850" h="1900850">
+                <a:moveTo>
+                  <a:pt x="0" y="0"/>
+                </a:moveTo>
+                <a:lnTo>
+                  <a:pt x="1900849" y="0"/>
+                </a:lnTo>
+                <a:lnTo>
+                  <a:pt x="1900849" y="1900850"/>
+                </a:lnTo>
+                <a:lnTo>
+                  <a:pt x="0" y="1900850"/>
+                </a:lnTo>
+                <a:lnTo>
+                  <a:pt x="0" y="0"/>
+                </a:lnTo>
+                <a:close/>
+              </a:path>
+            </a:pathLst>
+          </a:custGeom>
+          <a:blipFill>
+            <a:blip r:embed="rId2">
+              <a:alphaModFix amt="10000"/>
+            </a:blip>
+            <a:stretch>
+              <a:fillRect/>
+            </a:stretch>
+          </a:blipFill>
+        </p:spPr>
+        <p:txBody>
+          <a:bodyPr/>
+          <a:lstStyle/>
+          <a:p>
+            <a:endParaRPr lang="en-IN" dirty="0"/>
           </a:p>
         </p:txBody>
       </p:sp>
@@ -4562,12 +4227,18 @@
 </p:sld>
 </file>
 
-<file path=ppt/slides/slide3.xml><?xml version="1.0" encoding="utf-8"?>
-<p:sld xmlns:p="http://schemas.openxmlformats.org/presentationml/2006/main" xmlns:a="http://schemas.openxmlformats.org/drawingml/2006/main" xmlns:r="http://schemas.openxmlformats.org/officeDocument/2006/relationships">
+<file path=ppt/slides/slide11.xml><?xml version="1.0" encoding="utf-8"?>
+<p:sld xmlns:a="http://schemas.openxmlformats.org/drawingml/2006/main" xmlns:r="http://schemas.openxmlformats.org/officeDocument/2006/relationships" xmlns:p="http://schemas.openxmlformats.org/presentationml/2006/main">
   <p:cSld>
     <p:spTree>
       <p:nvGrpSpPr>
-        <p:cNvPr id="1" name=""/>
+        <p:cNvPr id="1" name="">
+          <a:extLst>
+            <a:ext uri="{FF2B5EF4-FFF2-40B4-BE49-F238E27FC236}">
+              <a16:creationId xmlns:a16="http://schemas.microsoft.com/office/drawing/2014/main" id="{49474019-728C-DB8E-2C21-C0E9A5F4E573}"/>
+            </a:ext>
+          </a:extLst>
+        </p:cNvPr>
         <p:cNvGrpSpPr/>
         <p:nvPr/>
       </p:nvGrpSpPr>
@@ -4581,12 +4252,18 @@
       </p:grpSpPr>
       <p:sp>
         <p:nvSpPr>
-          <p:cNvPr name="Freeform 2" id="2"/>
+          <p:cNvPr id="2" name="Freeform 2">
+            <a:extLst>
+              <a:ext uri="{FF2B5EF4-FFF2-40B4-BE49-F238E27FC236}">
+                <a16:creationId xmlns:a16="http://schemas.microsoft.com/office/drawing/2014/main" id="{07E57348-F690-FF7A-0897-B3D2C3475C49}"/>
+              </a:ext>
+            </a:extLst>
+          </p:cNvPr>
           <p:cNvSpPr/>
           <p:nvPr/>
         </p:nvSpPr>
         <p:spPr>
-          <a:xfrm flipH="false" flipV="false" rot="0">
+          <a:xfrm>
             <a:off x="15252215" y="546926"/>
             <a:ext cx="1900850" cy="1900850"/>
           </a:xfrm>
@@ -4595,9 +4272,9 @@
             <a:gdLst/>
             <a:ahLst/>
             <a:cxnLst/>
-            <a:rect r="r" b="b" t="t" l="l"/>
+            <a:rect l="l" t="t" r="r" b="b"/>
             <a:pathLst>
-              <a:path h="1900850" w="1900850">
+              <a:path w="1900850" h="1900850">
                 <a:moveTo>
                   <a:pt x="0" y="0"/>
                 </a:moveTo>
@@ -4620,19 +4297,32 @@
           <a:blipFill>
             <a:blip r:embed="rId2"/>
             <a:stretch>
-              <a:fillRect l="0" t="0" r="0" b="0"/>
+              <a:fillRect/>
             </a:stretch>
           </a:blipFill>
         </p:spPr>
+        <p:txBody>
+          <a:bodyPr/>
+          <a:lstStyle/>
+          <a:p>
+            <a:endParaRPr lang="en-IN"/>
+          </a:p>
+        </p:txBody>
       </p:sp>
       <p:grpSp>
         <p:nvGrpSpPr>
-          <p:cNvPr name="Group 3" id="3"/>
+          <p:cNvPr id="3" name="Group 3">
+            <a:extLst>
+              <a:ext uri="{FF2B5EF4-FFF2-40B4-BE49-F238E27FC236}">
+                <a16:creationId xmlns:a16="http://schemas.microsoft.com/office/drawing/2014/main" id="{7585C8A2-3AD1-A766-CEC2-8D8F90FC52DB}"/>
+              </a:ext>
+            </a:extLst>
+          </p:cNvPr>
           <p:cNvGrpSpPr/>
           <p:nvPr/>
         </p:nvGrpSpPr>
         <p:grpSpPr>
-          <a:xfrm rot="0">
+          <a:xfrm>
             <a:off x="894614" y="736842"/>
             <a:ext cx="2720530" cy="1521019"/>
             <a:chOff x="0" y="0"/>
@@ -4641,12 +4331,18 @@
         </p:grpSpPr>
         <p:grpSp>
           <p:nvGrpSpPr>
-            <p:cNvPr name="Group 4" id="4"/>
+            <p:cNvPr id="4" name="Group 4">
+              <a:extLst>
+                <a:ext uri="{FF2B5EF4-FFF2-40B4-BE49-F238E27FC236}">
+                  <a16:creationId xmlns:a16="http://schemas.microsoft.com/office/drawing/2014/main" id="{0E8FBE17-ADE8-986D-DA3A-C3281AF38973}"/>
+                </a:ext>
+              </a:extLst>
+            </p:cNvPr>
             <p:cNvGrpSpPr/>
             <p:nvPr/>
           </p:nvGrpSpPr>
           <p:grpSpPr>
-            <a:xfrm rot="0">
+            <a:xfrm>
               <a:off x="0" y="0"/>
               <a:ext cx="3627373" cy="2028026"/>
               <a:chOff x="0" y="0"/>
@@ -4655,12 +4351,18 @@
           </p:grpSpPr>
           <p:sp>
             <p:nvSpPr>
-              <p:cNvPr name="Freeform 5" id="5"/>
+              <p:cNvPr id="5" name="Freeform 5">
+                <a:extLst>
+                  <a:ext uri="{FF2B5EF4-FFF2-40B4-BE49-F238E27FC236}">
+                    <a16:creationId xmlns:a16="http://schemas.microsoft.com/office/drawing/2014/main" id="{2B9F063B-EF0C-2CA4-424E-628BDFA3A36A}"/>
+                  </a:ext>
+                </a:extLst>
+              </p:cNvPr>
               <p:cNvSpPr/>
               <p:nvPr/>
             </p:nvSpPr>
             <p:spPr>
-              <a:xfrm flipH="false" flipV="false" rot="0">
+              <a:xfrm>
                 <a:off x="0" y="0"/>
                 <a:ext cx="895448" cy="500635"/>
               </a:xfrm>
@@ -4669,9 +4371,9 @@
                 <a:gdLst/>
                 <a:ahLst/>
                 <a:cxnLst/>
-                <a:rect r="r" b="b" t="t" l="l"/>
+                <a:rect l="l" t="t" r="r" b="b"/>
                 <a:pathLst>
-                  <a:path h="500635" w="895448">
+                  <a:path w="895448" h="500635">
                     <a:moveTo>
                       <a:pt x="52373" y="0"/>
                     </a:moveTo>
@@ -4742,11 +4444,24 @@
                 <a:round/>
               </a:ln>
             </p:spPr>
+            <p:txBody>
+              <a:bodyPr/>
+              <a:lstStyle/>
+              <a:p>
+                <a:endParaRPr lang="en-IN"/>
+              </a:p>
+            </p:txBody>
           </p:sp>
           <p:sp>
             <p:nvSpPr>
-              <p:cNvPr name="TextBox 6" id="6"/>
-              <p:cNvSpPr txBox="true"/>
+              <p:cNvPr id="6" name="TextBox 6">
+                <a:extLst>
+                  <a:ext uri="{FF2B5EF4-FFF2-40B4-BE49-F238E27FC236}">
+                    <a16:creationId xmlns:a16="http://schemas.microsoft.com/office/drawing/2014/main" id="{6EDDBB18-F772-C3D6-E54F-CB21F602CBB8}"/>
+                  </a:ext>
+                </a:extLst>
+              </p:cNvPr>
+              <p:cNvSpPr txBox="1"/>
               <p:nvPr/>
             </p:nvSpPr>
             <p:spPr>
@@ -4759,7 +4474,7 @@
               </a:prstGeom>
             </p:spPr>
             <p:txBody>
-              <a:bodyPr anchor="ctr" rtlCol="false" tIns="50800" lIns="50800" bIns="50800" rIns="50800"/>
+              <a:bodyPr lIns="50800" tIns="50800" rIns="50800" bIns="50800" rtlCol="0" anchor="ctr"/>
               <a:lstStyle/>
               <a:p>
                 <a:pPr algn="ctr">
@@ -4767,18 +4482,25 @@
                     <a:spcPts val="2659"/>
                   </a:lnSpc>
                 </a:pPr>
+                <a:endParaRPr/>
               </a:p>
             </p:txBody>
           </p:sp>
         </p:grpSp>
         <p:sp>
           <p:nvSpPr>
-            <p:cNvPr name="TextBox 7" id="7"/>
-            <p:cNvSpPr txBox="true"/>
+            <p:cNvPr id="7" name="TextBox 7">
+              <a:extLst>
+                <a:ext uri="{FF2B5EF4-FFF2-40B4-BE49-F238E27FC236}">
+                  <a16:creationId xmlns:a16="http://schemas.microsoft.com/office/drawing/2014/main" id="{D0C4D395-349D-5054-EFF7-FA8B192D9167}"/>
+                </a:ext>
+              </a:extLst>
+            </p:cNvPr>
+            <p:cNvSpPr txBox="1"/>
             <p:nvPr/>
           </p:nvSpPr>
           <p:spPr>
-            <a:xfrm rot="0">
+            <a:xfrm>
               <a:off x="222703" y="354116"/>
               <a:ext cx="3181967" cy="1272168"/>
             </a:xfrm>
@@ -4787,7 +4509,7 @@
             </a:prstGeom>
           </p:spPr>
           <p:txBody>
-            <a:bodyPr anchor="t" rtlCol="false" tIns="0" lIns="0" bIns="0" rIns="0">
+            <a:bodyPr lIns="0" tIns="0" rIns="0" bIns="0" rtlCol="0" anchor="t">
               <a:spAutoFit/>
             </a:bodyPr>
             <a:lstStyle/>
@@ -4834,12 +4556,18 @@
       </p:grpSp>
       <p:grpSp>
         <p:nvGrpSpPr>
-          <p:cNvPr name="Group 8" id="8"/>
+          <p:cNvPr id="8" name="Group 8">
+            <a:extLst>
+              <a:ext uri="{FF2B5EF4-FFF2-40B4-BE49-F238E27FC236}">
+                <a16:creationId xmlns:a16="http://schemas.microsoft.com/office/drawing/2014/main" id="{E97353BB-4F59-8973-B326-C9AB40360B3E}"/>
+              </a:ext>
+            </a:extLst>
+          </p:cNvPr>
           <p:cNvGrpSpPr/>
           <p:nvPr/>
         </p:nvGrpSpPr>
         <p:grpSpPr>
-          <a:xfrm rot="0">
+          <a:xfrm>
             <a:off x="0" y="9499924"/>
             <a:ext cx="18288000" cy="787076"/>
             <a:chOff x="0" y="0"/>
@@ -4848,12 +4576,18 @@
         </p:grpSpPr>
         <p:sp>
           <p:nvSpPr>
-            <p:cNvPr name="Freeform 9" id="9"/>
+            <p:cNvPr id="9" name="Freeform 9">
+              <a:extLst>
+                <a:ext uri="{FF2B5EF4-FFF2-40B4-BE49-F238E27FC236}">
+                  <a16:creationId xmlns:a16="http://schemas.microsoft.com/office/drawing/2014/main" id="{8A0A5A66-2EF8-1EDF-08E3-0466259D5994}"/>
+                </a:ext>
+              </a:extLst>
+            </p:cNvPr>
             <p:cNvSpPr/>
             <p:nvPr/>
           </p:nvSpPr>
           <p:spPr>
-            <a:xfrm flipH="false" flipV="false" rot="0">
+            <a:xfrm>
               <a:off x="0" y="0"/>
               <a:ext cx="4816592" cy="207296"/>
             </a:xfrm>
@@ -4862,9 +4596,9 @@
               <a:gdLst/>
               <a:ahLst/>
               <a:cxnLst/>
-              <a:rect r="r" b="b" t="t" l="l"/>
+              <a:rect l="l" t="t" r="r" b="b"/>
               <a:pathLst>
-                <a:path h="207296" w="4816592">
+                <a:path w="4816592" h="207296">
                   <a:moveTo>
                     <a:pt x="0" y="0"/>
                   </a:moveTo>
@@ -4885,11 +4619,24 @@
               <a:srgbClr val="6652DF"/>
             </a:solidFill>
           </p:spPr>
+          <p:txBody>
+            <a:bodyPr/>
+            <a:lstStyle/>
+            <a:p>
+              <a:endParaRPr lang="en-IN"/>
+            </a:p>
+          </p:txBody>
         </p:sp>
         <p:sp>
           <p:nvSpPr>
-            <p:cNvPr name="TextBox 10" id="10"/>
-            <p:cNvSpPr txBox="true"/>
+            <p:cNvPr id="10" name="TextBox 10">
+              <a:extLst>
+                <a:ext uri="{FF2B5EF4-FFF2-40B4-BE49-F238E27FC236}">
+                  <a16:creationId xmlns:a16="http://schemas.microsoft.com/office/drawing/2014/main" id="{A73630F3-1DDD-7164-B36E-33A4C2F66697}"/>
+                </a:ext>
+              </a:extLst>
+            </p:cNvPr>
+            <p:cNvSpPr txBox="1"/>
             <p:nvPr/>
           </p:nvSpPr>
           <p:spPr>
@@ -4902,7 +4649,7 @@
             </a:prstGeom>
           </p:spPr>
           <p:txBody>
-            <a:bodyPr anchor="ctr" rtlCol="false" tIns="50800" lIns="50800" bIns="50800" rIns="50800"/>
+            <a:bodyPr lIns="50800" tIns="50800" rIns="50800" bIns="50800" rtlCol="0" anchor="ctr"/>
             <a:lstStyle/>
             <a:p>
               <a:pPr algn="ctr">
@@ -4910,27 +4657,34 @@
                   <a:spcPts val="2659"/>
                 </a:lnSpc>
               </a:pPr>
+              <a:endParaRPr/>
             </a:p>
           </p:txBody>
         </p:sp>
       </p:grpSp>
       <p:sp>
         <p:nvSpPr>
-          <p:cNvPr name="TextBox 11" id="11"/>
-          <p:cNvSpPr txBox="true"/>
+          <p:cNvPr id="11" name="TextBox 11">
+            <a:extLst>
+              <a:ext uri="{FF2B5EF4-FFF2-40B4-BE49-F238E27FC236}">
+                <a16:creationId xmlns:a16="http://schemas.microsoft.com/office/drawing/2014/main" id="{452BB940-4294-E02A-2E34-29C80772410A}"/>
+              </a:ext>
+            </a:extLst>
+          </p:cNvPr>
+          <p:cNvSpPr txBox="1"/>
           <p:nvPr/>
         </p:nvSpPr>
         <p:spPr>
-          <a:xfrm rot="0">
-            <a:off x="6421119" y="933450"/>
-            <a:ext cx="6025121" cy="698537"/>
+          <a:xfrm>
+            <a:off x="5983077" y="933450"/>
+            <a:ext cx="7123323" cy="670889"/>
           </a:xfrm>
           <a:prstGeom prst="rect">
             <a:avLst/>
           </a:prstGeom>
         </p:spPr>
         <p:txBody>
-          <a:bodyPr anchor="t" rtlCol="false" tIns="0" lIns="0" bIns="0" rIns="0">
+          <a:bodyPr wrap="square" lIns="0" tIns="0" rIns="0" bIns="0" rtlCol="0" anchor="t">
             <a:spAutoFit/>
           </a:bodyPr>
           <a:lstStyle/>
@@ -4941,7 +4695,7 @@
               </a:lnSpc>
             </a:pPr>
             <a:r>
-              <a:rPr lang="en-US" sz="3999" b="true">
+              <a:rPr lang="en-US" sz="4400" b="1" u="sng" dirty="0">
                 <a:solidFill>
                   <a:srgbClr val="000000"/>
                 </a:solidFill>
@@ -4950,33 +4704,39 @@
                 <a:cs typeface="Times New Roman Bold"/>
                 <a:sym typeface="Times New Roman Bold"/>
               </a:rPr>
-              <a:t>TECHNICAL APPROACH</a:t>
-            </a:r>
-          </a:p>
-        </p:txBody>
-      </p:sp>
-      <p:sp>
-        <p:nvSpPr>
-          <p:cNvPr name="TextBox 12" id="12"/>
-          <p:cNvSpPr txBox="true"/>
+              <a:t>IMPACT AND BENEFITS</a:t>
+            </a:r>
+          </a:p>
+        </p:txBody>
+      </p:sp>
+      <p:sp>
+        <p:nvSpPr>
+          <p:cNvPr id="12" name="TextBox 12">
+            <a:extLst>
+              <a:ext uri="{FF2B5EF4-FFF2-40B4-BE49-F238E27FC236}">
+                <a16:creationId xmlns:a16="http://schemas.microsoft.com/office/drawing/2014/main" id="{3A3A3B85-0A42-7EA1-117D-8E4CA659B0AF}"/>
+              </a:ext>
+            </a:extLst>
+          </p:cNvPr>
+          <p:cNvSpPr txBox="1"/>
           <p:nvPr/>
         </p:nvSpPr>
         <p:spPr>
-          <a:xfrm rot="0">
-            <a:off x="3252929" y="3695880"/>
-            <a:ext cx="12361500" cy="3683001"/>
+          <a:xfrm>
+            <a:off x="3636915" y="3517158"/>
+            <a:ext cx="12361500" cy="3728970"/>
           </a:xfrm>
           <a:prstGeom prst="rect">
             <a:avLst/>
           </a:prstGeom>
         </p:spPr>
         <p:txBody>
-          <a:bodyPr anchor="t" rtlCol="false" tIns="0" lIns="0" bIns="0" rIns="0">
+          <a:bodyPr lIns="0" tIns="0" rIns="0" bIns="0" rtlCol="0" anchor="t">
             <a:spAutoFit/>
           </a:bodyPr>
           <a:lstStyle/>
           <a:p>
-            <a:pPr algn="l" marL="755641" indent="-377820" lvl="1">
+            <a:pPr marL="755641" lvl="1" indent="-377820">
               <a:lnSpc>
                 <a:spcPts val="4899"/>
               </a:lnSpc>
@@ -4984,7 +4744,7 @@
               <a:buChar char="•"/>
             </a:pPr>
             <a:r>
-              <a:rPr lang="en-US" sz="3499">
+              <a:rPr lang="en-US" sz="3499" dirty="0">
                 <a:solidFill>
                   <a:srgbClr val="000000"/>
                 </a:solidFill>
@@ -4993,10 +4753,19 @@
                 <a:cs typeface="Open Sans"/>
                 <a:sym typeface="Open Sans"/>
               </a:rPr>
-              <a:t>T</a:t>
-            </a:r>
-            <a:r>
-              <a:rPr lang="en-US" sz="3499">
+              <a:t>Benefits of the solution (social, economic, environmental, etc.)</a:t>
+            </a:r>
+          </a:p>
+          <a:p>
+            <a:pPr marL="755641" lvl="1" indent="-377820" algn="l">
+              <a:lnSpc>
+                <a:spcPts val="4899"/>
+              </a:lnSpc>
+              <a:buFont typeface="Arial"/>
+              <a:buChar char="•"/>
+            </a:pPr>
+            <a:r>
+              <a:rPr lang="en-US" sz="3499" dirty="0">
                 <a:solidFill>
                   <a:srgbClr val="000000"/>
                 </a:solidFill>
@@ -5005,18 +4774,11 @@
                 <a:cs typeface="Open Sans"/>
                 <a:sym typeface="Open Sans"/>
               </a:rPr>
-              <a:t>echnologies to be used (e.g. programming languages, frameworks, hardware)</a:t>
-            </a:r>
-          </a:p>
-          <a:p>
-            <a:pPr algn="l">
-              <a:lnSpc>
-                <a:spcPts val="4899"/>
-              </a:lnSpc>
-            </a:pPr>
-          </a:p>
-          <a:p>
-            <a:pPr algn="l" marL="755641" indent="-377820" lvl="1">
+              <a:t> </a:t>
+            </a:r>
+          </a:p>
+          <a:p>
+            <a:pPr marL="755641" lvl="1" indent="-377820" algn="l">
               <a:lnSpc>
                 <a:spcPts val="4899"/>
               </a:lnSpc>
@@ -5024,7 +4786,7 @@
               <a:buChar char="•"/>
             </a:pPr>
             <a:r>
-              <a:rPr lang="en-US" sz="3499">
+              <a:rPr lang="en-US" sz="3499" dirty="0">
                 <a:solidFill>
                   <a:srgbClr val="000000"/>
                 </a:solidFill>
@@ -5033,26 +4795,67 @@
                 <a:cs typeface="Open Sans"/>
                 <a:sym typeface="Open Sans"/>
               </a:rPr>
-              <a:t>Methodology and process for implementation (Flow Charts/Images/ working prototype)</a:t>
-            </a:r>
-          </a:p>
-          <a:p>
-            <a:pPr algn="l">
+              <a:t> </a:t>
+            </a:r>
+          </a:p>
+          <a:p>
+            <a:pPr marL="755641" lvl="1" indent="-377820" algn="l">
               <a:lnSpc>
                 <a:spcPts val="4899"/>
               </a:lnSpc>
+              <a:buFont typeface="Arial"/>
+              <a:buChar char="•"/>
             </a:pPr>
-          </a:p>
-        </p:txBody>
-      </p:sp>
-      <p:sp>
-        <p:nvSpPr>
-          <p:cNvPr name="TextBox 13" id="13"/>
-          <p:cNvSpPr txBox="true"/>
+            <a:r>
+              <a:rPr lang="en-US" sz="3499" dirty="0">
+                <a:solidFill>
+                  <a:srgbClr val="000000"/>
+                </a:solidFill>
+                <a:latin typeface="Open Sans"/>
+                <a:ea typeface="Open Sans"/>
+                <a:cs typeface="Open Sans"/>
+                <a:sym typeface="Open Sans"/>
+              </a:rPr>
+              <a:t> </a:t>
+            </a:r>
+          </a:p>
+          <a:p>
+            <a:pPr marL="755641" lvl="1" indent="-377820" algn="l">
+              <a:lnSpc>
+                <a:spcPts val="4899"/>
+              </a:lnSpc>
+              <a:buFont typeface="Arial"/>
+              <a:buChar char="•"/>
+            </a:pPr>
+            <a:r>
+              <a:rPr lang="en-US" sz="3499" dirty="0">
+                <a:solidFill>
+                  <a:srgbClr val="000000"/>
+                </a:solidFill>
+                <a:latin typeface="Open Sans"/>
+                <a:ea typeface="Open Sans"/>
+                <a:cs typeface="Open Sans"/>
+                <a:sym typeface="Open Sans"/>
+              </a:rPr>
+              <a:t> </a:t>
+            </a:r>
+          </a:p>
+        </p:txBody>
+      </p:sp>
+      <p:sp>
+        <p:nvSpPr>
+          <p:cNvPr id="13" name="TextBox 13">
+            <a:extLst>
+              <a:ext uri="{FF2B5EF4-FFF2-40B4-BE49-F238E27FC236}">
+                <a16:creationId xmlns:a16="http://schemas.microsoft.com/office/drawing/2014/main" id="{922B6897-273F-3C97-CBBD-001FD37B297C}"/>
+              </a:ext>
+            </a:extLst>
+          </p:cNvPr>
+          <p:cNvSpPr txBox="1"/>
           <p:nvPr/>
         </p:nvSpPr>
         <p:spPr>
-          <a:xfrm rot="0">
+          <a:xfrm>
             <a:off x="5983077" y="9704587"/>
             <a:ext cx="6321847" cy="763195"/>
           </a:xfrm>
@@ -5061,7 +4864,7 @@
           </a:prstGeom>
         </p:spPr>
         <p:txBody>
-          <a:bodyPr anchor="t" rtlCol="false" tIns="0" lIns="0" bIns="0" rIns="0">
+          <a:bodyPr lIns="0" tIns="0" rIns="0" bIns="0" rtlCol="0" anchor="t">
             <a:spAutoFit/>
           </a:bodyPr>
           <a:lstStyle/>
@@ -5090,10 +4893,85 @@
                 <a:spcPts val="3080"/>
               </a:lnSpc>
             </a:pPr>
+            <a:endParaRPr lang="en-US" sz="2200">
+              <a:solidFill>
+                <a:srgbClr val="FFFFFF"/>
+              </a:solidFill>
+              <a:latin typeface="Canva Sans"/>
+              <a:ea typeface="Canva Sans"/>
+              <a:cs typeface="Canva Sans"/>
+              <a:sym typeface="Canva Sans"/>
+            </a:endParaRPr>
+          </a:p>
+        </p:txBody>
+      </p:sp>
+      <p:sp>
+        <p:nvSpPr>
+          <p:cNvPr id="14" name="Freeform 2">
+            <a:extLst>
+              <a:ext uri="{FF2B5EF4-FFF2-40B4-BE49-F238E27FC236}">
+                <a16:creationId xmlns:a16="http://schemas.microsoft.com/office/drawing/2014/main" id="{AD8CF95E-DB0E-B670-D62B-001814A643C6}"/>
+              </a:ext>
+            </a:extLst>
+          </p:cNvPr>
+          <p:cNvSpPr/>
+          <p:nvPr/>
+        </p:nvSpPr>
+        <p:spPr>
+          <a:xfrm>
+            <a:off x="5014078" y="1282700"/>
+            <a:ext cx="8839200" cy="7848600"/>
+          </a:xfrm>
+          <a:custGeom>
+            <a:avLst/>
+            <a:gdLst/>
+            <a:ahLst/>
+            <a:cxnLst/>
+            <a:rect l="l" t="t" r="r" b="b"/>
+            <a:pathLst>
+              <a:path w="1900850" h="1900850">
+                <a:moveTo>
+                  <a:pt x="0" y="0"/>
+                </a:moveTo>
+                <a:lnTo>
+                  <a:pt x="1900849" y="0"/>
+                </a:lnTo>
+                <a:lnTo>
+                  <a:pt x="1900849" y="1900850"/>
+                </a:lnTo>
+                <a:lnTo>
+                  <a:pt x="0" y="1900850"/>
+                </a:lnTo>
+                <a:lnTo>
+                  <a:pt x="0" y="0"/>
+                </a:lnTo>
+                <a:close/>
+              </a:path>
+            </a:pathLst>
+          </a:custGeom>
+          <a:blipFill>
+            <a:blip r:embed="rId2">
+              <a:alphaModFix amt="10000"/>
+            </a:blip>
+            <a:stretch>
+              <a:fillRect/>
+            </a:stretch>
+          </a:blipFill>
+        </p:spPr>
+        <p:txBody>
+          <a:bodyPr/>
+          <a:lstStyle/>
+          <a:p>
+            <a:endParaRPr lang="en-IN" dirty="0"/>
           </a:p>
         </p:txBody>
       </p:sp>
     </p:spTree>
+    <p:extLst>
+      <p:ext uri="{BB962C8B-B14F-4D97-AF65-F5344CB8AC3E}">
+        <p14:creationId xmlns:p14="http://schemas.microsoft.com/office/powerpoint/2010/main" val="807606473"/>
+      </p:ext>
+    </p:extLst>
   </p:cSld>
   <p:clrMapOvr>
     <a:masterClrMapping/>
@@ -5101,8 +4979,8 @@
 </p:sld>
 </file>
 
-<file path=ppt/slides/slide4.xml><?xml version="1.0" encoding="utf-8"?>
-<p:sld xmlns:p="http://schemas.openxmlformats.org/presentationml/2006/main" xmlns:a="http://schemas.openxmlformats.org/drawingml/2006/main" xmlns:r="http://schemas.openxmlformats.org/officeDocument/2006/relationships">
+<file path=ppt/slides/slide12.xml><?xml version="1.0" encoding="utf-8"?>
+<p:sld xmlns:a="http://schemas.openxmlformats.org/drawingml/2006/main" xmlns:r="http://schemas.openxmlformats.org/officeDocument/2006/relationships" xmlns:p="http://schemas.openxmlformats.org/presentationml/2006/main">
   <p:cSld>
     <p:spTree>
       <p:nvGrpSpPr>
@@ -5120,12 +4998,12 @@
       </p:grpSpPr>
       <p:sp>
         <p:nvSpPr>
-          <p:cNvPr name="Freeform 2" id="2"/>
+          <p:cNvPr id="2" name="Freeform 2"/>
           <p:cNvSpPr/>
           <p:nvPr/>
         </p:nvSpPr>
         <p:spPr>
-          <a:xfrm flipH="false" flipV="false" rot="0">
+          <a:xfrm>
             <a:off x="15252215" y="546926"/>
             <a:ext cx="1900850" cy="1900850"/>
           </a:xfrm>
@@ -5134,9 +5012,9 @@
             <a:gdLst/>
             <a:ahLst/>
             <a:cxnLst/>
-            <a:rect r="r" b="b" t="t" l="l"/>
+            <a:rect l="l" t="t" r="r" b="b"/>
             <a:pathLst>
-              <a:path h="1900850" w="1900850">
+              <a:path w="1900850" h="1900850">
                 <a:moveTo>
                   <a:pt x="0" y="0"/>
                 </a:moveTo>
@@ -5159,19 +5037,26 @@
           <a:blipFill>
             <a:blip r:embed="rId2"/>
             <a:stretch>
-              <a:fillRect l="0" t="0" r="0" b="0"/>
+              <a:fillRect/>
             </a:stretch>
           </a:blipFill>
         </p:spPr>
+        <p:txBody>
+          <a:bodyPr/>
+          <a:lstStyle/>
+          <a:p>
+            <a:endParaRPr lang="en-IN"/>
+          </a:p>
+        </p:txBody>
       </p:sp>
       <p:grpSp>
         <p:nvGrpSpPr>
-          <p:cNvPr name="Group 3" id="3"/>
+          <p:cNvPr id="3" name="Group 3"/>
           <p:cNvGrpSpPr/>
           <p:nvPr/>
         </p:nvGrpSpPr>
         <p:grpSpPr>
-          <a:xfrm rot="0">
+          <a:xfrm>
             <a:off x="894614" y="736842"/>
             <a:ext cx="2720530" cy="1521019"/>
             <a:chOff x="0" y="0"/>
@@ -5180,12 +5065,12 @@
         </p:grpSpPr>
         <p:grpSp>
           <p:nvGrpSpPr>
-            <p:cNvPr name="Group 4" id="4"/>
+            <p:cNvPr id="4" name="Group 4"/>
             <p:cNvGrpSpPr/>
             <p:nvPr/>
           </p:nvGrpSpPr>
           <p:grpSpPr>
-            <a:xfrm rot="0">
+            <a:xfrm>
               <a:off x="0" y="0"/>
               <a:ext cx="3627373" cy="2028026"/>
               <a:chOff x="0" y="0"/>
@@ -5194,12 +5079,12 @@
           </p:grpSpPr>
           <p:sp>
             <p:nvSpPr>
-              <p:cNvPr name="Freeform 5" id="5"/>
+              <p:cNvPr id="5" name="Freeform 5"/>
               <p:cNvSpPr/>
               <p:nvPr/>
             </p:nvSpPr>
             <p:spPr>
-              <a:xfrm flipH="false" flipV="false" rot="0">
+              <a:xfrm>
                 <a:off x="0" y="0"/>
                 <a:ext cx="895448" cy="500635"/>
               </a:xfrm>
@@ -5208,9 +5093,9 @@
                 <a:gdLst/>
                 <a:ahLst/>
                 <a:cxnLst/>
-                <a:rect r="r" b="b" t="t" l="l"/>
+                <a:rect l="l" t="t" r="r" b="b"/>
                 <a:pathLst>
-                  <a:path h="500635" w="895448">
+                  <a:path w="895448" h="500635">
                     <a:moveTo>
                       <a:pt x="52373" y="0"/>
                     </a:moveTo>
@@ -5281,11 +5166,18 @@
                 <a:round/>
               </a:ln>
             </p:spPr>
+            <p:txBody>
+              <a:bodyPr/>
+              <a:lstStyle/>
+              <a:p>
+                <a:endParaRPr lang="en-IN"/>
+              </a:p>
+            </p:txBody>
           </p:sp>
           <p:sp>
             <p:nvSpPr>
-              <p:cNvPr name="TextBox 6" id="6"/>
-              <p:cNvSpPr txBox="true"/>
+              <p:cNvPr id="6" name="TextBox 6"/>
+              <p:cNvSpPr txBox="1"/>
               <p:nvPr/>
             </p:nvSpPr>
             <p:spPr>
@@ -5298,7 +5190,7 @@
               </a:prstGeom>
             </p:spPr>
             <p:txBody>
-              <a:bodyPr anchor="ctr" rtlCol="false" tIns="50800" lIns="50800" bIns="50800" rIns="50800"/>
+              <a:bodyPr lIns="50800" tIns="50800" rIns="50800" bIns="50800" rtlCol="0" anchor="ctr"/>
               <a:lstStyle/>
               <a:p>
                 <a:pPr algn="ctr">
@@ -5306,18 +5198,19 @@
                     <a:spcPts val="2659"/>
                   </a:lnSpc>
                 </a:pPr>
+                <a:endParaRPr/>
               </a:p>
             </p:txBody>
           </p:sp>
         </p:grpSp>
         <p:sp>
           <p:nvSpPr>
-            <p:cNvPr name="TextBox 7" id="7"/>
-            <p:cNvSpPr txBox="true"/>
+            <p:cNvPr id="7" name="TextBox 7"/>
+            <p:cNvSpPr txBox="1"/>
             <p:nvPr/>
           </p:nvSpPr>
           <p:spPr>
-            <a:xfrm rot="0">
+            <a:xfrm>
               <a:off x="222703" y="354116"/>
               <a:ext cx="3181967" cy="1272168"/>
             </a:xfrm>
@@ -5326,7 +5219,7 @@
             </a:prstGeom>
           </p:spPr>
           <p:txBody>
-            <a:bodyPr anchor="t" rtlCol="false" tIns="0" lIns="0" bIns="0" rIns="0">
+            <a:bodyPr lIns="0" tIns="0" rIns="0" bIns="0" rtlCol="0" anchor="t">
               <a:spAutoFit/>
             </a:bodyPr>
             <a:lstStyle/>
@@ -5373,12 +5266,12 @@
       </p:grpSp>
       <p:grpSp>
         <p:nvGrpSpPr>
-          <p:cNvPr name="Group 8" id="8"/>
+          <p:cNvPr id="8" name="Group 8"/>
           <p:cNvGrpSpPr/>
           <p:nvPr/>
         </p:nvGrpSpPr>
         <p:grpSpPr>
-          <a:xfrm rot="0">
+          <a:xfrm>
             <a:off x="0" y="9499924"/>
             <a:ext cx="18288000" cy="787076"/>
             <a:chOff x="0" y="0"/>
@@ -5387,12 +5280,12 @@
         </p:grpSpPr>
         <p:sp>
           <p:nvSpPr>
-            <p:cNvPr name="Freeform 9" id="9"/>
+            <p:cNvPr id="9" name="Freeform 9"/>
             <p:cNvSpPr/>
             <p:nvPr/>
           </p:nvSpPr>
           <p:spPr>
-            <a:xfrm flipH="false" flipV="false" rot="0">
+            <a:xfrm>
               <a:off x="0" y="0"/>
               <a:ext cx="4816592" cy="207296"/>
             </a:xfrm>
@@ -5401,9 +5294,9 @@
               <a:gdLst/>
               <a:ahLst/>
               <a:cxnLst/>
-              <a:rect r="r" b="b" t="t" l="l"/>
+              <a:rect l="l" t="t" r="r" b="b"/>
               <a:pathLst>
-                <a:path h="207296" w="4816592">
+                <a:path w="4816592" h="207296">
                   <a:moveTo>
                     <a:pt x="0" y="0"/>
                   </a:moveTo>
@@ -5424,11 +5317,18 @@
               <a:srgbClr val="6652DF"/>
             </a:solidFill>
           </p:spPr>
+          <p:txBody>
+            <a:bodyPr/>
+            <a:lstStyle/>
+            <a:p>
+              <a:endParaRPr lang="en-IN"/>
+            </a:p>
+          </p:txBody>
         </p:sp>
         <p:sp>
           <p:nvSpPr>
-            <p:cNvPr name="TextBox 10" id="10"/>
-            <p:cNvSpPr txBox="true"/>
+            <p:cNvPr id="10" name="TextBox 10"/>
+            <p:cNvSpPr txBox="1"/>
             <p:nvPr/>
           </p:nvSpPr>
           <p:spPr>
@@ -5441,7 +5341,7 @@
             </a:prstGeom>
           </p:spPr>
           <p:txBody>
-            <a:bodyPr anchor="ctr" rtlCol="false" tIns="50800" lIns="50800" bIns="50800" rIns="50800"/>
+            <a:bodyPr lIns="50800" tIns="50800" rIns="50800" bIns="50800" rtlCol="0" anchor="ctr"/>
             <a:lstStyle/>
             <a:p>
               <a:pPr algn="ctr">
@@ -5449,27 +5349,28 @@
                   <a:spcPts val="2659"/>
                 </a:lnSpc>
               </a:pPr>
+              <a:endParaRPr/>
             </a:p>
           </p:txBody>
         </p:sp>
       </p:grpSp>
       <p:sp>
         <p:nvSpPr>
-          <p:cNvPr name="TextBox 11" id="11"/>
-          <p:cNvSpPr txBox="true"/>
+          <p:cNvPr id="11" name="TextBox 11"/>
+          <p:cNvSpPr txBox="1"/>
           <p:nvPr/>
         </p:nvSpPr>
         <p:spPr>
-          <a:xfrm rot="0">
-            <a:off x="5792413" y="933450"/>
-            <a:ext cx="7282532" cy="698537"/>
+          <a:xfrm>
+            <a:off x="4949633" y="894882"/>
+            <a:ext cx="9692522" cy="670889"/>
           </a:xfrm>
           <a:prstGeom prst="rect">
             <a:avLst/>
           </a:prstGeom>
         </p:spPr>
         <p:txBody>
-          <a:bodyPr anchor="t" rtlCol="false" tIns="0" lIns="0" bIns="0" rIns="0">
+          <a:bodyPr wrap="square" lIns="0" tIns="0" rIns="0" bIns="0" rtlCol="0" anchor="t">
             <a:spAutoFit/>
           </a:bodyPr>
           <a:lstStyle/>
@@ -5480,7 +5381,7 @@
               </a:lnSpc>
             </a:pPr>
             <a:r>
-              <a:rPr lang="en-US" sz="3999" b="true">
+              <a:rPr lang="en-US" sz="4400" b="1" u="sng" dirty="0">
                 <a:solidFill>
                   <a:srgbClr val="000000"/>
                 </a:solidFill>
@@ -5489,33 +5390,33 @@
                 <a:cs typeface="Times New Roman Bold"/>
                 <a:sym typeface="Times New Roman Bold"/>
               </a:rPr>
-              <a:t>FEASIBILITY AND VIABILITY</a:t>
-            </a:r>
-          </a:p>
-        </p:txBody>
-      </p:sp>
-      <p:sp>
-        <p:nvSpPr>
-          <p:cNvPr name="TextBox 12" id="12"/>
-          <p:cNvSpPr txBox="true"/>
+              <a:t>RESEARCH AND REFERENCES</a:t>
+            </a:r>
+          </a:p>
+        </p:txBody>
+      </p:sp>
+      <p:sp>
+        <p:nvSpPr>
+          <p:cNvPr id="12" name="TextBox 12"/>
+          <p:cNvSpPr txBox="1"/>
           <p:nvPr/>
         </p:nvSpPr>
         <p:spPr>
-          <a:xfrm rot="0">
-            <a:off x="3252929" y="4315005"/>
-            <a:ext cx="12361500" cy="2444751"/>
+          <a:xfrm>
+            <a:off x="3615144" y="3467100"/>
+            <a:ext cx="12361500" cy="3100592"/>
           </a:xfrm>
           <a:prstGeom prst="rect">
             <a:avLst/>
           </a:prstGeom>
         </p:spPr>
         <p:txBody>
-          <a:bodyPr anchor="t" rtlCol="false" tIns="0" lIns="0" bIns="0" rIns="0">
+          <a:bodyPr lIns="0" tIns="0" rIns="0" bIns="0" rtlCol="0" anchor="t">
             <a:spAutoFit/>
           </a:bodyPr>
           <a:lstStyle/>
           <a:p>
-            <a:pPr algn="l" marL="755641" indent="-377820" lvl="1">
+            <a:pPr marL="755641" lvl="1" indent="-377820" algn="l">
               <a:lnSpc>
                 <a:spcPts val="4899"/>
               </a:lnSpc>
@@ -5523,7 +5424,7 @@
               <a:buChar char="•"/>
             </a:pPr>
             <a:r>
-              <a:rPr lang="en-US" sz="3499">
+              <a:rPr lang="en-US" sz="3499" dirty="0">
                 <a:solidFill>
                   <a:srgbClr val="000000"/>
                 </a:solidFill>
@@ -5532,10 +5433,19 @@
                 <a:cs typeface="Open Sans"/>
                 <a:sym typeface="Open Sans"/>
               </a:rPr>
-              <a:t>A</a:t>
-            </a:r>
-            <a:r>
-              <a:rPr lang="en-US" sz="3499">
+              <a:t>Details / Links of the reference and research work</a:t>
+            </a:r>
+          </a:p>
+          <a:p>
+            <a:pPr marL="755641" lvl="1" indent="-377820" algn="l">
+              <a:lnSpc>
+                <a:spcPts val="4899"/>
+              </a:lnSpc>
+              <a:buFont typeface="Arial"/>
+              <a:buChar char="•"/>
+            </a:pPr>
+            <a:r>
+              <a:rPr lang="en-US" sz="3499" dirty="0">
                 <a:solidFill>
                   <a:srgbClr val="000000"/>
                 </a:solidFill>
@@ -5544,11 +5454,11 @@
                 <a:cs typeface="Open Sans"/>
                 <a:sym typeface="Open Sans"/>
               </a:rPr>
-              <a:t>nalysis of the feasibility of the idea</a:t>
-            </a:r>
-          </a:p>
-          <a:p>
-            <a:pPr algn="l" marL="755641" indent="-377820" lvl="1">
+              <a:t> </a:t>
+            </a:r>
+          </a:p>
+          <a:p>
+            <a:pPr marL="755641" lvl="1" indent="-377820" algn="l">
               <a:lnSpc>
                 <a:spcPts val="4899"/>
               </a:lnSpc>
@@ -5556,7 +5466,7 @@
               <a:buChar char="•"/>
             </a:pPr>
             <a:r>
-              <a:rPr lang="en-US" sz="3499">
+              <a:rPr lang="en-US" sz="3499" dirty="0">
                 <a:solidFill>
                   <a:srgbClr val="000000"/>
                 </a:solidFill>
@@ -5565,11 +5475,11 @@
                 <a:cs typeface="Open Sans"/>
                 <a:sym typeface="Open Sans"/>
               </a:rPr>
-              <a:t>Potential challenges and risks</a:t>
-            </a:r>
-          </a:p>
-          <a:p>
-            <a:pPr algn="l" marL="755641" indent="-377820" lvl="1">
+              <a:t> </a:t>
+            </a:r>
+          </a:p>
+          <a:p>
+            <a:pPr marL="755641" lvl="1" indent="-377820" algn="l">
               <a:lnSpc>
                 <a:spcPts val="4899"/>
               </a:lnSpc>
@@ -5577,7 +5487,7 @@
               <a:buChar char="•"/>
             </a:pPr>
             <a:r>
-              <a:rPr lang="en-US" sz="3499">
+              <a:rPr lang="en-US" sz="3499" dirty="0">
                 <a:solidFill>
                   <a:srgbClr val="000000"/>
                 </a:solidFill>
@@ -5586,26 +5496,40 @@
                 <a:cs typeface="Open Sans"/>
                 <a:sym typeface="Open Sans"/>
               </a:rPr>
-              <a:t>Strategies for overcoming these challenges</a:t>
-            </a:r>
-          </a:p>
-          <a:p>
-            <a:pPr algn="l">
+              <a:t> </a:t>
+            </a:r>
+          </a:p>
+          <a:p>
+            <a:pPr marL="755641" lvl="1" indent="-377820" algn="l">
               <a:lnSpc>
                 <a:spcPts val="4899"/>
               </a:lnSpc>
+              <a:buFont typeface="Arial"/>
+              <a:buChar char="•"/>
             </a:pPr>
-          </a:p>
-        </p:txBody>
-      </p:sp>
-      <p:sp>
-        <p:nvSpPr>
-          <p:cNvPr name="TextBox 13" id="13"/>
-          <p:cNvSpPr txBox="true"/>
+            <a:r>
+              <a:rPr lang="en-US" sz="3499" dirty="0">
+                <a:solidFill>
+                  <a:srgbClr val="000000"/>
+                </a:solidFill>
+                <a:latin typeface="Open Sans"/>
+                <a:ea typeface="Open Sans"/>
+                <a:cs typeface="Open Sans"/>
+                <a:sym typeface="Open Sans"/>
+              </a:rPr>
+              <a:t> </a:t>
+            </a:r>
+          </a:p>
+        </p:txBody>
+      </p:sp>
+      <p:sp>
+        <p:nvSpPr>
+          <p:cNvPr id="13" name="TextBox 13"/>
+          <p:cNvSpPr txBox="1"/>
           <p:nvPr/>
         </p:nvSpPr>
         <p:spPr>
-          <a:xfrm rot="0">
+          <a:xfrm>
             <a:off x="5983077" y="9704587"/>
             <a:ext cx="6321847" cy="763195"/>
           </a:xfrm>
@@ -5614,7 +5538,7 @@
           </a:prstGeom>
         </p:spPr>
         <p:txBody>
-          <a:bodyPr anchor="t" rtlCol="false" tIns="0" lIns="0" bIns="0" rIns="0">
+          <a:bodyPr lIns="0" tIns="0" rIns="0" bIns="0" rtlCol="0" anchor="t">
             <a:spAutoFit/>
           </a:bodyPr>
           <a:lstStyle/>
@@ -5643,6 +5567,76 @@
                 <a:spcPts val="3080"/>
               </a:lnSpc>
             </a:pPr>
+            <a:endParaRPr lang="en-US" sz="2200">
+              <a:solidFill>
+                <a:srgbClr val="FFFFFF"/>
+              </a:solidFill>
+              <a:latin typeface="Canva Sans"/>
+              <a:ea typeface="Canva Sans"/>
+              <a:cs typeface="Canva Sans"/>
+              <a:sym typeface="Canva Sans"/>
+            </a:endParaRPr>
+          </a:p>
+        </p:txBody>
+      </p:sp>
+      <p:sp>
+        <p:nvSpPr>
+          <p:cNvPr id="14" name="Freeform 2">
+            <a:extLst>
+              <a:ext uri="{FF2B5EF4-FFF2-40B4-BE49-F238E27FC236}">
+                <a16:creationId xmlns:a16="http://schemas.microsoft.com/office/drawing/2014/main" id="{53799FB2-F08A-316F-D06C-4B3D5F84193F}"/>
+              </a:ext>
+            </a:extLst>
+          </p:cNvPr>
+          <p:cNvSpPr/>
+          <p:nvPr/>
+        </p:nvSpPr>
+        <p:spPr>
+          <a:xfrm>
+            <a:off x="5014078" y="1282700"/>
+            <a:ext cx="8839200" cy="7848600"/>
+          </a:xfrm>
+          <a:custGeom>
+            <a:avLst/>
+            <a:gdLst/>
+            <a:ahLst/>
+            <a:cxnLst/>
+            <a:rect l="l" t="t" r="r" b="b"/>
+            <a:pathLst>
+              <a:path w="1900850" h="1900850">
+                <a:moveTo>
+                  <a:pt x="0" y="0"/>
+                </a:moveTo>
+                <a:lnTo>
+                  <a:pt x="1900849" y="0"/>
+                </a:lnTo>
+                <a:lnTo>
+                  <a:pt x="1900849" y="1900850"/>
+                </a:lnTo>
+                <a:lnTo>
+                  <a:pt x="0" y="1900850"/>
+                </a:lnTo>
+                <a:lnTo>
+                  <a:pt x="0" y="0"/>
+                </a:lnTo>
+                <a:close/>
+              </a:path>
+            </a:pathLst>
+          </a:custGeom>
+          <a:blipFill>
+            <a:blip r:embed="rId2">
+              <a:alphaModFix amt="10000"/>
+            </a:blip>
+            <a:stretch>
+              <a:fillRect/>
+            </a:stretch>
+          </a:blipFill>
+        </p:spPr>
+        <p:txBody>
+          <a:bodyPr/>
+          <a:lstStyle/>
+          <a:p>
+            <a:endParaRPr lang="en-IN" dirty="0"/>
           </a:p>
         </p:txBody>
       </p:sp>
@@ -5654,8 +5648,8 @@
 </p:sld>
 </file>
 
-<file path=ppt/slides/slide5.xml><?xml version="1.0" encoding="utf-8"?>
-<p:sld xmlns:p="http://schemas.openxmlformats.org/presentationml/2006/main" xmlns:a="http://schemas.openxmlformats.org/drawingml/2006/main" xmlns:r="http://schemas.openxmlformats.org/officeDocument/2006/relationships">
+<file path=ppt/slides/slide13.xml><?xml version="1.0" encoding="utf-8"?>
+<p:sld xmlns:a="http://schemas.openxmlformats.org/drawingml/2006/main" xmlns:r="http://schemas.openxmlformats.org/officeDocument/2006/relationships" xmlns:p="http://schemas.openxmlformats.org/presentationml/2006/main">
   <p:cSld>
     <p:spTree>
       <p:nvGrpSpPr>
@@ -5673,12 +5667,12 @@
       </p:grpSpPr>
       <p:sp>
         <p:nvSpPr>
-          <p:cNvPr name="Freeform 2" id="2"/>
+          <p:cNvPr id="2" name="Freeform 2"/>
           <p:cNvSpPr/>
           <p:nvPr/>
         </p:nvSpPr>
         <p:spPr>
-          <a:xfrm flipH="false" flipV="false" rot="0">
+          <a:xfrm>
             <a:off x="15252215" y="546926"/>
             <a:ext cx="1900850" cy="1900850"/>
           </a:xfrm>
@@ -5687,9 +5681,9 @@
             <a:gdLst/>
             <a:ahLst/>
             <a:cxnLst/>
-            <a:rect r="r" b="b" t="t" l="l"/>
+            <a:rect l="l" t="t" r="r" b="b"/>
             <a:pathLst>
-              <a:path h="1900850" w="1900850">
+              <a:path w="1900850" h="1900850">
                 <a:moveTo>
                   <a:pt x="0" y="0"/>
                 </a:moveTo>
@@ -5712,19 +5706,26 @@
           <a:blipFill>
             <a:blip r:embed="rId2"/>
             <a:stretch>
-              <a:fillRect l="0" t="0" r="0" b="0"/>
+              <a:fillRect/>
             </a:stretch>
           </a:blipFill>
         </p:spPr>
+        <p:txBody>
+          <a:bodyPr/>
+          <a:lstStyle/>
+          <a:p>
+            <a:endParaRPr lang="en-IN"/>
+          </a:p>
+        </p:txBody>
       </p:sp>
       <p:grpSp>
         <p:nvGrpSpPr>
-          <p:cNvPr name="Group 3" id="3"/>
+          <p:cNvPr id="3" name="Group 3"/>
           <p:cNvGrpSpPr/>
           <p:nvPr/>
         </p:nvGrpSpPr>
         <p:grpSpPr>
-          <a:xfrm rot="0">
+          <a:xfrm>
             <a:off x="894614" y="736842"/>
             <a:ext cx="2720530" cy="1521019"/>
             <a:chOff x="0" y="0"/>
@@ -5733,12 +5734,12 @@
         </p:grpSpPr>
         <p:grpSp>
           <p:nvGrpSpPr>
-            <p:cNvPr name="Group 4" id="4"/>
+            <p:cNvPr id="4" name="Group 4"/>
             <p:cNvGrpSpPr/>
             <p:nvPr/>
           </p:nvGrpSpPr>
           <p:grpSpPr>
-            <a:xfrm rot="0">
+            <a:xfrm>
               <a:off x="0" y="0"/>
               <a:ext cx="3627373" cy="2028026"/>
               <a:chOff x="0" y="0"/>
@@ -5747,12 +5748,12 @@
           </p:grpSpPr>
           <p:sp>
             <p:nvSpPr>
-              <p:cNvPr name="Freeform 5" id="5"/>
+              <p:cNvPr id="5" name="Freeform 5"/>
               <p:cNvSpPr/>
               <p:nvPr/>
             </p:nvSpPr>
             <p:spPr>
-              <a:xfrm flipH="false" flipV="false" rot="0">
+              <a:xfrm>
                 <a:off x="0" y="0"/>
                 <a:ext cx="895448" cy="500635"/>
               </a:xfrm>
@@ -5761,9 +5762,9 @@
                 <a:gdLst/>
                 <a:ahLst/>
                 <a:cxnLst/>
-                <a:rect r="r" b="b" t="t" l="l"/>
+                <a:rect l="l" t="t" r="r" b="b"/>
                 <a:pathLst>
-                  <a:path h="500635" w="895448">
+                  <a:path w="895448" h="500635">
                     <a:moveTo>
                       <a:pt x="52373" y="0"/>
                     </a:moveTo>
@@ -5834,11 +5835,18 @@
                 <a:round/>
               </a:ln>
             </p:spPr>
+            <p:txBody>
+              <a:bodyPr/>
+              <a:lstStyle/>
+              <a:p>
+                <a:endParaRPr lang="en-IN"/>
+              </a:p>
+            </p:txBody>
           </p:sp>
           <p:sp>
             <p:nvSpPr>
-              <p:cNvPr name="TextBox 6" id="6"/>
-              <p:cNvSpPr txBox="true"/>
+              <p:cNvPr id="6" name="TextBox 6"/>
+              <p:cNvSpPr txBox="1"/>
               <p:nvPr/>
             </p:nvSpPr>
             <p:spPr>
@@ -5851,7 +5859,7 @@
               </a:prstGeom>
             </p:spPr>
             <p:txBody>
-              <a:bodyPr anchor="ctr" rtlCol="false" tIns="50800" lIns="50800" bIns="50800" rIns="50800"/>
+              <a:bodyPr lIns="50800" tIns="50800" rIns="50800" bIns="50800" rtlCol="0" anchor="ctr"/>
               <a:lstStyle/>
               <a:p>
                 <a:pPr algn="ctr">
@@ -5859,18 +5867,19 @@
                     <a:spcPts val="2659"/>
                   </a:lnSpc>
                 </a:pPr>
+                <a:endParaRPr/>
               </a:p>
             </p:txBody>
           </p:sp>
         </p:grpSp>
         <p:sp>
           <p:nvSpPr>
-            <p:cNvPr name="TextBox 7" id="7"/>
-            <p:cNvSpPr txBox="true"/>
+            <p:cNvPr id="7" name="TextBox 7"/>
+            <p:cNvSpPr txBox="1"/>
             <p:nvPr/>
           </p:nvSpPr>
           <p:spPr>
-            <a:xfrm rot="0">
+            <a:xfrm>
               <a:off x="222703" y="354116"/>
               <a:ext cx="3181967" cy="1272168"/>
             </a:xfrm>
@@ -5879,7 +5888,7 @@
             </a:prstGeom>
           </p:spPr>
           <p:txBody>
-            <a:bodyPr anchor="t" rtlCol="false" tIns="0" lIns="0" bIns="0" rIns="0">
+            <a:bodyPr lIns="0" tIns="0" rIns="0" bIns="0" rtlCol="0" anchor="t">
               <a:spAutoFit/>
             </a:bodyPr>
             <a:lstStyle/>
@@ -5926,12 +5935,12 @@
       </p:grpSp>
       <p:grpSp>
         <p:nvGrpSpPr>
-          <p:cNvPr name="Group 8" id="8"/>
+          <p:cNvPr id="8" name="Group 8"/>
           <p:cNvGrpSpPr/>
           <p:nvPr/>
         </p:nvGrpSpPr>
         <p:grpSpPr>
-          <a:xfrm rot="0">
+          <a:xfrm>
             <a:off x="0" y="9499924"/>
             <a:ext cx="18288000" cy="787076"/>
             <a:chOff x="0" y="0"/>
@@ -5940,12 +5949,12 @@
         </p:grpSpPr>
         <p:sp>
           <p:nvSpPr>
-            <p:cNvPr name="Freeform 9" id="9"/>
+            <p:cNvPr id="9" name="Freeform 9"/>
             <p:cNvSpPr/>
             <p:nvPr/>
           </p:nvSpPr>
           <p:spPr>
-            <a:xfrm flipH="false" flipV="false" rot="0">
+            <a:xfrm>
               <a:off x="0" y="0"/>
               <a:ext cx="4816592" cy="207296"/>
             </a:xfrm>
@@ -5954,9 +5963,9 @@
               <a:gdLst/>
               <a:ahLst/>
               <a:cxnLst/>
-              <a:rect r="r" b="b" t="t" l="l"/>
+              <a:rect l="l" t="t" r="r" b="b"/>
               <a:pathLst>
-                <a:path h="207296" w="4816592">
+                <a:path w="4816592" h="207296">
                   <a:moveTo>
                     <a:pt x="0" y="0"/>
                   </a:moveTo>
@@ -5977,11 +5986,18 @@
               <a:srgbClr val="6652DF"/>
             </a:solidFill>
           </p:spPr>
+          <p:txBody>
+            <a:bodyPr/>
+            <a:lstStyle/>
+            <a:p>
+              <a:endParaRPr lang="en-IN"/>
+            </a:p>
+          </p:txBody>
         </p:sp>
         <p:sp>
           <p:nvSpPr>
-            <p:cNvPr name="TextBox 10" id="10"/>
-            <p:cNvSpPr txBox="true"/>
+            <p:cNvPr id="10" name="TextBox 10"/>
+            <p:cNvSpPr txBox="1"/>
             <p:nvPr/>
           </p:nvSpPr>
           <p:spPr>
@@ -5994,7 +6010,7 @@
             </a:prstGeom>
           </p:spPr>
           <p:txBody>
-            <a:bodyPr anchor="ctr" rtlCol="false" tIns="50800" lIns="50800" bIns="50800" rIns="50800"/>
+            <a:bodyPr lIns="50800" tIns="50800" rIns="50800" bIns="50800" rtlCol="0" anchor="ctr"/>
             <a:lstStyle/>
             <a:p>
               <a:pPr algn="ctr">
@@ -6002,27 +6018,28 @@
                   <a:spcPts val="2659"/>
                 </a:lnSpc>
               </a:pPr>
+              <a:endParaRPr/>
             </a:p>
           </p:txBody>
         </p:sp>
       </p:grpSp>
       <p:sp>
         <p:nvSpPr>
-          <p:cNvPr name="TextBox 11" id="11"/>
-          <p:cNvSpPr txBox="true"/>
+          <p:cNvPr id="11" name="TextBox 11"/>
+          <p:cNvSpPr txBox="1"/>
           <p:nvPr/>
         </p:nvSpPr>
         <p:spPr>
-          <a:xfrm rot="0">
-            <a:off x="6507904" y="933450"/>
-            <a:ext cx="5851550" cy="698537"/>
+          <a:xfrm>
+            <a:off x="5167782" y="933450"/>
+            <a:ext cx="9219898" cy="670889"/>
           </a:xfrm>
           <a:prstGeom prst="rect">
             <a:avLst/>
           </a:prstGeom>
         </p:spPr>
         <p:txBody>
-          <a:bodyPr anchor="t" rtlCol="false" tIns="0" lIns="0" bIns="0" rIns="0">
+          <a:bodyPr lIns="0" tIns="0" rIns="0" bIns="0" rtlCol="0" anchor="t">
             <a:spAutoFit/>
           </a:bodyPr>
           <a:lstStyle/>
@@ -6033,7 +6050,7 @@
               </a:lnSpc>
             </a:pPr>
             <a:r>
-              <a:rPr lang="en-US" sz="3999" b="true">
+              <a:rPr lang="en-US" sz="4400" b="1" u="sng" dirty="0">
                 <a:solidFill>
                   <a:srgbClr val="000000"/>
                 </a:solidFill>
@@ -6042,38 +6059,37 @@
                 <a:cs typeface="Times New Roman Bold"/>
                 <a:sym typeface="Times New Roman Bold"/>
               </a:rPr>
-              <a:t>IMPACT AND BENEFITS</a:t>
-            </a:r>
-          </a:p>
-        </p:txBody>
-      </p:sp>
-      <p:sp>
-        <p:nvSpPr>
-          <p:cNvPr name="TextBox 12" id="12"/>
-          <p:cNvSpPr txBox="true"/>
+              <a:t>IMPORTANT INSTRUCTIONS</a:t>
+            </a:r>
+          </a:p>
+        </p:txBody>
+      </p:sp>
+      <p:sp>
+        <p:nvSpPr>
+          <p:cNvPr id="12" name="TextBox 12"/>
+          <p:cNvSpPr txBox="1"/>
           <p:nvPr/>
         </p:nvSpPr>
         <p:spPr>
-          <a:xfrm rot="0">
-            <a:off x="3615143" y="4005442"/>
-            <a:ext cx="12361500" cy="3063876"/>
+          <a:xfrm>
+            <a:off x="445771" y="2865524"/>
+            <a:ext cx="17396457" cy="6159501"/>
           </a:xfrm>
           <a:prstGeom prst="rect">
             <a:avLst/>
           </a:prstGeom>
         </p:spPr>
         <p:txBody>
-          <a:bodyPr anchor="t" rtlCol="false" tIns="0" lIns="0" bIns="0" rIns="0">
+          <a:bodyPr lIns="0" tIns="0" rIns="0" bIns="0" rtlCol="0" anchor="t">
             <a:spAutoFit/>
           </a:bodyPr>
           <a:lstStyle/>
           <a:p>
-            <a:pPr algn="l" marL="755641" indent="-377820" lvl="1">
+            <a:pPr marL="755641" lvl="1" indent="-377820" algn="l">
               <a:lnSpc>
                 <a:spcPts val="4899"/>
               </a:lnSpc>
-              <a:buFont typeface="Arial"/>
-              <a:buChar char="•"/>
+              <a:buAutoNum type="arabicPeriod"/>
             </a:pPr>
             <a:r>
               <a:rPr lang="en-US" sz="3499">
@@ -6085,8 +6101,16 @@
                 <a:cs typeface="Open Sans"/>
                 <a:sym typeface="Open Sans"/>
               </a:rPr>
-              <a:t>Pote</a:t>
-            </a:r>
+              <a:t>Kindly keep the maximum slides limit up to six (6). ( Including the title slide) </a:t>
+            </a:r>
+          </a:p>
+          <a:p>
+            <a:pPr marL="755641" lvl="1" indent="-377820" algn="l">
+              <a:lnSpc>
+                <a:spcPts val="4899"/>
+              </a:lnSpc>
+              <a:buAutoNum type="arabicPeriod"/>
+            </a:pPr>
             <a:r>
               <a:rPr lang="en-US" sz="3499">
                 <a:solidFill>
@@ -6097,23 +6121,15 @@
                 <a:cs typeface="Open Sans"/>
                 <a:sym typeface="Open Sans"/>
               </a:rPr>
-              <a:t>ntial impact on the target audience</a:t>
-            </a:r>
-          </a:p>
-          <a:p>
-            <a:pPr algn="l">
+              <a:t>Try to avoid paragraphs and post your idea in points /diagrams / Infographics pictures </a:t>
+            </a:r>
+          </a:p>
+          <a:p>
+            <a:pPr marL="755641" lvl="1" indent="-377820" algn="l">
               <a:lnSpc>
                 <a:spcPts val="4899"/>
               </a:lnSpc>
-            </a:pPr>
-          </a:p>
-          <a:p>
-            <a:pPr algn="l" marL="755641" indent="-377820" lvl="1">
-              <a:lnSpc>
-                <a:spcPts val="4899"/>
-              </a:lnSpc>
-              <a:buFont typeface="Arial"/>
-              <a:buChar char="•"/>
+              <a:buAutoNum type="arabicPeriod"/>
             </a:pPr>
             <a:r>
               <a:rPr lang="en-US" sz="3499">
@@ -6125,7 +6141,67 @@
                 <a:cs typeface="Open Sans"/>
                 <a:sym typeface="Open Sans"/>
               </a:rPr>
-              <a:t>Benefits of the solution (social, economic, environmental, etc.)</a:t>
+              <a:t>Keep your explanation precise and easy to understand</a:t>
+            </a:r>
+          </a:p>
+          <a:p>
+            <a:pPr marL="755641" lvl="1" indent="-377820" algn="l">
+              <a:lnSpc>
+                <a:spcPts val="4899"/>
+              </a:lnSpc>
+              <a:buAutoNum type="arabicPeriod"/>
+            </a:pPr>
+            <a:r>
+              <a:rPr lang="en-US" sz="3499">
+                <a:solidFill>
+                  <a:srgbClr val="000000"/>
+                </a:solidFill>
+                <a:latin typeface="Open Sans"/>
+                <a:ea typeface="Open Sans"/>
+                <a:cs typeface="Open Sans"/>
+                <a:sym typeface="Open Sans"/>
+              </a:rPr>
+              <a:t>Idea should be unique and novel. </a:t>
+            </a:r>
+          </a:p>
+          <a:p>
+            <a:pPr marL="755641" lvl="1" indent="-377820" algn="l">
+              <a:lnSpc>
+                <a:spcPts val="4899"/>
+              </a:lnSpc>
+              <a:buAutoNum type="arabicPeriod"/>
+            </a:pPr>
+            <a:r>
+              <a:rPr lang="en-US" sz="3499">
+                <a:solidFill>
+                  <a:srgbClr val="000000"/>
+                </a:solidFill>
+                <a:latin typeface="Open Sans"/>
+                <a:ea typeface="Open Sans"/>
+                <a:cs typeface="Open Sans"/>
+                <a:sym typeface="Open Sans"/>
+              </a:rPr>
+              <a:t>You can only use provided template for making the PPT without changing the idea details pointers (mentioned in previous slides).</a:t>
+            </a:r>
+          </a:p>
+          <a:p>
+            <a:pPr marL="755641" lvl="1" indent="-377820" algn="l">
+              <a:lnSpc>
+                <a:spcPts val="4899"/>
+              </a:lnSpc>
+              <a:buAutoNum type="arabicPeriod"/>
+            </a:pPr>
+            <a:r>
+              <a:rPr lang="en-US" sz="3499">
+                <a:solidFill>
+                  <a:srgbClr val="000000"/>
+                </a:solidFill>
+                <a:latin typeface="Open Sans"/>
+                <a:ea typeface="Open Sans"/>
+                <a:cs typeface="Open Sans"/>
+                <a:sym typeface="Open Sans"/>
+              </a:rPr>
+              <a:t>You need to save the file in PDF and upload the same on portal. No PPT, Word Doc or any other format will be supported.</a:t>
             </a:r>
           </a:p>
           <a:p>
@@ -6134,17 +6210,26 @@
                 <a:spcPts val="4899"/>
               </a:lnSpc>
             </a:pPr>
-          </a:p>
-        </p:txBody>
-      </p:sp>
-      <p:sp>
-        <p:nvSpPr>
-          <p:cNvPr name="TextBox 13" id="13"/>
-          <p:cNvSpPr txBox="true"/>
+            <a:endParaRPr lang="en-US" sz="3499">
+              <a:solidFill>
+                <a:srgbClr val="000000"/>
+              </a:solidFill>
+              <a:latin typeface="Open Sans"/>
+              <a:ea typeface="Open Sans"/>
+              <a:cs typeface="Open Sans"/>
+              <a:sym typeface="Open Sans"/>
+            </a:endParaRPr>
+          </a:p>
+        </p:txBody>
+      </p:sp>
+      <p:sp>
+        <p:nvSpPr>
+          <p:cNvPr id="13" name="TextBox 13"/>
+          <p:cNvSpPr txBox="1"/>
           <p:nvPr/>
         </p:nvSpPr>
         <p:spPr>
-          <a:xfrm rot="0">
+          <a:xfrm>
             <a:off x="5983077" y="9704587"/>
             <a:ext cx="6321847" cy="763195"/>
           </a:xfrm>
@@ -6153,7 +6238,7 @@
           </a:prstGeom>
         </p:spPr>
         <p:txBody>
-          <a:bodyPr anchor="t" rtlCol="false" tIns="0" lIns="0" bIns="0" rIns="0">
+          <a:bodyPr lIns="0" tIns="0" rIns="0" bIns="0" rtlCol="0" anchor="t">
             <a:spAutoFit/>
           </a:bodyPr>
           <a:lstStyle/>
@@ -6182,6 +6267,76 @@
                 <a:spcPts val="3080"/>
               </a:lnSpc>
             </a:pPr>
+            <a:endParaRPr lang="en-US" sz="2200">
+              <a:solidFill>
+                <a:srgbClr val="FFFFFF"/>
+              </a:solidFill>
+              <a:latin typeface="Canva Sans"/>
+              <a:ea typeface="Canva Sans"/>
+              <a:cs typeface="Canva Sans"/>
+              <a:sym typeface="Canva Sans"/>
+            </a:endParaRPr>
+          </a:p>
+        </p:txBody>
+      </p:sp>
+      <p:sp>
+        <p:nvSpPr>
+          <p:cNvPr id="14" name="Freeform 2">
+            <a:extLst>
+              <a:ext uri="{FF2B5EF4-FFF2-40B4-BE49-F238E27FC236}">
+                <a16:creationId xmlns:a16="http://schemas.microsoft.com/office/drawing/2014/main" id="{FE260E55-4684-4011-8CCF-8C60D4105D74}"/>
+              </a:ext>
+            </a:extLst>
+          </p:cNvPr>
+          <p:cNvSpPr/>
+          <p:nvPr/>
+        </p:nvSpPr>
+        <p:spPr>
+          <a:xfrm>
+            <a:off x="5014078" y="1282700"/>
+            <a:ext cx="8839200" cy="7848600"/>
+          </a:xfrm>
+          <a:custGeom>
+            <a:avLst/>
+            <a:gdLst/>
+            <a:ahLst/>
+            <a:cxnLst/>
+            <a:rect l="l" t="t" r="r" b="b"/>
+            <a:pathLst>
+              <a:path w="1900850" h="1900850">
+                <a:moveTo>
+                  <a:pt x="0" y="0"/>
+                </a:moveTo>
+                <a:lnTo>
+                  <a:pt x="1900849" y="0"/>
+                </a:lnTo>
+                <a:lnTo>
+                  <a:pt x="1900849" y="1900850"/>
+                </a:lnTo>
+                <a:lnTo>
+                  <a:pt x="0" y="1900850"/>
+                </a:lnTo>
+                <a:lnTo>
+                  <a:pt x="0" y="0"/>
+                </a:lnTo>
+                <a:close/>
+              </a:path>
+            </a:pathLst>
+          </a:custGeom>
+          <a:blipFill>
+            <a:blip r:embed="rId2">
+              <a:alphaModFix amt="10000"/>
+            </a:blip>
+            <a:stretch>
+              <a:fillRect/>
+            </a:stretch>
+          </a:blipFill>
+        </p:spPr>
+        <p:txBody>
+          <a:bodyPr/>
+          <a:lstStyle/>
+          <a:p>
+            <a:endParaRPr lang="en-IN" dirty="0"/>
           </a:p>
         </p:txBody>
       </p:sp>
@@ -6193,9 +6348,19 @@
 </p:sld>
 </file>
 
-<file path=ppt/slides/slide6.xml><?xml version="1.0" encoding="utf-8"?>
-<p:sld xmlns:p="http://schemas.openxmlformats.org/presentationml/2006/main" xmlns:a="http://schemas.openxmlformats.org/drawingml/2006/main" xmlns:r="http://schemas.openxmlformats.org/officeDocument/2006/relationships">
+<file path=ppt/slides/slide2.xml><?xml version="1.0" encoding="utf-8"?>
+<p:sld xmlns:a="http://schemas.openxmlformats.org/drawingml/2006/main" xmlns:r="http://schemas.openxmlformats.org/officeDocument/2006/relationships" xmlns:p="http://schemas.openxmlformats.org/presentationml/2006/main">
   <p:cSld>
+    <p:bg>
+      <p:bgPr>
+        <a:solidFill>
+          <a:schemeClr val="bg1">
+            <a:alpha val="98000"/>
+          </a:schemeClr>
+        </a:solidFill>
+        <a:effectLst/>
+      </p:bgPr>
+    </p:bg>
     <p:spTree>
       <p:nvGrpSpPr>
         <p:cNvPr id="1" name=""/>
@@ -6212,12 +6377,12 @@
       </p:grpSpPr>
       <p:sp>
         <p:nvSpPr>
-          <p:cNvPr name="Freeform 2" id="2"/>
+          <p:cNvPr id="2" name="Freeform 2"/>
           <p:cNvSpPr/>
           <p:nvPr/>
         </p:nvSpPr>
         <p:spPr>
-          <a:xfrm flipH="false" flipV="false" rot="0">
+          <a:xfrm>
             <a:off x="15252215" y="546926"/>
             <a:ext cx="1900850" cy="1900850"/>
           </a:xfrm>
@@ -6226,9 +6391,9 @@
             <a:gdLst/>
             <a:ahLst/>
             <a:cxnLst/>
-            <a:rect r="r" b="b" t="t" l="l"/>
+            <a:rect l="l" t="t" r="r" b="b"/>
             <a:pathLst>
-              <a:path h="1900850" w="1900850">
+              <a:path w="1900850" h="1900850">
                 <a:moveTo>
                   <a:pt x="0" y="0"/>
                 </a:moveTo>
@@ -6251,19 +6416,26 @@
           <a:blipFill>
             <a:blip r:embed="rId2"/>
             <a:stretch>
-              <a:fillRect l="0" t="0" r="0" b="0"/>
+              <a:fillRect/>
             </a:stretch>
           </a:blipFill>
         </p:spPr>
+        <p:txBody>
+          <a:bodyPr/>
+          <a:lstStyle/>
+          <a:p>
+            <a:endParaRPr lang="en-IN"/>
+          </a:p>
+        </p:txBody>
       </p:sp>
       <p:grpSp>
         <p:nvGrpSpPr>
-          <p:cNvPr name="Group 3" id="3"/>
+          <p:cNvPr id="3" name="Group 3"/>
           <p:cNvGrpSpPr/>
           <p:nvPr/>
         </p:nvGrpSpPr>
         <p:grpSpPr>
-          <a:xfrm rot="0">
+          <a:xfrm>
             <a:off x="894614" y="736842"/>
             <a:ext cx="2720530" cy="1521019"/>
             <a:chOff x="0" y="0"/>
@@ -6272,12 +6444,12 @@
         </p:grpSpPr>
         <p:grpSp>
           <p:nvGrpSpPr>
-            <p:cNvPr name="Group 4" id="4"/>
+            <p:cNvPr id="4" name="Group 4"/>
             <p:cNvGrpSpPr/>
             <p:nvPr/>
           </p:nvGrpSpPr>
           <p:grpSpPr>
-            <a:xfrm rot="0">
+            <a:xfrm>
               <a:off x="0" y="0"/>
               <a:ext cx="3627373" cy="2028026"/>
               <a:chOff x="0" y="0"/>
@@ -6286,12 +6458,12 @@
           </p:grpSpPr>
           <p:sp>
             <p:nvSpPr>
-              <p:cNvPr name="Freeform 5" id="5"/>
+              <p:cNvPr id="5" name="Freeform 5"/>
               <p:cNvSpPr/>
               <p:nvPr/>
             </p:nvSpPr>
             <p:spPr>
-              <a:xfrm flipH="false" flipV="false" rot="0">
+              <a:xfrm>
                 <a:off x="0" y="0"/>
                 <a:ext cx="895448" cy="500635"/>
               </a:xfrm>
@@ -6300,9 +6472,9 @@
                 <a:gdLst/>
                 <a:ahLst/>
                 <a:cxnLst/>
-                <a:rect r="r" b="b" t="t" l="l"/>
+                <a:rect l="l" t="t" r="r" b="b"/>
                 <a:pathLst>
-                  <a:path h="500635" w="895448">
+                  <a:path w="895448" h="500635">
                     <a:moveTo>
                       <a:pt x="52373" y="0"/>
                     </a:moveTo>
@@ -6373,11 +6545,18 @@
                 <a:round/>
               </a:ln>
             </p:spPr>
+            <p:txBody>
+              <a:bodyPr/>
+              <a:lstStyle/>
+              <a:p>
+                <a:endParaRPr lang="en-IN"/>
+              </a:p>
+            </p:txBody>
           </p:sp>
           <p:sp>
             <p:nvSpPr>
-              <p:cNvPr name="TextBox 6" id="6"/>
-              <p:cNvSpPr txBox="true"/>
+              <p:cNvPr id="6" name="TextBox 6"/>
+              <p:cNvSpPr txBox="1"/>
               <p:nvPr/>
             </p:nvSpPr>
             <p:spPr>
@@ -6390,7 +6569,7 @@
               </a:prstGeom>
             </p:spPr>
             <p:txBody>
-              <a:bodyPr anchor="ctr" rtlCol="false" tIns="50800" lIns="50800" bIns="50800" rIns="50800"/>
+              <a:bodyPr lIns="50800" tIns="50800" rIns="50800" bIns="50800" rtlCol="0" anchor="ctr"/>
               <a:lstStyle/>
               <a:p>
                 <a:pPr algn="ctr">
@@ -6398,18 +6577,19 @@
                     <a:spcPts val="2659"/>
                   </a:lnSpc>
                 </a:pPr>
+                <a:endParaRPr/>
               </a:p>
             </p:txBody>
           </p:sp>
         </p:grpSp>
         <p:sp>
           <p:nvSpPr>
-            <p:cNvPr name="TextBox 7" id="7"/>
-            <p:cNvSpPr txBox="true"/>
+            <p:cNvPr id="7" name="TextBox 7"/>
+            <p:cNvSpPr txBox="1"/>
             <p:nvPr/>
           </p:nvSpPr>
           <p:spPr>
-            <a:xfrm rot="0">
+            <a:xfrm>
               <a:off x="222703" y="354116"/>
               <a:ext cx="3181967" cy="1272168"/>
             </a:xfrm>
@@ -6418,7 +6598,7 @@
             </a:prstGeom>
           </p:spPr>
           <p:txBody>
-            <a:bodyPr anchor="t" rtlCol="false" tIns="0" lIns="0" bIns="0" rIns="0">
+            <a:bodyPr lIns="0" tIns="0" rIns="0" bIns="0" rtlCol="0" anchor="t">
               <a:spAutoFit/>
             </a:bodyPr>
             <a:lstStyle/>
@@ -6465,12 +6645,12 @@
       </p:grpSp>
       <p:grpSp>
         <p:nvGrpSpPr>
-          <p:cNvPr name="Group 8" id="8"/>
+          <p:cNvPr id="8" name="Group 8"/>
           <p:cNvGrpSpPr/>
           <p:nvPr/>
         </p:nvGrpSpPr>
         <p:grpSpPr>
-          <a:xfrm rot="0">
+          <a:xfrm>
             <a:off x="0" y="9499924"/>
             <a:ext cx="18288000" cy="787076"/>
             <a:chOff x="0" y="0"/>
@@ -6479,12 +6659,12 @@
         </p:grpSpPr>
         <p:sp>
           <p:nvSpPr>
-            <p:cNvPr name="Freeform 9" id="9"/>
+            <p:cNvPr id="9" name="Freeform 9"/>
             <p:cNvSpPr/>
             <p:nvPr/>
           </p:nvSpPr>
           <p:spPr>
-            <a:xfrm flipH="false" flipV="false" rot="0">
+            <a:xfrm>
               <a:off x="0" y="0"/>
               <a:ext cx="4816592" cy="207296"/>
             </a:xfrm>
@@ -6493,9 +6673,9 @@
               <a:gdLst/>
               <a:ahLst/>
               <a:cxnLst/>
-              <a:rect r="r" b="b" t="t" l="l"/>
+              <a:rect l="l" t="t" r="r" b="b"/>
               <a:pathLst>
-                <a:path h="207296" w="4816592">
+                <a:path w="4816592" h="207296">
                   <a:moveTo>
                     <a:pt x="0" y="0"/>
                   </a:moveTo>
@@ -6516,11 +6696,18 @@
               <a:srgbClr val="6652DF"/>
             </a:solidFill>
           </p:spPr>
+          <p:txBody>
+            <a:bodyPr/>
+            <a:lstStyle/>
+            <a:p>
+              <a:endParaRPr lang="en-IN"/>
+            </a:p>
+          </p:txBody>
         </p:sp>
         <p:sp>
           <p:nvSpPr>
-            <p:cNvPr name="TextBox 10" id="10"/>
-            <p:cNvSpPr txBox="true"/>
+            <p:cNvPr id="10" name="TextBox 10"/>
+            <p:cNvSpPr txBox="1"/>
             <p:nvPr/>
           </p:nvSpPr>
           <p:spPr>
@@ -6533,7 +6720,7 @@
             </a:prstGeom>
           </p:spPr>
           <p:txBody>
-            <a:bodyPr anchor="ctr" rtlCol="false" tIns="50800" lIns="50800" bIns="50800" rIns="50800"/>
+            <a:bodyPr lIns="50800" tIns="50800" rIns="50800" bIns="50800" rtlCol="0" anchor="ctr"/>
             <a:lstStyle/>
             <a:p>
               <a:pPr algn="ctr">
@@ -6541,27 +6728,28 @@
                   <a:spcPts val="2659"/>
                 </a:lnSpc>
               </a:pPr>
+              <a:endParaRPr/>
             </a:p>
           </p:txBody>
         </p:sp>
       </p:grpSp>
       <p:sp>
         <p:nvSpPr>
-          <p:cNvPr name="TextBox 11" id="11"/>
-          <p:cNvSpPr txBox="true"/>
+          <p:cNvPr id="11" name="TextBox 11"/>
+          <p:cNvSpPr txBox="1"/>
           <p:nvPr/>
         </p:nvSpPr>
         <p:spPr>
-          <a:xfrm rot="0">
-            <a:off x="5651770" y="933450"/>
-            <a:ext cx="7563817" cy="698537"/>
+          <a:xfrm>
+            <a:off x="7364500" y="947255"/>
+            <a:ext cx="4138355" cy="670889"/>
           </a:xfrm>
           <a:prstGeom prst="rect">
             <a:avLst/>
           </a:prstGeom>
         </p:spPr>
         <p:txBody>
-          <a:bodyPr anchor="t" rtlCol="false" tIns="0" lIns="0" bIns="0" rIns="0">
+          <a:bodyPr wrap="square" lIns="0" tIns="0" rIns="0" bIns="0" rtlCol="0" anchor="t">
             <a:spAutoFit/>
           </a:bodyPr>
           <a:lstStyle/>
@@ -6572,7 +6760,7 @@
               </a:lnSpc>
             </a:pPr>
             <a:r>
-              <a:rPr lang="en-US" sz="3999" b="true">
+              <a:rPr lang="en-US" sz="4400" b="1" u="sng" dirty="0">
                 <a:solidFill>
                   <a:srgbClr val="000000"/>
                 </a:solidFill>
@@ -6581,83 +6769,71 @@
                 <a:cs typeface="Times New Roman Bold"/>
                 <a:sym typeface="Times New Roman Bold"/>
               </a:rPr>
-              <a:t>RESEARCH AND REFERENCES</a:t>
-            </a:r>
-          </a:p>
-        </p:txBody>
-      </p:sp>
-      <p:sp>
-        <p:nvSpPr>
-          <p:cNvPr name="TextBox 12" id="12"/>
-          <p:cNvSpPr txBox="true"/>
+              <a:t>IDEA TITLE</a:t>
+            </a:r>
+          </a:p>
+        </p:txBody>
+      </p:sp>
+      <p:sp>
+        <p:nvSpPr>
+          <p:cNvPr id="12" name="TextBox 12"/>
+          <p:cNvSpPr txBox="1"/>
           <p:nvPr/>
         </p:nvSpPr>
         <p:spPr>
-          <a:xfrm rot="0">
-            <a:off x="3420311" y="4821237"/>
-            <a:ext cx="12361500" cy="587376"/>
+          <a:xfrm>
+            <a:off x="1620007" y="3009900"/>
+            <a:ext cx="15047982" cy="629921"/>
           </a:xfrm>
           <a:prstGeom prst="rect">
             <a:avLst/>
           </a:prstGeom>
         </p:spPr>
         <p:txBody>
-          <a:bodyPr anchor="t" rtlCol="false" tIns="0" lIns="0" bIns="0" rIns="0">
+          <a:bodyPr lIns="0" tIns="0" rIns="0" bIns="0" rtlCol="0" anchor="t">
             <a:spAutoFit/>
           </a:bodyPr>
           <a:lstStyle/>
           <a:p>
-            <a:pPr algn="l" marL="755641" indent="-377820" lvl="1">
+            <a:pPr marL="798820" lvl="1" indent="-399410" algn="ctr">
               <a:lnSpc>
-                <a:spcPts val="4899"/>
+                <a:spcPts val="5179"/>
               </a:lnSpc>
               <a:buFont typeface="Arial"/>
               <a:buChar char="•"/>
             </a:pPr>
             <a:r>
-              <a:rPr lang="en-US" sz="3499">
+              <a:rPr lang="en-US" sz="3699" b="1" u="sng" dirty="0">
                 <a:solidFill>
                   <a:srgbClr val="000000"/>
                 </a:solidFill>
-                <a:latin typeface="Open Sans"/>
-                <a:ea typeface="Open Sans"/>
-                <a:cs typeface="Open Sans"/>
-                <a:sym typeface="Open Sans"/>
+                <a:latin typeface="Open Sans Bold"/>
+                <a:ea typeface="Open Sans Bold"/>
+                <a:cs typeface="Open Sans Bold"/>
+                <a:sym typeface="Open Sans Bold"/>
               </a:rPr>
-              <a:t>De</a:t>
-            </a:r>
-            <a:r>
-              <a:rPr lang="en-US" sz="3499">
-                <a:solidFill>
-                  <a:srgbClr val="000000"/>
-                </a:solidFill>
-                <a:latin typeface="Open Sans"/>
-                <a:ea typeface="Open Sans"/>
-                <a:cs typeface="Open Sans"/>
-                <a:sym typeface="Open Sans"/>
-              </a:rPr>
-              <a:t>tails / Links of the reference and research work</a:t>
-            </a:r>
-          </a:p>
-        </p:txBody>
-      </p:sp>
-      <p:sp>
-        <p:nvSpPr>
-          <p:cNvPr name="TextBox 13" id="13"/>
-          <p:cNvSpPr txBox="true"/>
+              <a:t>Proposed Solution (Describe your Idea/Solution/Prototype)</a:t>
+            </a:r>
+          </a:p>
+        </p:txBody>
+      </p:sp>
+      <p:sp>
+        <p:nvSpPr>
+          <p:cNvPr id="14" name="TextBox 14"/>
+          <p:cNvSpPr txBox="1"/>
           <p:nvPr/>
         </p:nvSpPr>
         <p:spPr>
-          <a:xfrm rot="0">
+          <a:xfrm>
             <a:off x="5983077" y="9704587"/>
-            <a:ext cx="6321847" cy="763195"/>
+            <a:ext cx="6321847" cy="372707"/>
           </a:xfrm>
           <a:prstGeom prst="rect">
             <a:avLst/>
           </a:prstGeom>
         </p:spPr>
         <p:txBody>
-          <a:bodyPr anchor="t" rtlCol="false" tIns="0" lIns="0" bIns="0" rIns="0">
+          <a:bodyPr lIns="0" tIns="0" rIns="0" bIns="0" rtlCol="0" anchor="t">
             <a:spAutoFit/>
           </a:bodyPr>
           <a:lstStyle/>
@@ -6677,15 +6853,214 @@
                 <a:cs typeface="Canva Sans"/>
                 <a:sym typeface="Canva Sans"/>
               </a:rPr>
-              <a:t> @ IGNITE 2K26 IDEA SUBMISSION -TEMPLATE  </a:t>
-            </a:r>
-          </a:p>
-          <a:p>
-            <a:pPr algn="ctr">
+              <a:t> @ IGNITE 2K26 IDEA SUBMISSION -TEMPLATE</a:t>
+            </a:r>
+            <a:r>
+              <a:rPr lang="en-US" sz="2200">
+                <a:solidFill>
+                  <a:srgbClr val="000000"/>
+                </a:solidFill>
+                <a:latin typeface="Canva Sans"/>
+                <a:ea typeface="Canva Sans"/>
+                <a:cs typeface="Canva Sans"/>
+                <a:sym typeface="Canva Sans"/>
+              </a:rPr>
+              <a:t>  </a:t>
+            </a:r>
+          </a:p>
+        </p:txBody>
+      </p:sp>
+      <p:sp>
+        <p:nvSpPr>
+          <p:cNvPr id="15" name="TextBox 13">
+            <a:extLst>
+              <a:ext uri="{FF2B5EF4-FFF2-40B4-BE49-F238E27FC236}">
+                <a16:creationId xmlns:a16="http://schemas.microsoft.com/office/drawing/2014/main" id="{AFEE4B22-7452-1BE7-9446-04526ACD2A36}"/>
+              </a:ext>
+            </a:extLst>
+          </p:cNvPr>
+          <p:cNvSpPr txBox="1"/>
+          <p:nvPr/>
+        </p:nvSpPr>
+        <p:spPr>
+          <a:xfrm>
+            <a:off x="2590800" y="4602044"/>
+            <a:ext cx="12361500" cy="3100592"/>
+          </a:xfrm>
+          <a:prstGeom prst="rect">
+            <a:avLst/>
+          </a:prstGeom>
+        </p:spPr>
+        <p:txBody>
+          <a:bodyPr lIns="0" tIns="0" rIns="0" bIns="0" rtlCol="0" anchor="t">
+            <a:spAutoFit/>
+          </a:bodyPr>
+          <a:lstStyle/>
+          <a:p>
+            <a:pPr marL="755641" lvl="1" indent="-377820" algn="l">
               <a:lnSpc>
-                <a:spcPts val="3080"/>
+                <a:spcPts val="4899"/>
               </a:lnSpc>
+              <a:buFont typeface="Arial"/>
+              <a:buChar char="•"/>
             </a:pPr>
+            <a:r>
+              <a:rPr lang="en-US" sz="3499" dirty="0">
+                <a:solidFill>
+                  <a:srgbClr val="000000"/>
+                </a:solidFill>
+                <a:latin typeface="Open Sans"/>
+                <a:ea typeface="Open Sans"/>
+                <a:cs typeface="Open Sans"/>
+                <a:sym typeface="Open Sans"/>
+              </a:rPr>
+              <a:t>Detailed explanation of the proposed solution</a:t>
+            </a:r>
+          </a:p>
+          <a:p>
+            <a:pPr marL="755641" lvl="1" indent="-377820" algn="l">
+              <a:lnSpc>
+                <a:spcPts val="4899"/>
+              </a:lnSpc>
+              <a:buFont typeface="Arial"/>
+              <a:buChar char="•"/>
+            </a:pPr>
+            <a:r>
+              <a:rPr lang="en-US" sz="3499" dirty="0">
+                <a:solidFill>
+                  <a:srgbClr val="000000"/>
+                </a:solidFill>
+                <a:latin typeface="Open Sans"/>
+                <a:ea typeface="Open Sans"/>
+                <a:cs typeface="Open Sans"/>
+                <a:sym typeface="Open Sans"/>
+              </a:rPr>
+              <a:t> </a:t>
+            </a:r>
+          </a:p>
+          <a:p>
+            <a:pPr marL="755641" lvl="1" indent="-377820" algn="l">
+              <a:lnSpc>
+                <a:spcPts val="4899"/>
+              </a:lnSpc>
+              <a:buFont typeface="Arial"/>
+              <a:buChar char="•"/>
+            </a:pPr>
+            <a:r>
+              <a:rPr lang="en-US" sz="3499" dirty="0">
+                <a:solidFill>
+                  <a:srgbClr val="000000"/>
+                </a:solidFill>
+                <a:latin typeface="Open Sans"/>
+                <a:ea typeface="Open Sans"/>
+                <a:cs typeface="Open Sans"/>
+                <a:sym typeface="Open Sans"/>
+              </a:rPr>
+              <a:t> </a:t>
+            </a:r>
+          </a:p>
+          <a:p>
+            <a:pPr marL="755641" lvl="1" indent="-377820" algn="l">
+              <a:lnSpc>
+                <a:spcPts val="4899"/>
+              </a:lnSpc>
+              <a:buFont typeface="Arial"/>
+              <a:buChar char="•"/>
+            </a:pPr>
+            <a:r>
+              <a:rPr lang="en-US" sz="3499" dirty="0">
+                <a:solidFill>
+                  <a:srgbClr val="000000"/>
+                </a:solidFill>
+                <a:latin typeface="Open Sans"/>
+                <a:ea typeface="Open Sans"/>
+                <a:cs typeface="Open Sans"/>
+                <a:sym typeface="Open Sans"/>
+              </a:rPr>
+              <a:t> </a:t>
+            </a:r>
+          </a:p>
+          <a:p>
+            <a:pPr marL="755641" lvl="1" indent="-377820" algn="l">
+              <a:lnSpc>
+                <a:spcPts val="4899"/>
+              </a:lnSpc>
+              <a:buFont typeface="Arial"/>
+              <a:buChar char="•"/>
+            </a:pPr>
+            <a:r>
+              <a:rPr lang="en-US" sz="3499" dirty="0">
+                <a:solidFill>
+                  <a:srgbClr val="000000"/>
+                </a:solidFill>
+                <a:latin typeface="Open Sans"/>
+                <a:ea typeface="Open Sans"/>
+                <a:cs typeface="Open Sans"/>
+                <a:sym typeface="Open Sans"/>
+              </a:rPr>
+              <a:t> </a:t>
+            </a:r>
+          </a:p>
+        </p:txBody>
+      </p:sp>
+      <p:sp>
+        <p:nvSpPr>
+          <p:cNvPr id="17" name="Freeform 2">
+            <a:extLst>
+              <a:ext uri="{FF2B5EF4-FFF2-40B4-BE49-F238E27FC236}">
+                <a16:creationId xmlns:a16="http://schemas.microsoft.com/office/drawing/2014/main" id="{43A6D5D1-F5EA-D3B5-20EA-8097AF4ECE05}"/>
+              </a:ext>
+            </a:extLst>
+          </p:cNvPr>
+          <p:cNvSpPr/>
+          <p:nvPr/>
+        </p:nvSpPr>
+        <p:spPr>
+          <a:xfrm>
+            <a:off x="5014078" y="1282700"/>
+            <a:ext cx="8839200" cy="7848600"/>
+          </a:xfrm>
+          <a:custGeom>
+            <a:avLst/>
+            <a:gdLst/>
+            <a:ahLst/>
+            <a:cxnLst/>
+            <a:rect l="l" t="t" r="r" b="b"/>
+            <a:pathLst>
+              <a:path w="1900850" h="1900850">
+                <a:moveTo>
+                  <a:pt x="0" y="0"/>
+                </a:moveTo>
+                <a:lnTo>
+                  <a:pt x="1900849" y="0"/>
+                </a:lnTo>
+                <a:lnTo>
+                  <a:pt x="1900849" y="1900850"/>
+                </a:lnTo>
+                <a:lnTo>
+                  <a:pt x="0" y="1900850"/>
+                </a:lnTo>
+                <a:lnTo>
+                  <a:pt x="0" y="0"/>
+                </a:lnTo>
+                <a:close/>
+              </a:path>
+            </a:pathLst>
+          </a:custGeom>
+          <a:blipFill>
+            <a:blip r:embed="rId2">
+              <a:alphaModFix amt="10000"/>
+            </a:blip>
+            <a:stretch>
+              <a:fillRect/>
+            </a:stretch>
+          </a:blipFill>
+        </p:spPr>
+        <p:txBody>
+          <a:bodyPr/>
+          <a:lstStyle/>
+          <a:p>
+            <a:endParaRPr lang="en-IN" dirty="0"/>
           </a:p>
         </p:txBody>
       </p:sp>
@@ -6697,12 +7072,18 @@
 </p:sld>
 </file>
 
-<file path=ppt/slides/slide7.xml><?xml version="1.0" encoding="utf-8"?>
-<p:sld xmlns:p="http://schemas.openxmlformats.org/presentationml/2006/main" xmlns:a="http://schemas.openxmlformats.org/drawingml/2006/main" xmlns:r="http://schemas.openxmlformats.org/officeDocument/2006/relationships">
+<file path=ppt/slides/slide3.xml><?xml version="1.0" encoding="utf-8"?>
+<p:sld xmlns:a="http://schemas.openxmlformats.org/drawingml/2006/main" xmlns:r="http://schemas.openxmlformats.org/officeDocument/2006/relationships" xmlns:p="http://schemas.openxmlformats.org/presentationml/2006/main">
   <p:cSld>
     <p:spTree>
       <p:nvGrpSpPr>
-        <p:cNvPr id="1" name=""/>
+        <p:cNvPr id="1" name="">
+          <a:extLst>
+            <a:ext uri="{FF2B5EF4-FFF2-40B4-BE49-F238E27FC236}">
+              <a16:creationId xmlns:a16="http://schemas.microsoft.com/office/drawing/2014/main" id="{6EBD4403-02B9-9A0A-68D7-086ABF43D896}"/>
+            </a:ext>
+          </a:extLst>
+        </p:cNvPr>
         <p:cNvGrpSpPr/>
         <p:nvPr/>
       </p:nvGrpSpPr>
@@ -6716,12 +7097,18 @@
       </p:grpSpPr>
       <p:sp>
         <p:nvSpPr>
-          <p:cNvPr name="Freeform 2" id="2"/>
+          <p:cNvPr id="2" name="Freeform 2">
+            <a:extLst>
+              <a:ext uri="{FF2B5EF4-FFF2-40B4-BE49-F238E27FC236}">
+                <a16:creationId xmlns:a16="http://schemas.microsoft.com/office/drawing/2014/main" id="{1928D1E0-A209-1E2D-8461-FBD9FAD0190F}"/>
+              </a:ext>
+            </a:extLst>
+          </p:cNvPr>
           <p:cNvSpPr/>
           <p:nvPr/>
         </p:nvSpPr>
         <p:spPr>
-          <a:xfrm flipH="false" flipV="false" rot="0">
+          <a:xfrm>
             <a:off x="15252215" y="546926"/>
             <a:ext cx="1900850" cy="1900850"/>
           </a:xfrm>
@@ -6730,9 +7117,9 @@
             <a:gdLst/>
             <a:ahLst/>
             <a:cxnLst/>
-            <a:rect r="r" b="b" t="t" l="l"/>
+            <a:rect l="l" t="t" r="r" b="b"/>
             <a:pathLst>
-              <a:path h="1900850" w="1900850">
+              <a:path w="1900850" h="1900850">
                 <a:moveTo>
                   <a:pt x="0" y="0"/>
                 </a:moveTo>
@@ -6755,19 +7142,32 @@
           <a:blipFill>
             <a:blip r:embed="rId2"/>
             <a:stretch>
-              <a:fillRect l="0" t="0" r="0" b="0"/>
+              <a:fillRect/>
             </a:stretch>
           </a:blipFill>
         </p:spPr>
+        <p:txBody>
+          <a:bodyPr/>
+          <a:lstStyle/>
+          <a:p>
+            <a:endParaRPr lang="en-IN"/>
+          </a:p>
+        </p:txBody>
       </p:sp>
       <p:grpSp>
         <p:nvGrpSpPr>
-          <p:cNvPr name="Group 3" id="3"/>
+          <p:cNvPr id="3" name="Group 3">
+            <a:extLst>
+              <a:ext uri="{FF2B5EF4-FFF2-40B4-BE49-F238E27FC236}">
+                <a16:creationId xmlns:a16="http://schemas.microsoft.com/office/drawing/2014/main" id="{D747DFAF-810B-A01F-B286-38A559FEDC83}"/>
+              </a:ext>
+            </a:extLst>
+          </p:cNvPr>
           <p:cNvGrpSpPr/>
           <p:nvPr/>
         </p:nvGrpSpPr>
         <p:grpSpPr>
-          <a:xfrm rot="0">
+          <a:xfrm>
             <a:off x="894614" y="736842"/>
             <a:ext cx="2720530" cy="1521019"/>
             <a:chOff x="0" y="0"/>
@@ -6776,12 +7176,18 @@
         </p:grpSpPr>
         <p:grpSp>
           <p:nvGrpSpPr>
-            <p:cNvPr name="Group 4" id="4"/>
+            <p:cNvPr id="4" name="Group 4">
+              <a:extLst>
+                <a:ext uri="{FF2B5EF4-FFF2-40B4-BE49-F238E27FC236}">
+                  <a16:creationId xmlns:a16="http://schemas.microsoft.com/office/drawing/2014/main" id="{0E084C50-EBB2-EBFD-D08B-09DAA6B72A44}"/>
+                </a:ext>
+              </a:extLst>
+            </p:cNvPr>
             <p:cNvGrpSpPr/>
             <p:nvPr/>
           </p:nvGrpSpPr>
           <p:grpSpPr>
-            <a:xfrm rot="0">
+            <a:xfrm>
               <a:off x="0" y="0"/>
               <a:ext cx="3627373" cy="2028026"/>
               <a:chOff x="0" y="0"/>
@@ -6790,12 +7196,18 @@
           </p:grpSpPr>
           <p:sp>
             <p:nvSpPr>
-              <p:cNvPr name="Freeform 5" id="5"/>
+              <p:cNvPr id="5" name="Freeform 5">
+                <a:extLst>
+                  <a:ext uri="{FF2B5EF4-FFF2-40B4-BE49-F238E27FC236}">
+                    <a16:creationId xmlns:a16="http://schemas.microsoft.com/office/drawing/2014/main" id="{4ABDD7AE-F260-3C48-ED22-41FF5E80CAC9}"/>
+                  </a:ext>
+                </a:extLst>
+              </p:cNvPr>
               <p:cNvSpPr/>
               <p:nvPr/>
             </p:nvSpPr>
             <p:spPr>
-              <a:xfrm flipH="false" flipV="false" rot="0">
+              <a:xfrm>
                 <a:off x="0" y="0"/>
                 <a:ext cx="895448" cy="500635"/>
               </a:xfrm>
@@ -6804,9 +7216,9 @@
                 <a:gdLst/>
                 <a:ahLst/>
                 <a:cxnLst/>
-                <a:rect r="r" b="b" t="t" l="l"/>
+                <a:rect l="l" t="t" r="r" b="b"/>
                 <a:pathLst>
-                  <a:path h="500635" w="895448">
+                  <a:path w="895448" h="500635">
                     <a:moveTo>
                       <a:pt x="52373" y="0"/>
                     </a:moveTo>
@@ -6877,11 +7289,24 @@
                 <a:round/>
               </a:ln>
             </p:spPr>
+            <p:txBody>
+              <a:bodyPr/>
+              <a:lstStyle/>
+              <a:p>
+                <a:endParaRPr lang="en-IN"/>
+              </a:p>
+            </p:txBody>
           </p:sp>
           <p:sp>
             <p:nvSpPr>
-              <p:cNvPr name="TextBox 6" id="6"/>
-              <p:cNvSpPr txBox="true"/>
+              <p:cNvPr id="6" name="TextBox 6">
+                <a:extLst>
+                  <a:ext uri="{FF2B5EF4-FFF2-40B4-BE49-F238E27FC236}">
+                    <a16:creationId xmlns:a16="http://schemas.microsoft.com/office/drawing/2014/main" id="{33159EFC-139F-9B28-9F27-799BF0AF03C7}"/>
+                  </a:ext>
+                </a:extLst>
+              </p:cNvPr>
+              <p:cNvSpPr txBox="1"/>
               <p:nvPr/>
             </p:nvSpPr>
             <p:spPr>
@@ -6894,7 +7319,7 @@
               </a:prstGeom>
             </p:spPr>
             <p:txBody>
-              <a:bodyPr anchor="ctr" rtlCol="false" tIns="50800" lIns="50800" bIns="50800" rIns="50800"/>
+              <a:bodyPr lIns="50800" tIns="50800" rIns="50800" bIns="50800" rtlCol="0" anchor="ctr"/>
               <a:lstStyle/>
               <a:p>
                 <a:pPr algn="ctr">
@@ -6902,18 +7327,25 @@
                     <a:spcPts val="2659"/>
                   </a:lnSpc>
                 </a:pPr>
+                <a:endParaRPr/>
               </a:p>
             </p:txBody>
           </p:sp>
         </p:grpSp>
         <p:sp>
           <p:nvSpPr>
-            <p:cNvPr name="TextBox 7" id="7"/>
-            <p:cNvSpPr txBox="true"/>
+            <p:cNvPr id="7" name="TextBox 7">
+              <a:extLst>
+                <a:ext uri="{FF2B5EF4-FFF2-40B4-BE49-F238E27FC236}">
+                  <a16:creationId xmlns:a16="http://schemas.microsoft.com/office/drawing/2014/main" id="{2803018D-241A-03C1-C7B7-9008E893B630}"/>
+                </a:ext>
+              </a:extLst>
+            </p:cNvPr>
+            <p:cNvSpPr txBox="1"/>
             <p:nvPr/>
           </p:nvSpPr>
           <p:spPr>
-            <a:xfrm rot="0">
+            <a:xfrm>
               <a:off x="222703" y="354116"/>
               <a:ext cx="3181967" cy="1272168"/>
             </a:xfrm>
@@ -6922,7 +7354,7 @@
             </a:prstGeom>
           </p:spPr>
           <p:txBody>
-            <a:bodyPr anchor="t" rtlCol="false" tIns="0" lIns="0" bIns="0" rIns="0">
+            <a:bodyPr lIns="0" tIns="0" rIns="0" bIns="0" rtlCol="0" anchor="t">
               <a:spAutoFit/>
             </a:bodyPr>
             <a:lstStyle/>
@@ -6969,12 +7401,18 @@
       </p:grpSp>
       <p:grpSp>
         <p:nvGrpSpPr>
-          <p:cNvPr name="Group 8" id="8"/>
+          <p:cNvPr id="8" name="Group 8">
+            <a:extLst>
+              <a:ext uri="{FF2B5EF4-FFF2-40B4-BE49-F238E27FC236}">
+                <a16:creationId xmlns:a16="http://schemas.microsoft.com/office/drawing/2014/main" id="{2454410E-84FE-CF24-4AC1-E12D19DBF1DE}"/>
+              </a:ext>
+            </a:extLst>
+          </p:cNvPr>
           <p:cNvGrpSpPr/>
           <p:nvPr/>
         </p:nvGrpSpPr>
         <p:grpSpPr>
-          <a:xfrm rot="0">
+          <a:xfrm>
             <a:off x="0" y="9499924"/>
             <a:ext cx="18288000" cy="787076"/>
             <a:chOff x="0" y="0"/>
@@ -6983,12 +7421,18 @@
         </p:grpSpPr>
         <p:sp>
           <p:nvSpPr>
-            <p:cNvPr name="Freeform 9" id="9"/>
+            <p:cNvPr id="9" name="Freeform 9">
+              <a:extLst>
+                <a:ext uri="{FF2B5EF4-FFF2-40B4-BE49-F238E27FC236}">
+                  <a16:creationId xmlns:a16="http://schemas.microsoft.com/office/drawing/2014/main" id="{B2886A79-750E-B622-7F2E-F370E2592018}"/>
+                </a:ext>
+              </a:extLst>
+            </p:cNvPr>
             <p:cNvSpPr/>
             <p:nvPr/>
           </p:nvSpPr>
           <p:spPr>
-            <a:xfrm flipH="false" flipV="false" rot="0">
+            <a:xfrm>
               <a:off x="0" y="0"/>
               <a:ext cx="4816592" cy="207296"/>
             </a:xfrm>
@@ -6997,9 +7441,9 @@
               <a:gdLst/>
               <a:ahLst/>
               <a:cxnLst/>
-              <a:rect r="r" b="b" t="t" l="l"/>
+              <a:rect l="l" t="t" r="r" b="b"/>
               <a:pathLst>
-                <a:path h="207296" w="4816592">
+                <a:path w="4816592" h="207296">
                   <a:moveTo>
                     <a:pt x="0" y="0"/>
                   </a:moveTo>
@@ -7020,11 +7464,24 @@
               <a:srgbClr val="6652DF"/>
             </a:solidFill>
           </p:spPr>
+          <p:txBody>
+            <a:bodyPr/>
+            <a:lstStyle/>
+            <a:p>
+              <a:endParaRPr lang="en-IN"/>
+            </a:p>
+          </p:txBody>
         </p:sp>
         <p:sp>
           <p:nvSpPr>
-            <p:cNvPr name="TextBox 10" id="10"/>
-            <p:cNvSpPr txBox="true"/>
+            <p:cNvPr id="10" name="TextBox 10">
+              <a:extLst>
+                <a:ext uri="{FF2B5EF4-FFF2-40B4-BE49-F238E27FC236}">
+                  <a16:creationId xmlns:a16="http://schemas.microsoft.com/office/drawing/2014/main" id="{4E5BC319-8E48-8402-61B8-46DC5A58D9A3}"/>
+                </a:ext>
+              </a:extLst>
+            </p:cNvPr>
+            <p:cNvSpPr txBox="1"/>
             <p:nvPr/>
           </p:nvSpPr>
           <p:spPr>
@@ -7037,7 +7494,7 @@
             </a:prstGeom>
           </p:spPr>
           <p:txBody>
-            <a:bodyPr anchor="ctr" rtlCol="false" tIns="50800" lIns="50800" bIns="50800" rIns="50800"/>
+            <a:bodyPr lIns="50800" tIns="50800" rIns="50800" bIns="50800" rtlCol="0" anchor="ctr"/>
             <a:lstStyle/>
             <a:p>
               <a:pPr algn="ctr">
@@ -7045,27 +7502,337 @@
                   <a:spcPts val="2659"/>
                 </a:lnSpc>
               </a:pPr>
+              <a:endParaRPr/>
             </a:p>
           </p:txBody>
         </p:sp>
       </p:grpSp>
       <p:sp>
         <p:nvSpPr>
-          <p:cNvPr name="TextBox 11" id="11"/>
-          <p:cNvSpPr txBox="true"/>
+          <p:cNvPr id="12" name="TextBox 12">
+            <a:extLst>
+              <a:ext uri="{FF2B5EF4-FFF2-40B4-BE49-F238E27FC236}">
+                <a16:creationId xmlns:a16="http://schemas.microsoft.com/office/drawing/2014/main" id="{49A60355-087E-13BE-A75C-F7EC8DB68CD3}"/>
+              </a:ext>
+            </a:extLst>
+          </p:cNvPr>
+          <p:cNvSpPr txBox="1"/>
           <p:nvPr/>
         </p:nvSpPr>
         <p:spPr>
-          <a:xfrm rot="0">
-            <a:off x="5167782" y="933450"/>
-            <a:ext cx="9219898" cy="698500"/>
+          <a:xfrm>
+            <a:off x="1620007" y="3141979"/>
+            <a:ext cx="15047982" cy="629921"/>
           </a:xfrm>
           <a:prstGeom prst="rect">
             <a:avLst/>
           </a:prstGeom>
         </p:spPr>
         <p:txBody>
-          <a:bodyPr anchor="t" rtlCol="false" tIns="0" lIns="0" bIns="0" rIns="0">
+          <a:bodyPr lIns="0" tIns="0" rIns="0" bIns="0" rtlCol="0" anchor="t">
+            <a:spAutoFit/>
+          </a:bodyPr>
+          <a:lstStyle/>
+          <a:p>
+            <a:pPr marL="798820" lvl="1" indent="-399410" algn="ctr">
+              <a:lnSpc>
+                <a:spcPts val="5179"/>
+              </a:lnSpc>
+              <a:buFont typeface="Arial"/>
+              <a:buChar char="•"/>
+            </a:pPr>
+            <a:r>
+              <a:rPr lang="en-US" sz="3699" b="1" u="sng" dirty="0">
+                <a:solidFill>
+                  <a:srgbClr val="000000"/>
+                </a:solidFill>
+                <a:latin typeface="Open Sans Bold"/>
+                <a:ea typeface="Open Sans Bold"/>
+                <a:cs typeface="Open Sans Bold"/>
+                <a:sym typeface="Open Sans Bold"/>
+              </a:rPr>
+              <a:t>Proposed Solution (Describe your Idea/Solution/Prototype)</a:t>
+            </a:r>
+          </a:p>
+        </p:txBody>
+      </p:sp>
+      <p:sp>
+        <p:nvSpPr>
+          <p:cNvPr id="14" name="TextBox 14">
+            <a:extLst>
+              <a:ext uri="{FF2B5EF4-FFF2-40B4-BE49-F238E27FC236}">
+                <a16:creationId xmlns:a16="http://schemas.microsoft.com/office/drawing/2014/main" id="{B62501A4-287C-CA1B-70A1-DF531388A89B}"/>
+              </a:ext>
+            </a:extLst>
+          </p:cNvPr>
+          <p:cNvSpPr txBox="1"/>
+          <p:nvPr/>
+        </p:nvSpPr>
+        <p:spPr>
+          <a:xfrm>
+            <a:off x="5983077" y="9704587"/>
+            <a:ext cx="6321847" cy="372707"/>
+          </a:xfrm>
+          <a:prstGeom prst="rect">
+            <a:avLst/>
+          </a:prstGeom>
+        </p:spPr>
+        <p:txBody>
+          <a:bodyPr lIns="0" tIns="0" rIns="0" bIns="0" rtlCol="0" anchor="t">
+            <a:spAutoFit/>
+          </a:bodyPr>
+          <a:lstStyle/>
+          <a:p>
+            <a:pPr algn="ctr">
+              <a:lnSpc>
+                <a:spcPts val="3080"/>
+              </a:lnSpc>
+            </a:pPr>
+            <a:r>
+              <a:rPr lang="en-US" sz="2200">
+                <a:solidFill>
+                  <a:srgbClr val="FFFFFF"/>
+                </a:solidFill>
+                <a:latin typeface="Canva Sans"/>
+                <a:ea typeface="Canva Sans"/>
+                <a:cs typeface="Canva Sans"/>
+                <a:sym typeface="Canva Sans"/>
+              </a:rPr>
+              <a:t> @ IGNITE 2K26 IDEA SUBMISSION -TEMPLATE</a:t>
+            </a:r>
+            <a:r>
+              <a:rPr lang="en-US" sz="2200">
+                <a:solidFill>
+                  <a:srgbClr val="000000"/>
+                </a:solidFill>
+                <a:latin typeface="Canva Sans"/>
+                <a:ea typeface="Canva Sans"/>
+                <a:cs typeface="Canva Sans"/>
+                <a:sym typeface="Canva Sans"/>
+              </a:rPr>
+              <a:t>  </a:t>
+            </a:r>
+          </a:p>
+        </p:txBody>
+      </p:sp>
+      <p:sp>
+        <p:nvSpPr>
+          <p:cNvPr id="15" name="TextBox 13">
+            <a:extLst>
+              <a:ext uri="{FF2B5EF4-FFF2-40B4-BE49-F238E27FC236}">
+                <a16:creationId xmlns:a16="http://schemas.microsoft.com/office/drawing/2014/main" id="{989F669E-FDB9-DF0C-8F97-BCB1E3FB12D8}"/>
+              </a:ext>
+            </a:extLst>
+          </p:cNvPr>
+          <p:cNvSpPr txBox="1"/>
+          <p:nvPr/>
+        </p:nvSpPr>
+        <p:spPr>
+          <a:xfrm>
+            <a:off x="2590800" y="4557508"/>
+            <a:ext cx="12361500" cy="3100592"/>
+          </a:xfrm>
+          <a:prstGeom prst="rect">
+            <a:avLst/>
+          </a:prstGeom>
+        </p:spPr>
+        <p:txBody>
+          <a:bodyPr lIns="0" tIns="0" rIns="0" bIns="0" rtlCol="0" anchor="t">
+            <a:spAutoFit/>
+          </a:bodyPr>
+          <a:lstStyle/>
+          <a:p>
+            <a:pPr marL="755641" lvl="1" indent="-377820">
+              <a:lnSpc>
+                <a:spcPts val="4899"/>
+              </a:lnSpc>
+              <a:buFont typeface="Arial"/>
+              <a:buChar char="•"/>
+            </a:pPr>
+            <a:r>
+              <a:rPr lang="en-US" sz="3499" dirty="0">
+                <a:solidFill>
+                  <a:srgbClr val="000000"/>
+                </a:solidFill>
+                <a:latin typeface="Open Sans"/>
+                <a:ea typeface="Open Sans"/>
+                <a:cs typeface="Open Sans"/>
+                <a:sym typeface="Open Sans"/>
+              </a:rPr>
+              <a:t>How it addresses the problem</a:t>
+            </a:r>
+          </a:p>
+          <a:p>
+            <a:pPr marL="755641" lvl="1" indent="-377820" algn="l">
+              <a:lnSpc>
+                <a:spcPts val="4899"/>
+              </a:lnSpc>
+              <a:buFont typeface="Arial"/>
+              <a:buChar char="•"/>
+            </a:pPr>
+            <a:r>
+              <a:rPr lang="en-US" sz="3499" dirty="0">
+                <a:solidFill>
+                  <a:srgbClr val="000000"/>
+                </a:solidFill>
+                <a:latin typeface="Open Sans"/>
+                <a:ea typeface="Open Sans"/>
+                <a:cs typeface="Open Sans"/>
+                <a:sym typeface="Open Sans"/>
+              </a:rPr>
+              <a:t> </a:t>
+            </a:r>
+          </a:p>
+          <a:p>
+            <a:pPr marL="755641" lvl="1" indent="-377820" algn="l">
+              <a:lnSpc>
+                <a:spcPts val="4899"/>
+              </a:lnSpc>
+              <a:buFont typeface="Arial"/>
+              <a:buChar char="•"/>
+            </a:pPr>
+            <a:r>
+              <a:rPr lang="en-US" sz="3499" dirty="0">
+                <a:solidFill>
+                  <a:srgbClr val="000000"/>
+                </a:solidFill>
+                <a:latin typeface="Open Sans"/>
+                <a:ea typeface="Open Sans"/>
+                <a:cs typeface="Open Sans"/>
+                <a:sym typeface="Open Sans"/>
+              </a:rPr>
+              <a:t> </a:t>
+            </a:r>
+          </a:p>
+          <a:p>
+            <a:pPr marL="755641" lvl="1" indent="-377820" algn="l">
+              <a:lnSpc>
+                <a:spcPts val="4899"/>
+              </a:lnSpc>
+              <a:buFont typeface="Arial"/>
+              <a:buChar char="•"/>
+            </a:pPr>
+            <a:r>
+              <a:rPr lang="en-US" sz="3499" dirty="0">
+                <a:solidFill>
+                  <a:srgbClr val="000000"/>
+                </a:solidFill>
+                <a:latin typeface="Open Sans"/>
+                <a:ea typeface="Open Sans"/>
+                <a:cs typeface="Open Sans"/>
+                <a:sym typeface="Open Sans"/>
+              </a:rPr>
+              <a:t> </a:t>
+            </a:r>
+          </a:p>
+          <a:p>
+            <a:pPr marL="755641" lvl="1" indent="-377820" algn="l">
+              <a:lnSpc>
+                <a:spcPts val="4899"/>
+              </a:lnSpc>
+              <a:buFont typeface="Arial"/>
+              <a:buChar char="•"/>
+            </a:pPr>
+            <a:r>
+              <a:rPr lang="en-US" sz="3499" dirty="0">
+                <a:solidFill>
+                  <a:srgbClr val="000000"/>
+                </a:solidFill>
+                <a:latin typeface="Open Sans"/>
+                <a:ea typeface="Open Sans"/>
+                <a:cs typeface="Open Sans"/>
+                <a:sym typeface="Open Sans"/>
+              </a:rPr>
+              <a:t> </a:t>
+            </a:r>
+          </a:p>
+        </p:txBody>
+      </p:sp>
+      <p:sp>
+        <p:nvSpPr>
+          <p:cNvPr id="16" name="Freeform 2">
+            <a:extLst>
+              <a:ext uri="{FF2B5EF4-FFF2-40B4-BE49-F238E27FC236}">
+                <a16:creationId xmlns:a16="http://schemas.microsoft.com/office/drawing/2014/main" id="{C574F648-F314-90DD-E9C3-7A1860F8DD73}"/>
+              </a:ext>
+            </a:extLst>
+          </p:cNvPr>
+          <p:cNvSpPr/>
+          <p:nvPr/>
+        </p:nvSpPr>
+        <p:spPr>
+          <a:xfrm>
+            <a:off x="5014078" y="1282700"/>
+            <a:ext cx="8839200" cy="7848600"/>
+          </a:xfrm>
+          <a:custGeom>
+            <a:avLst/>
+            <a:gdLst/>
+            <a:ahLst/>
+            <a:cxnLst/>
+            <a:rect l="l" t="t" r="r" b="b"/>
+            <a:pathLst>
+              <a:path w="1900850" h="1900850">
+                <a:moveTo>
+                  <a:pt x="0" y="0"/>
+                </a:moveTo>
+                <a:lnTo>
+                  <a:pt x="1900849" y="0"/>
+                </a:lnTo>
+                <a:lnTo>
+                  <a:pt x="1900849" y="1900850"/>
+                </a:lnTo>
+                <a:lnTo>
+                  <a:pt x="0" y="1900850"/>
+                </a:lnTo>
+                <a:lnTo>
+                  <a:pt x="0" y="0"/>
+                </a:lnTo>
+                <a:close/>
+              </a:path>
+            </a:pathLst>
+          </a:custGeom>
+          <a:blipFill>
+            <a:blip r:embed="rId2">
+              <a:alphaModFix amt="10000"/>
+            </a:blip>
+            <a:stretch>
+              <a:fillRect/>
+            </a:stretch>
+          </a:blipFill>
+        </p:spPr>
+        <p:txBody>
+          <a:bodyPr/>
+          <a:lstStyle/>
+          <a:p>
+            <a:endParaRPr lang="en-IN" dirty="0"/>
+          </a:p>
+        </p:txBody>
+      </p:sp>
+      <p:sp>
+        <p:nvSpPr>
+          <p:cNvPr id="20" name="TextBox 19">
+            <a:extLst>
+              <a:ext uri="{FF2B5EF4-FFF2-40B4-BE49-F238E27FC236}">
+                <a16:creationId xmlns:a16="http://schemas.microsoft.com/office/drawing/2014/main" id="{DFC8864D-3DB5-9D0E-C94A-CDC27FAB441A}"/>
+              </a:ext>
+            </a:extLst>
+          </p:cNvPr>
+          <p:cNvSpPr txBox="1"/>
+          <p:nvPr/>
+        </p:nvSpPr>
+        <p:spPr>
+          <a:xfrm>
+            <a:off x="4876193" y="867840"/>
+            <a:ext cx="9144000" cy="763222"/>
+          </a:xfrm>
+          <a:prstGeom prst="rect">
+            <a:avLst/>
+          </a:prstGeom>
+          <a:noFill/>
+        </p:spPr>
+        <p:txBody>
+          <a:bodyPr wrap="square">
             <a:spAutoFit/>
           </a:bodyPr>
           <a:lstStyle/>
@@ -7076,7 +7843,7 @@
               </a:lnSpc>
             </a:pPr>
             <a:r>
-              <a:rPr lang="en-US" sz="3999" b="true">
+              <a:rPr lang="en-US" sz="4400" b="1" u="sng" dirty="0">
                 <a:solidFill>
                   <a:srgbClr val="000000"/>
                 </a:solidFill>
@@ -7085,40 +7852,650 @@
                 <a:cs typeface="Times New Roman Bold"/>
                 <a:sym typeface="Times New Roman Bold"/>
               </a:rPr>
-              <a:t>IMPORTANT INSTRUCTIONS</a:t>
-            </a:r>
-          </a:p>
-        </p:txBody>
-      </p:sp>
-      <p:sp>
-        <p:nvSpPr>
-          <p:cNvPr name="TextBox 12" id="12"/>
-          <p:cNvSpPr txBox="true"/>
+              <a:t>IDEA TITLE</a:t>
+            </a:r>
+          </a:p>
+        </p:txBody>
+      </p:sp>
+    </p:spTree>
+    <p:extLst>
+      <p:ext uri="{BB962C8B-B14F-4D97-AF65-F5344CB8AC3E}">
+        <p14:creationId xmlns:p14="http://schemas.microsoft.com/office/powerpoint/2010/main" val="1207845548"/>
+      </p:ext>
+    </p:extLst>
+  </p:cSld>
+  <p:clrMapOvr>
+    <a:masterClrMapping/>
+  </p:clrMapOvr>
+</p:sld>
+</file>
+
+<file path=ppt/slides/slide4.xml><?xml version="1.0" encoding="utf-8"?>
+<p:sld xmlns:a="http://schemas.openxmlformats.org/drawingml/2006/main" xmlns:r="http://schemas.openxmlformats.org/officeDocument/2006/relationships" xmlns:p="http://schemas.openxmlformats.org/presentationml/2006/main">
+  <p:cSld>
+    <p:spTree>
+      <p:nvGrpSpPr>
+        <p:cNvPr id="1" name="">
+          <a:extLst>
+            <a:ext uri="{FF2B5EF4-FFF2-40B4-BE49-F238E27FC236}">
+              <a16:creationId xmlns:a16="http://schemas.microsoft.com/office/drawing/2014/main" id="{E256C09F-78D0-44A3-3876-71EBBB0F6973}"/>
+            </a:ext>
+          </a:extLst>
+        </p:cNvPr>
+        <p:cNvGrpSpPr/>
+        <p:nvPr/>
+      </p:nvGrpSpPr>
+      <p:grpSpPr>
+        <a:xfrm>
+          <a:off x="0" y="0"/>
+          <a:ext cx="0" cy="0"/>
+          <a:chOff x="0" y="0"/>
+          <a:chExt cx="0" cy="0"/>
+        </a:xfrm>
+      </p:grpSpPr>
+      <p:sp>
+        <p:nvSpPr>
+          <p:cNvPr id="2" name="Freeform 2">
+            <a:extLst>
+              <a:ext uri="{FF2B5EF4-FFF2-40B4-BE49-F238E27FC236}">
+                <a16:creationId xmlns:a16="http://schemas.microsoft.com/office/drawing/2014/main" id="{63B1E22D-B50A-0809-D902-DDE0CC4CE607}"/>
+              </a:ext>
+            </a:extLst>
+          </p:cNvPr>
+          <p:cNvSpPr/>
           <p:nvPr/>
         </p:nvSpPr>
         <p:spPr>
-          <a:xfrm rot="0">
-            <a:off x="445771" y="2865524"/>
-            <a:ext cx="17396457" cy="6159501"/>
+          <a:xfrm>
+            <a:off x="15252215" y="546926"/>
+            <a:ext cx="1900850" cy="1900850"/>
+          </a:xfrm>
+          <a:custGeom>
+            <a:avLst/>
+            <a:gdLst/>
+            <a:ahLst/>
+            <a:cxnLst/>
+            <a:rect l="l" t="t" r="r" b="b"/>
+            <a:pathLst>
+              <a:path w="1900850" h="1900850">
+                <a:moveTo>
+                  <a:pt x="0" y="0"/>
+                </a:moveTo>
+                <a:lnTo>
+                  <a:pt x="1900849" y="0"/>
+                </a:lnTo>
+                <a:lnTo>
+                  <a:pt x="1900849" y="1900850"/>
+                </a:lnTo>
+                <a:lnTo>
+                  <a:pt x="0" y="1900850"/>
+                </a:lnTo>
+                <a:lnTo>
+                  <a:pt x="0" y="0"/>
+                </a:lnTo>
+                <a:close/>
+              </a:path>
+            </a:pathLst>
+          </a:custGeom>
+          <a:blipFill>
+            <a:blip r:embed="rId2"/>
+            <a:stretch>
+              <a:fillRect/>
+            </a:stretch>
+          </a:blipFill>
+        </p:spPr>
+        <p:txBody>
+          <a:bodyPr/>
+          <a:lstStyle/>
+          <a:p>
+            <a:endParaRPr lang="en-IN"/>
+          </a:p>
+        </p:txBody>
+      </p:sp>
+      <p:grpSp>
+        <p:nvGrpSpPr>
+          <p:cNvPr id="3" name="Group 3">
+            <a:extLst>
+              <a:ext uri="{FF2B5EF4-FFF2-40B4-BE49-F238E27FC236}">
+                <a16:creationId xmlns:a16="http://schemas.microsoft.com/office/drawing/2014/main" id="{ED025142-62F1-4EE4-4F60-03C894EC0844}"/>
+              </a:ext>
+            </a:extLst>
+          </p:cNvPr>
+          <p:cNvGrpSpPr/>
+          <p:nvPr/>
+        </p:nvGrpSpPr>
+        <p:grpSpPr>
+          <a:xfrm>
+            <a:off x="894614" y="736842"/>
+            <a:ext cx="2720530" cy="1521019"/>
+            <a:chOff x="0" y="0"/>
+            <a:chExt cx="3627373" cy="2028026"/>
+          </a:xfrm>
+        </p:grpSpPr>
+        <p:grpSp>
+          <p:nvGrpSpPr>
+            <p:cNvPr id="4" name="Group 4">
+              <a:extLst>
+                <a:ext uri="{FF2B5EF4-FFF2-40B4-BE49-F238E27FC236}">
+                  <a16:creationId xmlns:a16="http://schemas.microsoft.com/office/drawing/2014/main" id="{4A386C7B-B932-76A5-2A77-0633AA9785CE}"/>
+                </a:ext>
+              </a:extLst>
+            </p:cNvPr>
+            <p:cNvGrpSpPr/>
+            <p:nvPr/>
+          </p:nvGrpSpPr>
+          <p:grpSpPr>
+            <a:xfrm>
+              <a:off x="0" y="0"/>
+              <a:ext cx="3627373" cy="2028026"/>
+              <a:chOff x="0" y="0"/>
+              <a:chExt cx="895448" cy="500635"/>
+            </a:xfrm>
+          </p:grpSpPr>
+          <p:sp>
+            <p:nvSpPr>
+              <p:cNvPr id="5" name="Freeform 5">
+                <a:extLst>
+                  <a:ext uri="{FF2B5EF4-FFF2-40B4-BE49-F238E27FC236}">
+                    <a16:creationId xmlns:a16="http://schemas.microsoft.com/office/drawing/2014/main" id="{A4509168-BA3E-4815-EFD3-9B90973C213F}"/>
+                  </a:ext>
+                </a:extLst>
+              </p:cNvPr>
+              <p:cNvSpPr/>
+              <p:nvPr/>
+            </p:nvSpPr>
+            <p:spPr>
+              <a:xfrm>
+                <a:off x="0" y="0"/>
+                <a:ext cx="895448" cy="500635"/>
+              </a:xfrm>
+              <a:custGeom>
+                <a:avLst/>
+                <a:gdLst/>
+                <a:ahLst/>
+                <a:cxnLst/>
+                <a:rect l="l" t="t" r="r" b="b"/>
+                <a:pathLst>
+                  <a:path w="895448" h="500635">
+                    <a:moveTo>
+                      <a:pt x="52373" y="0"/>
+                    </a:moveTo>
+                    <a:lnTo>
+                      <a:pt x="843075" y="0"/>
+                    </a:lnTo>
+                    <a:cubicBezTo>
+                      <a:pt x="856965" y="0"/>
+                      <a:pt x="870286" y="5518"/>
+                      <a:pt x="880108" y="15340"/>
+                    </a:cubicBezTo>
+                    <a:cubicBezTo>
+                      <a:pt x="889930" y="25162"/>
+                      <a:pt x="895448" y="38483"/>
+                      <a:pt x="895448" y="52373"/>
+                    </a:cubicBezTo>
+                    <a:lnTo>
+                      <a:pt x="895448" y="448262"/>
+                    </a:lnTo>
+                    <a:cubicBezTo>
+                      <a:pt x="895448" y="462152"/>
+                      <a:pt x="889930" y="475474"/>
+                      <a:pt x="880108" y="485296"/>
+                    </a:cubicBezTo>
+                    <a:cubicBezTo>
+                      <a:pt x="870286" y="495118"/>
+                      <a:pt x="856965" y="500635"/>
+                      <a:pt x="843075" y="500635"/>
+                    </a:cubicBezTo>
+                    <a:lnTo>
+                      <a:pt x="52373" y="500635"/>
+                    </a:lnTo>
+                    <a:cubicBezTo>
+                      <a:pt x="38483" y="500635"/>
+                      <a:pt x="25162" y="495118"/>
+                      <a:pt x="15340" y="485296"/>
+                    </a:cubicBezTo>
+                    <a:cubicBezTo>
+                      <a:pt x="5518" y="475474"/>
+                      <a:pt x="0" y="462152"/>
+                      <a:pt x="0" y="448262"/>
+                    </a:cubicBezTo>
+                    <a:lnTo>
+                      <a:pt x="0" y="52373"/>
+                    </a:lnTo>
+                    <a:cubicBezTo>
+                      <a:pt x="0" y="38483"/>
+                      <a:pt x="5518" y="25162"/>
+                      <a:pt x="15340" y="15340"/>
+                    </a:cubicBezTo>
+                    <a:cubicBezTo>
+                      <a:pt x="25162" y="5518"/>
+                      <a:pt x="38483" y="0"/>
+                      <a:pt x="52373" y="0"/>
+                    </a:cubicBezTo>
+                    <a:close/>
+                  </a:path>
+                </a:pathLst>
+              </a:custGeom>
+              <a:solidFill>
+                <a:srgbClr val="FFFFFF"/>
+              </a:solidFill>
+              <a:ln w="9525" cap="rnd">
+                <a:solidFill>
+                  <a:srgbClr val="000000"/>
+                </a:solidFill>
+                <a:prstDash val="solid"/>
+                <a:round/>
+              </a:ln>
+            </p:spPr>
+            <p:txBody>
+              <a:bodyPr/>
+              <a:lstStyle/>
+              <a:p>
+                <a:endParaRPr lang="en-IN"/>
+              </a:p>
+            </p:txBody>
+          </p:sp>
+          <p:sp>
+            <p:nvSpPr>
+              <p:cNvPr id="6" name="TextBox 6">
+                <a:extLst>
+                  <a:ext uri="{FF2B5EF4-FFF2-40B4-BE49-F238E27FC236}">
+                    <a16:creationId xmlns:a16="http://schemas.microsoft.com/office/drawing/2014/main" id="{E4EEC8CE-3317-45FC-0850-0B821C0BC6F9}"/>
+                  </a:ext>
+                </a:extLst>
+              </p:cNvPr>
+              <p:cNvSpPr txBox="1"/>
+              <p:nvPr/>
+            </p:nvSpPr>
+            <p:spPr>
+              <a:xfrm>
+                <a:off x="0" y="-38100"/>
+                <a:ext cx="895448" cy="538735"/>
+              </a:xfrm>
+              <a:prstGeom prst="rect">
+                <a:avLst/>
+              </a:prstGeom>
+            </p:spPr>
+            <p:txBody>
+              <a:bodyPr lIns="50800" tIns="50800" rIns="50800" bIns="50800" rtlCol="0" anchor="ctr"/>
+              <a:lstStyle/>
+              <a:p>
+                <a:pPr algn="ctr">
+                  <a:lnSpc>
+                    <a:spcPts val="2659"/>
+                  </a:lnSpc>
+                </a:pPr>
+                <a:endParaRPr/>
+              </a:p>
+            </p:txBody>
+          </p:sp>
+        </p:grpSp>
+        <p:sp>
+          <p:nvSpPr>
+            <p:cNvPr id="7" name="TextBox 7">
+              <a:extLst>
+                <a:ext uri="{FF2B5EF4-FFF2-40B4-BE49-F238E27FC236}">
+                  <a16:creationId xmlns:a16="http://schemas.microsoft.com/office/drawing/2014/main" id="{BAE2FA90-55E0-B465-6CA0-F30086AF63C4}"/>
+                </a:ext>
+              </a:extLst>
+            </p:cNvPr>
+            <p:cNvSpPr txBox="1"/>
+            <p:nvPr/>
+          </p:nvSpPr>
+          <p:spPr>
+            <a:xfrm>
+              <a:off x="222703" y="354116"/>
+              <a:ext cx="3181967" cy="1272168"/>
+            </a:xfrm>
+            <a:prstGeom prst="rect">
+              <a:avLst/>
+            </a:prstGeom>
+          </p:spPr>
+          <p:txBody>
+            <a:bodyPr lIns="0" tIns="0" rIns="0" bIns="0" rtlCol="0" anchor="t">
+              <a:spAutoFit/>
+            </a:bodyPr>
+            <a:lstStyle/>
+            <a:p>
+              <a:pPr algn="ctr">
+                <a:lnSpc>
+                  <a:spcPts val="3957"/>
+                </a:lnSpc>
+              </a:pPr>
+              <a:r>
+                <a:rPr lang="en-US" sz="2826">
+                  <a:solidFill>
+                    <a:srgbClr val="000000"/>
+                  </a:solidFill>
+                  <a:latin typeface="Canva Sans"/>
+                  <a:ea typeface="Canva Sans"/>
+                  <a:cs typeface="Canva Sans"/>
+                  <a:sym typeface="Canva Sans"/>
+                </a:rPr>
+                <a:t>Team </a:t>
+              </a:r>
+            </a:p>
+            <a:p>
+              <a:pPr algn="ctr">
+                <a:lnSpc>
+                  <a:spcPts val="3957"/>
+                </a:lnSpc>
+              </a:pPr>
+              <a:r>
+                <a:rPr lang="en-US" sz="2826">
+                  <a:solidFill>
+                    <a:srgbClr val="000000"/>
+                  </a:solidFill>
+                  <a:latin typeface="Canva Sans"/>
+                  <a:ea typeface="Canva Sans"/>
+                  <a:cs typeface="Canva Sans"/>
+                  <a:sym typeface="Canva Sans"/>
+                </a:rPr>
+                <a:t>Name</a:t>
+              </a:r>
+            </a:p>
+          </p:txBody>
+        </p:sp>
+      </p:grpSp>
+      <p:grpSp>
+        <p:nvGrpSpPr>
+          <p:cNvPr id="8" name="Group 8">
+            <a:extLst>
+              <a:ext uri="{FF2B5EF4-FFF2-40B4-BE49-F238E27FC236}">
+                <a16:creationId xmlns:a16="http://schemas.microsoft.com/office/drawing/2014/main" id="{E01ADFD0-8AA0-52CC-1E72-35AC70FF1225}"/>
+              </a:ext>
+            </a:extLst>
+          </p:cNvPr>
+          <p:cNvGrpSpPr/>
+          <p:nvPr/>
+        </p:nvGrpSpPr>
+        <p:grpSpPr>
+          <a:xfrm>
+            <a:off x="0" y="9499924"/>
+            <a:ext cx="18288000" cy="787076"/>
+            <a:chOff x="0" y="0"/>
+            <a:chExt cx="4816593" cy="207296"/>
+          </a:xfrm>
+        </p:grpSpPr>
+        <p:sp>
+          <p:nvSpPr>
+            <p:cNvPr id="9" name="Freeform 9">
+              <a:extLst>
+                <a:ext uri="{FF2B5EF4-FFF2-40B4-BE49-F238E27FC236}">
+                  <a16:creationId xmlns:a16="http://schemas.microsoft.com/office/drawing/2014/main" id="{F0C03CFD-6210-027D-EB23-16130B8F5FF3}"/>
+                </a:ext>
+              </a:extLst>
+            </p:cNvPr>
+            <p:cNvSpPr/>
+            <p:nvPr/>
+          </p:nvSpPr>
+          <p:spPr>
+            <a:xfrm>
+              <a:off x="0" y="0"/>
+              <a:ext cx="4816592" cy="207296"/>
+            </a:xfrm>
+            <a:custGeom>
+              <a:avLst/>
+              <a:gdLst/>
+              <a:ahLst/>
+              <a:cxnLst/>
+              <a:rect l="l" t="t" r="r" b="b"/>
+              <a:pathLst>
+                <a:path w="4816592" h="207296">
+                  <a:moveTo>
+                    <a:pt x="0" y="0"/>
+                  </a:moveTo>
+                  <a:lnTo>
+                    <a:pt x="4816592" y="0"/>
+                  </a:lnTo>
+                  <a:lnTo>
+                    <a:pt x="4816592" y="207296"/>
+                  </a:lnTo>
+                  <a:lnTo>
+                    <a:pt x="0" y="207296"/>
+                  </a:lnTo>
+                  <a:close/>
+                </a:path>
+              </a:pathLst>
+            </a:custGeom>
+            <a:solidFill>
+              <a:srgbClr val="6652DF"/>
+            </a:solidFill>
+          </p:spPr>
+          <p:txBody>
+            <a:bodyPr/>
+            <a:lstStyle/>
+            <a:p>
+              <a:endParaRPr lang="en-IN"/>
+            </a:p>
+          </p:txBody>
+        </p:sp>
+        <p:sp>
+          <p:nvSpPr>
+            <p:cNvPr id="10" name="TextBox 10">
+              <a:extLst>
+                <a:ext uri="{FF2B5EF4-FFF2-40B4-BE49-F238E27FC236}">
+                  <a16:creationId xmlns:a16="http://schemas.microsoft.com/office/drawing/2014/main" id="{450B615F-DF56-FD2A-865B-1DEA514262B1}"/>
+                </a:ext>
+              </a:extLst>
+            </p:cNvPr>
+            <p:cNvSpPr txBox="1"/>
+            <p:nvPr/>
+          </p:nvSpPr>
+          <p:spPr>
+            <a:xfrm>
+              <a:off x="0" y="-38100"/>
+              <a:ext cx="4816593" cy="245396"/>
+            </a:xfrm>
+            <a:prstGeom prst="rect">
+              <a:avLst/>
+            </a:prstGeom>
+          </p:spPr>
+          <p:txBody>
+            <a:bodyPr lIns="50800" tIns="50800" rIns="50800" bIns="50800" rtlCol="0" anchor="ctr"/>
+            <a:lstStyle/>
+            <a:p>
+              <a:pPr algn="ctr">
+                <a:lnSpc>
+                  <a:spcPts val="2659"/>
+                </a:lnSpc>
+              </a:pPr>
+              <a:endParaRPr/>
+            </a:p>
+          </p:txBody>
+        </p:sp>
+      </p:grpSp>
+      <p:sp>
+        <p:nvSpPr>
+          <p:cNvPr id="11" name="TextBox 11">
+            <a:extLst>
+              <a:ext uri="{FF2B5EF4-FFF2-40B4-BE49-F238E27FC236}">
+                <a16:creationId xmlns:a16="http://schemas.microsoft.com/office/drawing/2014/main" id="{8459E9CA-6BFA-783E-DA3F-118FBDF25814}"/>
+              </a:ext>
+            </a:extLst>
+          </p:cNvPr>
+          <p:cNvSpPr txBox="1"/>
+          <p:nvPr/>
+        </p:nvSpPr>
+        <p:spPr>
+          <a:xfrm>
+            <a:off x="7440700" y="845867"/>
+            <a:ext cx="3985955" cy="670889"/>
           </a:xfrm>
           <a:prstGeom prst="rect">
             <a:avLst/>
           </a:prstGeom>
         </p:spPr>
         <p:txBody>
-          <a:bodyPr anchor="t" rtlCol="false" tIns="0" lIns="0" bIns="0" rIns="0">
+          <a:bodyPr wrap="square" lIns="0" tIns="0" rIns="0" bIns="0" rtlCol="0" anchor="t">
             <a:spAutoFit/>
           </a:bodyPr>
           <a:lstStyle/>
           <a:p>
-            <a:pPr algn="l" marL="755641" indent="-377820" lvl="1">
+            <a:pPr algn="ctr">
+              <a:lnSpc>
+                <a:spcPts val="5599"/>
+              </a:lnSpc>
+            </a:pPr>
+            <a:r>
+              <a:rPr lang="en-US" sz="4400" b="1" u="sng" dirty="0">
+                <a:solidFill>
+                  <a:srgbClr val="000000"/>
+                </a:solidFill>
+                <a:latin typeface="Times New Roman Bold"/>
+                <a:ea typeface="Times New Roman Bold"/>
+                <a:cs typeface="Times New Roman Bold"/>
+                <a:sym typeface="Times New Roman Bold"/>
+              </a:rPr>
+              <a:t>IDEA TITLE</a:t>
+            </a:r>
+          </a:p>
+        </p:txBody>
+      </p:sp>
+      <p:sp>
+        <p:nvSpPr>
+          <p:cNvPr id="12" name="TextBox 12">
+            <a:extLst>
+              <a:ext uri="{FF2B5EF4-FFF2-40B4-BE49-F238E27FC236}">
+                <a16:creationId xmlns:a16="http://schemas.microsoft.com/office/drawing/2014/main" id="{C1DF7ECA-43A7-B2A2-1DE6-C5D646F0D8FA}"/>
+              </a:ext>
+            </a:extLst>
+          </p:cNvPr>
+          <p:cNvSpPr txBox="1"/>
+          <p:nvPr/>
+        </p:nvSpPr>
+        <p:spPr>
+          <a:xfrm>
+            <a:off x="1620007" y="3141979"/>
+            <a:ext cx="15047982" cy="629921"/>
+          </a:xfrm>
+          <a:prstGeom prst="rect">
+            <a:avLst/>
+          </a:prstGeom>
+        </p:spPr>
+        <p:txBody>
+          <a:bodyPr lIns="0" tIns="0" rIns="0" bIns="0" rtlCol="0" anchor="t">
+            <a:spAutoFit/>
+          </a:bodyPr>
+          <a:lstStyle/>
+          <a:p>
+            <a:pPr marL="798820" lvl="1" indent="-399410" algn="ctr">
+              <a:lnSpc>
+                <a:spcPts val="5179"/>
+              </a:lnSpc>
+              <a:buFont typeface="Arial"/>
+              <a:buChar char="•"/>
+            </a:pPr>
+            <a:r>
+              <a:rPr lang="en-US" sz="3699" b="1" u="sng" dirty="0">
+                <a:solidFill>
+                  <a:srgbClr val="000000"/>
+                </a:solidFill>
+                <a:latin typeface="Open Sans Bold"/>
+                <a:ea typeface="Open Sans Bold"/>
+                <a:cs typeface="Open Sans Bold"/>
+                <a:sym typeface="Open Sans Bold"/>
+              </a:rPr>
+              <a:t>Proposed Solution (Describe your Idea/Solution/Prototype)</a:t>
+            </a:r>
+          </a:p>
+        </p:txBody>
+      </p:sp>
+      <p:sp>
+        <p:nvSpPr>
+          <p:cNvPr id="14" name="TextBox 14">
+            <a:extLst>
+              <a:ext uri="{FF2B5EF4-FFF2-40B4-BE49-F238E27FC236}">
+                <a16:creationId xmlns:a16="http://schemas.microsoft.com/office/drawing/2014/main" id="{CE61ECCC-8715-A383-3930-24225C0D5943}"/>
+              </a:ext>
+            </a:extLst>
+          </p:cNvPr>
+          <p:cNvSpPr txBox="1"/>
+          <p:nvPr/>
+        </p:nvSpPr>
+        <p:spPr>
+          <a:xfrm>
+            <a:off x="5983077" y="9704587"/>
+            <a:ext cx="6321847" cy="372707"/>
+          </a:xfrm>
+          <a:prstGeom prst="rect">
+            <a:avLst/>
+          </a:prstGeom>
+        </p:spPr>
+        <p:txBody>
+          <a:bodyPr lIns="0" tIns="0" rIns="0" bIns="0" rtlCol="0" anchor="t">
+            <a:spAutoFit/>
+          </a:bodyPr>
+          <a:lstStyle/>
+          <a:p>
+            <a:pPr algn="ctr">
+              <a:lnSpc>
+                <a:spcPts val="3080"/>
+              </a:lnSpc>
+            </a:pPr>
+            <a:r>
+              <a:rPr lang="en-US" sz="2200">
+                <a:solidFill>
+                  <a:srgbClr val="FFFFFF"/>
+                </a:solidFill>
+                <a:latin typeface="Canva Sans"/>
+                <a:ea typeface="Canva Sans"/>
+                <a:cs typeface="Canva Sans"/>
+                <a:sym typeface="Canva Sans"/>
+              </a:rPr>
+              <a:t> @ IGNITE 2K26 IDEA SUBMISSION -TEMPLATE</a:t>
+            </a:r>
+            <a:r>
+              <a:rPr lang="en-US" sz="2200">
+                <a:solidFill>
+                  <a:srgbClr val="000000"/>
+                </a:solidFill>
+                <a:latin typeface="Canva Sans"/>
+                <a:ea typeface="Canva Sans"/>
+                <a:cs typeface="Canva Sans"/>
+                <a:sym typeface="Canva Sans"/>
+              </a:rPr>
+              <a:t>  </a:t>
+            </a:r>
+          </a:p>
+        </p:txBody>
+      </p:sp>
+      <p:sp>
+        <p:nvSpPr>
+          <p:cNvPr id="15" name="TextBox 13">
+            <a:extLst>
+              <a:ext uri="{FF2B5EF4-FFF2-40B4-BE49-F238E27FC236}">
+                <a16:creationId xmlns:a16="http://schemas.microsoft.com/office/drawing/2014/main" id="{B0A003EB-831D-D143-3AA7-DFBBA5613228}"/>
+              </a:ext>
+            </a:extLst>
+          </p:cNvPr>
+          <p:cNvSpPr txBox="1"/>
+          <p:nvPr/>
+        </p:nvSpPr>
+        <p:spPr>
+          <a:xfrm>
+            <a:off x="2590800" y="4557508"/>
+            <a:ext cx="12361500" cy="3100592"/>
+          </a:xfrm>
+          <a:prstGeom prst="rect">
+            <a:avLst/>
+          </a:prstGeom>
+        </p:spPr>
+        <p:txBody>
+          <a:bodyPr lIns="0" tIns="0" rIns="0" bIns="0" rtlCol="0" anchor="t">
+            <a:spAutoFit/>
+          </a:bodyPr>
+          <a:lstStyle/>
+          <a:p>
+            <a:pPr marL="755641" lvl="1" indent="-377820">
               <a:lnSpc>
                 <a:spcPts val="4899"/>
               </a:lnSpc>
-              <a:buAutoNum type="arabicPeriod" startAt="1"/>
+              <a:buFont typeface="Arial"/>
+              <a:buChar char="•"/>
             </a:pPr>
             <a:r>
-              <a:rPr lang="en-US" sz="3499">
+              <a:rPr lang="en-US" sz="3499" dirty="0">
                 <a:solidFill>
                   <a:srgbClr val="000000"/>
                 </a:solidFill>
@@ -7127,10 +8504,19 @@
                 <a:cs typeface="Open Sans"/>
                 <a:sym typeface="Open Sans"/>
               </a:rPr>
-              <a:t>Kindly keep </a:t>
-            </a:r>
-            <a:r>
-              <a:rPr lang="en-US" sz="3499">
+              <a:t>Innovation and uniqueness of the solution </a:t>
+            </a:r>
+          </a:p>
+          <a:p>
+            <a:pPr marL="755641" lvl="1" indent="-377820" algn="l">
+              <a:lnSpc>
+                <a:spcPts val="4899"/>
+              </a:lnSpc>
+              <a:buFont typeface="Arial"/>
+              <a:buChar char="•"/>
+            </a:pPr>
+            <a:r>
+              <a:rPr lang="en-US" sz="3499" dirty="0">
                 <a:solidFill>
                   <a:srgbClr val="000000"/>
                 </a:solidFill>
@@ -7139,18 +8525,19 @@
                 <a:cs typeface="Open Sans"/>
                 <a:sym typeface="Open Sans"/>
               </a:rPr>
-              <a:t>the maximum slides limit up to six (6). ( Including the title slide) </a:t>
-            </a:r>
-          </a:p>
-          <a:p>
-            <a:pPr algn="l" marL="755641" indent="-377820" lvl="1">
+              <a:t> </a:t>
+            </a:r>
+          </a:p>
+          <a:p>
+            <a:pPr marL="755641" lvl="1" indent="-377820" algn="l">
               <a:lnSpc>
                 <a:spcPts val="4899"/>
               </a:lnSpc>
-              <a:buAutoNum type="arabicPeriod" startAt="1"/>
+              <a:buFont typeface="Arial"/>
+              <a:buChar char="•"/>
             </a:pPr>
             <a:r>
-              <a:rPr lang="en-US" sz="3499">
+              <a:rPr lang="en-US" sz="3499" dirty="0">
                 <a:solidFill>
                   <a:srgbClr val="000000"/>
                 </a:solidFill>
@@ -7159,18 +8546,19 @@
                 <a:cs typeface="Open Sans"/>
                 <a:sym typeface="Open Sans"/>
               </a:rPr>
-              <a:t>Try to avoid paragraphs and post your idea in points /diagrams / Infographics pictures </a:t>
-            </a:r>
-          </a:p>
-          <a:p>
-            <a:pPr algn="l" marL="755641" indent="-377820" lvl="1">
+              <a:t> </a:t>
+            </a:r>
+          </a:p>
+          <a:p>
+            <a:pPr marL="755641" lvl="1" indent="-377820" algn="l">
               <a:lnSpc>
                 <a:spcPts val="4899"/>
               </a:lnSpc>
-              <a:buAutoNum type="arabicPeriod" startAt="1"/>
+              <a:buFont typeface="Arial"/>
+              <a:buChar char="•"/>
             </a:pPr>
             <a:r>
-              <a:rPr lang="en-US" sz="3499">
+              <a:rPr lang="en-US" sz="3499" dirty="0">
                 <a:solidFill>
                   <a:srgbClr val="000000"/>
                 </a:solidFill>
@@ -7179,18 +8567,19 @@
                 <a:cs typeface="Open Sans"/>
                 <a:sym typeface="Open Sans"/>
               </a:rPr>
-              <a:t>Keep your explanation precise and easy to understand</a:t>
-            </a:r>
-          </a:p>
-          <a:p>
-            <a:pPr algn="l" marL="755641" indent="-377820" lvl="1">
+              <a:t> </a:t>
+            </a:r>
+          </a:p>
+          <a:p>
+            <a:pPr marL="755641" lvl="1" indent="-377820" algn="l">
               <a:lnSpc>
                 <a:spcPts val="4899"/>
               </a:lnSpc>
-              <a:buAutoNum type="arabicPeriod" startAt="1"/>
+              <a:buFont typeface="Arial"/>
+              <a:buChar char="•"/>
             </a:pPr>
             <a:r>
-              <a:rPr lang="en-US" sz="3499">
+              <a:rPr lang="en-US" sz="3499" dirty="0">
                 <a:solidFill>
                   <a:srgbClr val="000000"/>
                 </a:solidFill>
@@ -7199,18 +8588,531 @@
                 <a:cs typeface="Open Sans"/>
                 <a:sym typeface="Open Sans"/>
               </a:rPr>
-              <a:t>Idea should be unique and novel. </a:t>
-            </a:r>
-          </a:p>
-          <a:p>
-            <a:pPr algn="l" marL="755641" indent="-377820" lvl="1">
+              <a:t> </a:t>
+            </a:r>
+          </a:p>
+        </p:txBody>
+      </p:sp>
+      <p:sp>
+        <p:nvSpPr>
+          <p:cNvPr id="13" name="Freeform 2">
+            <a:extLst>
+              <a:ext uri="{FF2B5EF4-FFF2-40B4-BE49-F238E27FC236}">
+                <a16:creationId xmlns:a16="http://schemas.microsoft.com/office/drawing/2014/main" id="{83B18C70-8ACA-31CA-9497-8D91CFD84B8A}"/>
+              </a:ext>
+            </a:extLst>
+          </p:cNvPr>
+          <p:cNvSpPr/>
+          <p:nvPr/>
+        </p:nvSpPr>
+        <p:spPr>
+          <a:xfrm>
+            <a:off x="5014078" y="1282700"/>
+            <a:ext cx="8839200" cy="7848600"/>
+          </a:xfrm>
+          <a:custGeom>
+            <a:avLst/>
+            <a:gdLst/>
+            <a:ahLst/>
+            <a:cxnLst/>
+            <a:rect l="l" t="t" r="r" b="b"/>
+            <a:pathLst>
+              <a:path w="1900850" h="1900850">
+                <a:moveTo>
+                  <a:pt x="0" y="0"/>
+                </a:moveTo>
+                <a:lnTo>
+                  <a:pt x="1900849" y="0"/>
+                </a:lnTo>
+                <a:lnTo>
+                  <a:pt x="1900849" y="1900850"/>
+                </a:lnTo>
+                <a:lnTo>
+                  <a:pt x="0" y="1900850"/>
+                </a:lnTo>
+                <a:lnTo>
+                  <a:pt x="0" y="0"/>
+                </a:lnTo>
+                <a:close/>
+              </a:path>
+            </a:pathLst>
+          </a:custGeom>
+          <a:blipFill>
+            <a:blip r:embed="rId2">
+              <a:alphaModFix amt="10000"/>
+            </a:blip>
+            <a:stretch>
+              <a:fillRect/>
+            </a:stretch>
+          </a:blipFill>
+        </p:spPr>
+        <p:txBody>
+          <a:bodyPr/>
+          <a:lstStyle/>
+          <a:p>
+            <a:endParaRPr lang="en-IN" dirty="0"/>
+          </a:p>
+        </p:txBody>
+      </p:sp>
+    </p:spTree>
+    <p:extLst>
+      <p:ext uri="{BB962C8B-B14F-4D97-AF65-F5344CB8AC3E}">
+        <p14:creationId xmlns:p14="http://schemas.microsoft.com/office/powerpoint/2010/main" val="1234185746"/>
+      </p:ext>
+    </p:extLst>
+  </p:cSld>
+  <p:clrMapOvr>
+    <a:masterClrMapping/>
+  </p:clrMapOvr>
+</p:sld>
+</file>
+
+<file path=ppt/slides/slide5.xml><?xml version="1.0" encoding="utf-8"?>
+<p:sld xmlns:a="http://schemas.openxmlformats.org/drawingml/2006/main" xmlns:r="http://schemas.openxmlformats.org/officeDocument/2006/relationships" xmlns:p="http://schemas.openxmlformats.org/presentationml/2006/main">
+  <p:cSld>
+    <p:spTree>
+      <p:nvGrpSpPr>
+        <p:cNvPr id="1" name=""/>
+        <p:cNvGrpSpPr/>
+        <p:nvPr/>
+      </p:nvGrpSpPr>
+      <p:grpSpPr>
+        <a:xfrm>
+          <a:off x="0" y="0"/>
+          <a:ext cx="0" cy="0"/>
+          <a:chOff x="0" y="0"/>
+          <a:chExt cx="0" cy="0"/>
+        </a:xfrm>
+      </p:grpSpPr>
+      <p:sp>
+        <p:nvSpPr>
+          <p:cNvPr id="2" name="Freeform 2"/>
+          <p:cNvSpPr/>
+          <p:nvPr/>
+        </p:nvSpPr>
+        <p:spPr>
+          <a:xfrm>
+            <a:off x="15252215" y="546926"/>
+            <a:ext cx="1900850" cy="1900850"/>
+          </a:xfrm>
+          <a:custGeom>
+            <a:avLst/>
+            <a:gdLst/>
+            <a:ahLst/>
+            <a:cxnLst/>
+            <a:rect l="l" t="t" r="r" b="b"/>
+            <a:pathLst>
+              <a:path w="1900850" h="1900850">
+                <a:moveTo>
+                  <a:pt x="0" y="0"/>
+                </a:moveTo>
+                <a:lnTo>
+                  <a:pt x="1900849" y="0"/>
+                </a:lnTo>
+                <a:lnTo>
+                  <a:pt x="1900849" y="1900850"/>
+                </a:lnTo>
+                <a:lnTo>
+                  <a:pt x="0" y="1900850"/>
+                </a:lnTo>
+                <a:lnTo>
+                  <a:pt x="0" y="0"/>
+                </a:lnTo>
+                <a:close/>
+              </a:path>
+            </a:pathLst>
+          </a:custGeom>
+          <a:blipFill>
+            <a:blip r:embed="rId2"/>
+            <a:stretch>
+              <a:fillRect/>
+            </a:stretch>
+          </a:blipFill>
+        </p:spPr>
+        <p:txBody>
+          <a:bodyPr/>
+          <a:lstStyle/>
+          <a:p>
+            <a:endParaRPr lang="en-IN"/>
+          </a:p>
+        </p:txBody>
+      </p:sp>
+      <p:grpSp>
+        <p:nvGrpSpPr>
+          <p:cNvPr id="3" name="Group 3"/>
+          <p:cNvGrpSpPr/>
+          <p:nvPr/>
+        </p:nvGrpSpPr>
+        <p:grpSpPr>
+          <a:xfrm>
+            <a:off x="894614" y="736842"/>
+            <a:ext cx="2720530" cy="1521019"/>
+            <a:chOff x="0" y="0"/>
+            <a:chExt cx="3627373" cy="2028026"/>
+          </a:xfrm>
+        </p:grpSpPr>
+        <p:grpSp>
+          <p:nvGrpSpPr>
+            <p:cNvPr id="4" name="Group 4"/>
+            <p:cNvGrpSpPr/>
+            <p:nvPr/>
+          </p:nvGrpSpPr>
+          <p:grpSpPr>
+            <a:xfrm>
+              <a:off x="0" y="0"/>
+              <a:ext cx="3627373" cy="2028026"/>
+              <a:chOff x="0" y="0"/>
+              <a:chExt cx="895448" cy="500635"/>
+            </a:xfrm>
+          </p:grpSpPr>
+          <p:sp>
+            <p:nvSpPr>
+              <p:cNvPr id="5" name="Freeform 5"/>
+              <p:cNvSpPr/>
+              <p:nvPr/>
+            </p:nvSpPr>
+            <p:spPr>
+              <a:xfrm>
+                <a:off x="0" y="0"/>
+                <a:ext cx="895448" cy="500635"/>
+              </a:xfrm>
+              <a:custGeom>
+                <a:avLst/>
+                <a:gdLst/>
+                <a:ahLst/>
+                <a:cxnLst/>
+                <a:rect l="l" t="t" r="r" b="b"/>
+                <a:pathLst>
+                  <a:path w="895448" h="500635">
+                    <a:moveTo>
+                      <a:pt x="52373" y="0"/>
+                    </a:moveTo>
+                    <a:lnTo>
+                      <a:pt x="843075" y="0"/>
+                    </a:lnTo>
+                    <a:cubicBezTo>
+                      <a:pt x="856965" y="0"/>
+                      <a:pt x="870286" y="5518"/>
+                      <a:pt x="880108" y="15340"/>
+                    </a:cubicBezTo>
+                    <a:cubicBezTo>
+                      <a:pt x="889930" y="25162"/>
+                      <a:pt x="895448" y="38483"/>
+                      <a:pt x="895448" y="52373"/>
+                    </a:cubicBezTo>
+                    <a:lnTo>
+                      <a:pt x="895448" y="448262"/>
+                    </a:lnTo>
+                    <a:cubicBezTo>
+                      <a:pt x="895448" y="462152"/>
+                      <a:pt x="889930" y="475474"/>
+                      <a:pt x="880108" y="485296"/>
+                    </a:cubicBezTo>
+                    <a:cubicBezTo>
+                      <a:pt x="870286" y="495118"/>
+                      <a:pt x="856965" y="500635"/>
+                      <a:pt x="843075" y="500635"/>
+                    </a:cubicBezTo>
+                    <a:lnTo>
+                      <a:pt x="52373" y="500635"/>
+                    </a:lnTo>
+                    <a:cubicBezTo>
+                      <a:pt x="38483" y="500635"/>
+                      <a:pt x="25162" y="495118"/>
+                      <a:pt x="15340" y="485296"/>
+                    </a:cubicBezTo>
+                    <a:cubicBezTo>
+                      <a:pt x="5518" y="475474"/>
+                      <a:pt x="0" y="462152"/>
+                      <a:pt x="0" y="448262"/>
+                    </a:cubicBezTo>
+                    <a:lnTo>
+                      <a:pt x="0" y="52373"/>
+                    </a:lnTo>
+                    <a:cubicBezTo>
+                      <a:pt x="0" y="38483"/>
+                      <a:pt x="5518" y="25162"/>
+                      <a:pt x="15340" y="15340"/>
+                    </a:cubicBezTo>
+                    <a:cubicBezTo>
+                      <a:pt x="25162" y="5518"/>
+                      <a:pt x="38483" y="0"/>
+                      <a:pt x="52373" y="0"/>
+                    </a:cubicBezTo>
+                    <a:close/>
+                  </a:path>
+                </a:pathLst>
+              </a:custGeom>
+              <a:solidFill>
+                <a:srgbClr val="FFFFFF"/>
+              </a:solidFill>
+              <a:ln w="9525" cap="rnd">
+                <a:solidFill>
+                  <a:srgbClr val="000000"/>
+                </a:solidFill>
+                <a:prstDash val="solid"/>
+                <a:round/>
+              </a:ln>
+            </p:spPr>
+            <p:txBody>
+              <a:bodyPr/>
+              <a:lstStyle/>
+              <a:p>
+                <a:endParaRPr lang="en-IN"/>
+              </a:p>
+            </p:txBody>
+          </p:sp>
+          <p:sp>
+            <p:nvSpPr>
+              <p:cNvPr id="6" name="TextBox 6"/>
+              <p:cNvSpPr txBox="1"/>
+              <p:nvPr/>
+            </p:nvSpPr>
+            <p:spPr>
+              <a:xfrm>
+                <a:off x="0" y="-38100"/>
+                <a:ext cx="895448" cy="538735"/>
+              </a:xfrm>
+              <a:prstGeom prst="rect">
+                <a:avLst/>
+              </a:prstGeom>
+            </p:spPr>
+            <p:txBody>
+              <a:bodyPr lIns="50800" tIns="50800" rIns="50800" bIns="50800" rtlCol="0" anchor="ctr"/>
+              <a:lstStyle/>
+              <a:p>
+                <a:pPr algn="ctr">
+                  <a:lnSpc>
+                    <a:spcPts val="2659"/>
+                  </a:lnSpc>
+                </a:pPr>
+                <a:endParaRPr/>
+              </a:p>
+            </p:txBody>
+          </p:sp>
+        </p:grpSp>
+        <p:sp>
+          <p:nvSpPr>
+            <p:cNvPr id="7" name="TextBox 7"/>
+            <p:cNvSpPr txBox="1"/>
+            <p:nvPr/>
+          </p:nvSpPr>
+          <p:spPr>
+            <a:xfrm>
+              <a:off x="222703" y="354116"/>
+              <a:ext cx="3181967" cy="1272168"/>
+            </a:xfrm>
+            <a:prstGeom prst="rect">
+              <a:avLst/>
+            </a:prstGeom>
+          </p:spPr>
+          <p:txBody>
+            <a:bodyPr lIns="0" tIns="0" rIns="0" bIns="0" rtlCol="0" anchor="t">
+              <a:spAutoFit/>
+            </a:bodyPr>
+            <a:lstStyle/>
+            <a:p>
+              <a:pPr algn="ctr">
+                <a:lnSpc>
+                  <a:spcPts val="3957"/>
+                </a:lnSpc>
+              </a:pPr>
+              <a:r>
+                <a:rPr lang="en-US" sz="2826">
+                  <a:solidFill>
+                    <a:srgbClr val="000000"/>
+                  </a:solidFill>
+                  <a:latin typeface="Canva Sans"/>
+                  <a:ea typeface="Canva Sans"/>
+                  <a:cs typeface="Canva Sans"/>
+                  <a:sym typeface="Canva Sans"/>
+                </a:rPr>
+                <a:t>Team </a:t>
+              </a:r>
+            </a:p>
+            <a:p>
+              <a:pPr algn="ctr">
+                <a:lnSpc>
+                  <a:spcPts val="3957"/>
+                </a:lnSpc>
+              </a:pPr>
+              <a:r>
+                <a:rPr lang="en-US" sz="2826">
+                  <a:solidFill>
+                    <a:srgbClr val="000000"/>
+                  </a:solidFill>
+                  <a:latin typeface="Canva Sans"/>
+                  <a:ea typeface="Canva Sans"/>
+                  <a:cs typeface="Canva Sans"/>
+                  <a:sym typeface="Canva Sans"/>
+                </a:rPr>
+                <a:t>Name</a:t>
+              </a:r>
+            </a:p>
+          </p:txBody>
+        </p:sp>
+      </p:grpSp>
+      <p:grpSp>
+        <p:nvGrpSpPr>
+          <p:cNvPr id="8" name="Group 8"/>
+          <p:cNvGrpSpPr/>
+          <p:nvPr/>
+        </p:nvGrpSpPr>
+        <p:grpSpPr>
+          <a:xfrm>
+            <a:off x="0" y="9499924"/>
+            <a:ext cx="18288000" cy="787076"/>
+            <a:chOff x="0" y="0"/>
+            <a:chExt cx="4816593" cy="207296"/>
+          </a:xfrm>
+        </p:grpSpPr>
+        <p:sp>
+          <p:nvSpPr>
+            <p:cNvPr id="9" name="Freeform 9"/>
+            <p:cNvSpPr/>
+            <p:nvPr/>
+          </p:nvSpPr>
+          <p:spPr>
+            <a:xfrm>
+              <a:off x="0" y="0"/>
+              <a:ext cx="4816592" cy="207296"/>
+            </a:xfrm>
+            <a:custGeom>
+              <a:avLst/>
+              <a:gdLst/>
+              <a:ahLst/>
+              <a:cxnLst/>
+              <a:rect l="l" t="t" r="r" b="b"/>
+              <a:pathLst>
+                <a:path w="4816592" h="207296">
+                  <a:moveTo>
+                    <a:pt x="0" y="0"/>
+                  </a:moveTo>
+                  <a:lnTo>
+                    <a:pt x="4816592" y="0"/>
+                  </a:lnTo>
+                  <a:lnTo>
+                    <a:pt x="4816592" y="207296"/>
+                  </a:lnTo>
+                  <a:lnTo>
+                    <a:pt x="0" y="207296"/>
+                  </a:lnTo>
+                  <a:close/>
+                </a:path>
+              </a:pathLst>
+            </a:custGeom>
+            <a:solidFill>
+              <a:srgbClr val="6652DF"/>
+            </a:solidFill>
+          </p:spPr>
+          <p:txBody>
+            <a:bodyPr/>
+            <a:lstStyle/>
+            <a:p>
+              <a:endParaRPr lang="en-IN"/>
+            </a:p>
+          </p:txBody>
+        </p:sp>
+        <p:sp>
+          <p:nvSpPr>
+            <p:cNvPr id="10" name="TextBox 10"/>
+            <p:cNvSpPr txBox="1"/>
+            <p:nvPr/>
+          </p:nvSpPr>
+          <p:spPr>
+            <a:xfrm>
+              <a:off x="0" y="-38100"/>
+              <a:ext cx="4816593" cy="245396"/>
+            </a:xfrm>
+            <a:prstGeom prst="rect">
+              <a:avLst/>
+            </a:prstGeom>
+          </p:spPr>
+          <p:txBody>
+            <a:bodyPr lIns="50800" tIns="50800" rIns="50800" bIns="50800" rtlCol="0" anchor="ctr"/>
+            <a:lstStyle/>
+            <a:p>
+              <a:pPr algn="ctr">
+                <a:lnSpc>
+                  <a:spcPts val="2659"/>
+                </a:lnSpc>
+              </a:pPr>
+              <a:endParaRPr/>
+            </a:p>
+          </p:txBody>
+        </p:sp>
+      </p:grpSp>
+      <p:sp>
+        <p:nvSpPr>
+          <p:cNvPr id="11" name="TextBox 11"/>
+          <p:cNvSpPr txBox="1"/>
+          <p:nvPr/>
+        </p:nvSpPr>
+        <p:spPr>
+          <a:xfrm>
+            <a:off x="6421119" y="933450"/>
+            <a:ext cx="6990081" cy="670889"/>
+          </a:xfrm>
+          <a:prstGeom prst="rect">
+            <a:avLst/>
+          </a:prstGeom>
+        </p:spPr>
+        <p:txBody>
+          <a:bodyPr wrap="square" lIns="0" tIns="0" rIns="0" bIns="0" rtlCol="0" anchor="t">
+            <a:spAutoFit/>
+          </a:bodyPr>
+          <a:lstStyle/>
+          <a:p>
+            <a:pPr algn="ctr">
+              <a:lnSpc>
+                <a:spcPts val="5599"/>
+              </a:lnSpc>
+            </a:pPr>
+            <a:r>
+              <a:rPr lang="en-US" sz="4400" b="1" u="sng" dirty="0">
+                <a:solidFill>
+                  <a:srgbClr val="000000"/>
+                </a:solidFill>
+                <a:latin typeface="Times New Roman Bold"/>
+                <a:ea typeface="Times New Roman Bold"/>
+                <a:cs typeface="Times New Roman Bold"/>
+                <a:sym typeface="Times New Roman Bold"/>
+              </a:rPr>
+              <a:t>TECHNICAL APPROACH</a:t>
+            </a:r>
+          </a:p>
+        </p:txBody>
+      </p:sp>
+      <p:sp>
+        <p:nvSpPr>
+          <p:cNvPr id="12" name="TextBox 12"/>
+          <p:cNvSpPr txBox="1"/>
+          <p:nvPr/>
+        </p:nvSpPr>
+        <p:spPr>
+          <a:xfrm>
+            <a:off x="3252929" y="3695880"/>
+            <a:ext cx="12361500" cy="4357347"/>
+          </a:xfrm>
+          <a:prstGeom prst="rect">
+            <a:avLst/>
+          </a:prstGeom>
+        </p:spPr>
+        <p:txBody>
+          <a:bodyPr lIns="0" tIns="0" rIns="0" bIns="0" rtlCol="0" anchor="t">
+            <a:spAutoFit/>
+          </a:bodyPr>
+          <a:lstStyle/>
+          <a:p>
+            <a:pPr marL="755641" lvl="1" indent="-377820" algn="l">
               <a:lnSpc>
                 <a:spcPts val="4899"/>
               </a:lnSpc>
-              <a:buAutoNum type="arabicPeriod" startAt="1"/>
+              <a:buFont typeface="Arial"/>
+              <a:buChar char="•"/>
             </a:pPr>
             <a:r>
-              <a:rPr lang="en-US" sz="3499">
+              <a:rPr lang="en-US" sz="3499" dirty="0">
                 <a:solidFill>
                   <a:srgbClr val="000000"/>
                 </a:solidFill>
@@ -7219,18 +9121,19 @@
                 <a:cs typeface="Open Sans"/>
                 <a:sym typeface="Open Sans"/>
               </a:rPr>
-              <a:t>You can only use provided template for making the PPT without changing the idea details pointers (mentioned in previous slides).</a:t>
-            </a:r>
-          </a:p>
-          <a:p>
-            <a:pPr algn="l" marL="755641" indent="-377820" lvl="1">
+              <a:t>Technologies to be used (e.g. programming languages, frameworks, hardware)</a:t>
+            </a:r>
+          </a:p>
+          <a:p>
+            <a:pPr marL="755641" lvl="1" indent="-377820" algn="l">
               <a:lnSpc>
                 <a:spcPts val="4899"/>
               </a:lnSpc>
-              <a:buAutoNum type="arabicPeriod" startAt="1"/>
+              <a:buFont typeface="Arial"/>
+              <a:buChar char="•"/>
             </a:pPr>
             <a:r>
-              <a:rPr lang="en-US" sz="3499">
+              <a:rPr lang="en-US" sz="3499" dirty="0">
                 <a:solidFill>
                   <a:srgbClr val="000000"/>
                 </a:solidFill>
@@ -7239,7 +9142,49 @@
                 <a:cs typeface="Open Sans"/>
                 <a:sym typeface="Open Sans"/>
               </a:rPr>
-              <a:t>You need to save the file in PDF and upload the same on portal. No PPT, Word Doc or any other format will be supported.</a:t>
+              <a:t> </a:t>
+            </a:r>
+          </a:p>
+          <a:p>
+            <a:pPr marL="755641" lvl="1" indent="-377820" algn="l">
+              <a:lnSpc>
+                <a:spcPts val="4899"/>
+              </a:lnSpc>
+              <a:buFont typeface="Arial"/>
+              <a:buChar char="•"/>
+            </a:pPr>
+            <a:r>
+              <a:rPr lang="en-US" sz="3499" dirty="0">
+                <a:solidFill>
+                  <a:srgbClr val="000000"/>
+                </a:solidFill>
+                <a:latin typeface="Open Sans"/>
+                <a:ea typeface="Open Sans"/>
+                <a:cs typeface="Open Sans"/>
+                <a:sym typeface="Open Sans"/>
+              </a:rPr>
+              <a:t> </a:t>
+            </a:r>
+          </a:p>
+          <a:p>
+            <a:pPr marL="755641" lvl="1" indent="-377820" algn="l">
+              <a:lnSpc>
+                <a:spcPts val="4899"/>
+              </a:lnSpc>
+              <a:buFont typeface="Arial"/>
+              <a:buChar char="•"/>
+            </a:pPr>
+            <a:r>
+              <a:rPr lang="en-US" sz="3499" dirty="0">
+                <a:solidFill>
+                  <a:srgbClr val="000000"/>
+                </a:solidFill>
+                <a:latin typeface="Open Sans"/>
+                <a:ea typeface="Open Sans"/>
+                <a:cs typeface="Open Sans"/>
+                <a:sym typeface="Open Sans"/>
+              </a:rPr>
+              <a:t> </a:t>
             </a:r>
           </a:p>
           <a:p>
@@ -7248,17 +9193,42 @@
                 <a:spcPts val="4899"/>
               </a:lnSpc>
             </a:pPr>
-          </a:p>
-        </p:txBody>
-      </p:sp>
-      <p:sp>
-        <p:nvSpPr>
-          <p:cNvPr name="TextBox 13" id="13"/>
-          <p:cNvSpPr txBox="true"/>
+            <a:endParaRPr lang="en-US" sz="3499" dirty="0">
+              <a:solidFill>
+                <a:srgbClr val="000000"/>
+              </a:solidFill>
+              <a:latin typeface="Open Sans"/>
+              <a:ea typeface="Open Sans"/>
+              <a:cs typeface="Open Sans"/>
+              <a:sym typeface="Open Sans"/>
+            </a:endParaRPr>
+          </a:p>
+          <a:p>
+            <a:pPr algn="l">
+              <a:lnSpc>
+                <a:spcPts val="4899"/>
+              </a:lnSpc>
+            </a:pPr>
+            <a:endParaRPr lang="en-US" sz="3499" dirty="0">
+              <a:solidFill>
+                <a:srgbClr val="000000"/>
+              </a:solidFill>
+              <a:latin typeface="Open Sans"/>
+              <a:ea typeface="Open Sans"/>
+              <a:cs typeface="Open Sans"/>
+              <a:sym typeface="Open Sans"/>
+            </a:endParaRPr>
+          </a:p>
+        </p:txBody>
+      </p:sp>
+      <p:sp>
+        <p:nvSpPr>
+          <p:cNvPr id="13" name="TextBox 13"/>
+          <p:cNvSpPr txBox="1"/>
           <p:nvPr/>
         </p:nvSpPr>
         <p:spPr>
-          <a:xfrm rot="0">
+          <a:xfrm>
             <a:off x="5983077" y="9704587"/>
             <a:ext cx="6321847" cy="763195"/>
           </a:xfrm>
@@ -7267,7 +9237,7 @@
           </a:prstGeom>
         </p:spPr>
         <p:txBody>
-          <a:bodyPr anchor="t" rtlCol="false" tIns="0" lIns="0" bIns="0" rIns="0">
+          <a:bodyPr lIns="0" tIns="0" rIns="0" bIns="0" rtlCol="0" anchor="t">
             <a:spAutoFit/>
           </a:bodyPr>
           <a:lstStyle/>
@@ -7296,10 +9266,2978 @@
                 <a:spcPts val="3080"/>
               </a:lnSpc>
             </a:pPr>
+            <a:endParaRPr lang="en-US" sz="2200">
+              <a:solidFill>
+                <a:srgbClr val="FFFFFF"/>
+              </a:solidFill>
+              <a:latin typeface="Canva Sans"/>
+              <a:ea typeface="Canva Sans"/>
+              <a:cs typeface="Canva Sans"/>
+              <a:sym typeface="Canva Sans"/>
+            </a:endParaRPr>
+          </a:p>
+        </p:txBody>
+      </p:sp>
+      <p:sp>
+        <p:nvSpPr>
+          <p:cNvPr id="14" name="Freeform 2">
+            <a:extLst>
+              <a:ext uri="{FF2B5EF4-FFF2-40B4-BE49-F238E27FC236}">
+                <a16:creationId xmlns:a16="http://schemas.microsoft.com/office/drawing/2014/main" id="{CA3DAFC1-D380-568B-EBD6-EF3C17E7D2CE}"/>
+              </a:ext>
+            </a:extLst>
+          </p:cNvPr>
+          <p:cNvSpPr/>
+          <p:nvPr/>
+        </p:nvSpPr>
+        <p:spPr>
+          <a:xfrm>
+            <a:off x="5014078" y="1282700"/>
+            <a:ext cx="8839200" cy="7848600"/>
+          </a:xfrm>
+          <a:custGeom>
+            <a:avLst/>
+            <a:gdLst/>
+            <a:ahLst/>
+            <a:cxnLst/>
+            <a:rect l="l" t="t" r="r" b="b"/>
+            <a:pathLst>
+              <a:path w="1900850" h="1900850">
+                <a:moveTo>
+                  <a:pt x="0" y="0"/>
+                </a:moveTo>
+                <a:lnTo>
+                  <a:pt x="1900849" y="0"/>
+                </a:lnTo>
+                <a:lnTo>
+                  <a:pt x="1900849" y="1900850"/>
+                </a:lnTo>
+                <a:lnTo>
+                  <a:pt x="0" y="1900850"/>
+                </a:lnTo>
+                <a:lnTo>
+                  <a:pt x="0" y="0"/>
+                </a:lnTo>
+                <a:close/>
+              </a:path>
+            </a:pathLst>
+          </a:custGeom>
+          <a:blipFill>
+            <a:blip r:embed="rId2">
+              <a:alphaModFix amt="10000"/>
+            </a:blip>
+            <a:stretch>
+              <a:fillRect/>
+            </a:stretch>
+          </a:blipFill>
+        </p:spPr>
+        <p:txBody>
+          <a:bodyPr/>
+          <a:lstStyle/>
+          <a:p>
+            <a:endParaRPr lang="en-IN" dirty="0"/>
           </a:p>
         </p:txBody>
       </p:sp>
     </p:spTree>
+  </p:cSld>
+  <p:clrMapOvr>
+    <a:masterClrMapping/>
+  </p:clrMapOvr>
+</p:sld>
+</file>
+
+<file path=ppt/slides/slide6.xml><?xml version="1.0" encoding="utf-8"?>
+<p:sld xmlns:a="http://schemas.openxmlformats.org/drawingml/2006/main" xmlns:r="http://schemas.openxmlformats.org/officeDocument/2006/relationships" xmlns:p="http://schemas.openxmlformats.org/presentationml/2006/main">
+  <p:cSld>
+    <p:spTree>
+      <p:nvGrpSpPr>
+        <p:cNvPr id="1" name="">
+          <a:extLst>
+            <a:ext uri="{FF2B5EF4-FFF2-40B4-BE49-F238E27FC236}">
+              <a16:creationId xmlns:a16="http://schemas.microsoft.com/office/drawing/2014/main" id="{87F6AA6B-C089-7194-60DC-D1BEAAA57AB0}"/>
+            </a:ext>
+          </a:extLst>
+        </p:cNvPr>
+        <p:cNvGrpSpPr/>
+        <p:nvPr/>
+      </p:nvGrpSpPr>
+      <p:grpSpPr>
+        <a:xfrm>
+          <a:off x="0" y="0"/>
+          <a:ext cx="0" cy="0"/>
+          <a:chOff x="0" y="0"/>
+          <a:chExt cx="0" cy="0"/>
+        </a:xfrm>
+      </p:grpSpPr>
+      <p:sp>
+        <p:nvSpPr>
+          <p:cNvPr id="2" name="Freeform 2">
+            <a:extLst>
+              <a:ext uri="{FF2B5EF4-FFF2-40B4-BE49-F238E27FC236}">
+                <a16:creationId xmlns:a16="http://schemas.microsoft.com/office/drawing/2014/main" id="{60120E0B-0759-C93F-3D39-95E57A217772}"/>
+              </a:ext>
+            </a:extLst>
+          </p:cNvPr>
+          <p:cNvSpPr/>
+          <p:nvPr/>
+        </p:nvSpPr>
+        <p:spPr>
+          <a:xfrm>
+            <a:off x="15252215" y="546926"/>
+            <a:ext cx="1900850" cy="1900850"/>
+          </a:xfrm>
+          <a:custGeom>
+            <a:avLst/>
+            <a:gdLst/>
+            <a:ahLst/>
+            <a:cxnLst/>
+            <a:rect l="l" t="t" r="r" b="b"/>
+            <a:pathLst>
+              <a:path w="1900850" h="1900850">
+                <a:moveTo>
+                  <a:pt x="0" y="0"/>
+                </a:moveTo>
+                <a:lnTo>
+                  <a:pt x="1900849" y="0"/>
+                </a:lnTo>
+                <a:lnTo>
+                  <a:pt x="1900849" y="1900850"/>
+                </a:lnTo>
+                <a:lnTo>
+                  <a:pt x="0" y="1900850"/>
+                </a:lnTo>
+                <a:lnTo>
+                  <a:pt x="0" y="0"/>
+                </a:lnTo>
+                <a:close/>
+              </a:path>
+            </a:pathLst>
+          </a:custGeom>
+          <a:blipFill>
+            <a:blip r:embed="rId2"/>
+            <a:stretch>
+              <a:fillRect/>
+            </a:stretch>
+          </a:blipFill>
+        </p:spPr>
+        <p:txBody>
+          <a:bodyPr/>
+          <a:lstStyle/>
+          <a:p>
+            <a:endParaRPr lang="en-IN"/>
+          </a:p>
+        </p:txBody>
+      </p:sp>
+      <p:grpSp>
+        <p:nvGrpSpPr>
+          <p:cNvPr id="3" name="Group 3">
+            <a:extLst>
+              <a:ext uri="{FF2B5EF4-FFF2-40B4-BE49-F238E27FC236}">
+                <a16:creationId xmlns:a16="http://schemas.microsoft.com/office/drawing/2014/main" id="{71141A9B-67C3-E1C0-CC78-D894901D1AED}"/>
+              </a:ext>
+            </a:extLst>
+          </p:cNvPr>
+          <p:cNvGrpSpPr/>
+          <p:nvPr/>
+        </p:nvGrpSpPr>
+        <p:grpSpPr>
+          <a:xfrm>
+            <a:off x="894614" y="736842"/>
+            <a:ext cx="2720530" cy="1521019"/>
+            <a:chOff x="0" y="0"/>
+            <a:chExt cx="3627373" cy="2028026"/>
+          </a:xfrm>
+        </p:grpSpPr>
+        <p:grpSp>
+          <p:nvGrpSpPr>
+            <p:cNvPr id="4" name="Group 4">
+              <a:extLst>
+                <a:ext uri="{FF2B5EF4-FFF2-40B4-BE49-F238E27FC236}">
+                  <a16:creationId xmlns:a16="http://schemas.microsoft.com/office/drawing/2014/main" id="{1B46BD3F-6267-8ED4-A5FF-63BF730C6C7F}"/>
+                </a:ext>
+              </a:extLst>
+            </p:cNvPr>
+            <p:cNvGrpSpPr/>
+            <p:nvPr/>
+          </p:nvGrpSpPr>
+          <p:grpSpPr>
+            <a:xfrm>
+              <a:off x="0" y="0"/>
+              <a:ext cx="3627373" cy="2028026"/>
+              <a:chOff x="0" y="0"/>
+              <a:chExt cx="895448" cy="500635"/>
+            </a:xfrm>
+          </p:grpSpPr>
+          <p:sp>
+            <p:nvSpPr>
+              <p:cNvPr id="5" name="Freeform 5">
+                <a:extLst>
+                  <a:ext uri="{FF2B5EF4-FFF2-40B4-BE49-F238E27FC236}">
+                    <a16:creationId xmlns:a16="http://schemas.microsoft.com/office/drawing/2014/main" id="{1C98930F-F19E-B560-5964-96D39CE41BDA}"/>
+                  </a:ext>
+                </a:extLst>
+              </p:cNvPr>
+              <p:cNvSpPr/>
+              <p:nvPr/>
+            </p:nvSpPr>
+            <p:spPr>
+              <a:xfrm>
+                <a:off x="0" y="0"/>
+                <a:ext cx="895448" cy="500635"/>
+              </a:xfrm>
+              <a:custGeom>
+                <a:avLst/>
+                <a:gdLst/>
+                <a:ahLst/>
+                <a:cxnLst/>
+                <a:rect l="l" t="t" r="r" b="b"/>
+                <a:pathLst>
+                  <a:path w="895448" h="500635">
+                    <a:moveTo>
+                      <a:pt x="52373" y="0"/>
+                    </a:moveTo>
+                    <a:lnTo>
+                      <a:pt x="843075" y="0"/>
+                    </a:lnTo>
+                    <a:cubicBezTo>
+                      <a:pt x="856965" y="0"/>
+                      <a:pt x="870286" y="5518"/>
+                      <a:pt x="880108" y="15340"/>
+                    </a:cubicBezTo>
+                    <a:cubicBezTo>
+                      <a:pt x="889930" y="25162"/>
+                      <a:pt x="895448" y="38483"/>
+                      <a:pt x="895448" y="52373"/>
+                    </a:cubicBezTo>
+                    <a:lnTo>
+                      <a:pt x="895448" y="448262"/>
+                    </a:lnTo>
+                    <a:cubicBezTo>
+                      <a:pt x="895448" y="462152"/>
+                      <a:pt x="889930" y="475474"/>
+                      <a:pt x="880108" y="485296"/>
+                    </a:cubicBezTo>
+                    <a:cubicBezTo>
+                      <a:pt x="870286" y="495118"/>
+                      <a:pt x="856965" y="500635"/>
+                      <a:pt x="843075" y="500635"/>
+                    </a:cubicBezTo>
+                    <a:lnTo>
+                      <a:pt x="52373" y="500635"/>
+                    </a:lnTo>
+                    <a:cubicBezTo>
+                      <a:pt x="38483" y="500635"/>
+                      <a:pt x="25162" y="495118"/>
+                      <a:pt x="15340" y="485296"/>
+                    </a:cubicBezTo>
+                    <a:cubicBezTo>
+                      <a:pt x="5518" y="475474"/>
+                      <a:pt x="0" y="462152"/>
+                      <a:pt x="0" y="448262"/>
+                    </a:cubicBezTo>
+                    <a:lnTo>
+                      <a:pt x="0" y="52373"/>
+                    </a:lnTo>
+                    <a:cubicBezTo>
+                      <a:pt x="0" y="38483"/>
+                      <a:pt x="5518" y="25162"/>
+                      <a:pt x="15340" y="15340"/>
+                    </a:cubicBezTo>
+                    <a:cubicBezTo>
+                      <a:pt x="25162" y="5518"/>
+                      <a:pt x="38483" y="0"/>
+                      <a:pt x="52373" y="0"/>
+                    </a:cubicBezTo>
+                    <a:close/>
+                  </a:path>
+                </a:pathLst>
+              </a:custGeom>
+              <a:solidFill>
+                <a:srgbClr val="FFFFFF"/>
+              </a:solidFill>
+              <a:ln w="9525" cap="rnd">
+                <a:solidFill>
+                  <a:srgbClr val="000000"/>
+                </a:solidFill>
+                <a:prstDash val="solid"/>
+                <a:round/>
+              </a:ln>
+            </p:spPr>
+            <p:txBody>
+              <a:bodyPr/>
+              <a:lstStyle/>
+              <a:p>
+                <a:endParaRPr lang="en-IN"/>
+              </a:p>
+            </p:txBody>
+          </p:sp>
+          <p:sp>
+            <p:nvSpPr>
+              <p:cNvPr id="6" name="TextBox 6">
+                <a:extLst>
+                  <a:ext uri="{FF2B5EF4-FFF2-40B4-BE49-F238E27FC236}">
+                    <a16:creationId xmlns:a16="http://schemas.microsoft.com/office/drawing/2014/main" id="{FAE8057B-901E-4794-F9D7-4F36C9386653}"/>
+                  </a:ext>
+                </a:extLst>
+              </p:cNvPr>
+              <p:cNvSpPr txBox="1"/>
+              <p:nvPr/>
+            </p:nvSpPr>
+            <p:spPr>
+              <a:xfrm>
+                <a:off x="0" y="-38100"/>
+                <a:ext cx="895448" cy="538735"/>
+              </a:xfrm>
+              <a:prstGeom prst="rect">
+                <a:avLst/>
+              </a:prstGeom>
+            </p:spPr>
+            <p:txBody>
+              <a:bodyPr lIns="50800" tIns="50800" rIns="50800" bIns="50800" rtlCol="0" anchor="ctr"/>
+              <a:lstStyle/>
+              <a:p>
+                <a:pPr algn="ctr">
+                  <a:lnSpc>
+                    <a:spcPts val="2659"/>
+                  </a:lnSpc>
+                </a:pPr>
+                <a:endParaRPr/>
+              </a:p>
+            </p:txBody>
+          </p:sp>
+        </p:grpSp>
+        <p:sp>
+          <p:nvSpPr>
+            <p:cNvPr id="7" name="TextBox 7">
+              <a:extLst>
+                <a:ext uri="{FF2B5EF4-FFF2-40B4-BE49-F238E27FC236}">
+                  <a16:creationId xmlns:a16="http://schemas.microsoft.com/office/drawing/2014/main" id="{F7DD4C10-7723-6401-CFA8-A549D3E8C1B4}"/>
+                </a:ext>
+              </a:extLst>
+            </p:cNvPr>
+            <p:cNvSpPr txBox="1"/>
+            <p:nvPr/>
+          </p:nvSpPr>
+          <p:spPr>
+            <a:xfrm>
+              <a:off x="222703" y="354116"/>
+              <a:ext cx="3181967" cy="1272168"/>
+            </a:xfrm>
+            <a:prstGeom prst="rect">
+              <a:avLst/>
+            </a:prstGeom>
+          </p:spPr>
+          <p:txBody>
+            <a:bodyPr lIns="0" tIns="0" rIns="0" bIns="0" rtlCol="0" anchor="t">
+              <a:spAutoFit/>
+            </a:bodyPr>
+            <a:lstStyle/>
+            <a:p>
+              <a:pPr algn="ctr">
+                <a:lnSpc>
+                  <a:spcPts val="3957"/>
+                </a:lnSpc>
+              </a:pPr>
+              <a:r>
+                <a:rPr lang="en-US" sz="2826">
+                  <a:solidFill>
+                    <a:srgbClr val="000000"/>
+                  </a:solidFill>
+                  <a:latin typeface="Canva Sans"/>
+                  <a:ea typeface="Canva Sans"/>
+                  <a:cs typeface="Canva Sans"/>
+                  <a:sym typeface="Canva Sans"/>
+                </a:rPr>
+                <a:t>Team </a:t>
+              </a:r>
+            </a:p>
+            <a:p>
+              <a:pPr algn="ctr">
+                <a:lnSpc>
+                  <a:spcPts val="3957"/>
+                </a:lnSpc>
+              </a:pPr>
+              <a:r>
+                <a:rPr lang="en-US" sz="2826">
+                  <a:solidFill>
+                    <a:srgbClr val="000000"/>
+                  </a:solidFill>
+                  <a:latin typeface="Canva Sans"/>
+                  <a:ea typeface="Canva Sans"/>
+                  <a:cs typeface="Canva Sans"/>
+                  <a:sym typeface="Canva Sans"/>
+                </a:rPr>
+                <a:t>Name</a:t>
+              </a:r>
+            </a:p>
+          </p:txBody>
+        </p:sp>
+      </p:grpSp>
+      <p:grpSp>
+        <p:nvGrpSpPr>
+          <p:cNvPr id="8" name="Group 8">
+            <a:extLst>
+              <a:ext uri="{FF2B5EF4-FFF2-40B4-BE49-F238E27FC236}">
+                <a16:creationId xmlns:a16="http://schemas.microsoft.com/office/drawing/2014/main" id="{CC826F09-474A-1AF3-35E5-8935C316DD43}"/>
+              </a:ext>
+            </a:extLst>
+          </p:cNvPr>
+          <p:cNvGrpSpPr/>
+          <p:nvPr/>
+        </p:nvGrpSpPr>
+        <p:grpSpPr>
+          <a:xfrm>
+            <a:off x="0" y="9499924"/>
+            <a:ext cx="18288000" cy="787076"/>
+            <a:chOff x="0" y="0"/>
+            <a:chExt cx="4816593" cy="207296"/>
+          </a:xfrm>
+        </p:grpSpPr>
+        <p:sp>
+          <p:nvSpPr>
+            <p:cNvPr id="9" name="Freeform 9">
+              <a:extLst>
+                <a:ext uri="{FF2B5EF4-FFF2-40B4-BE49-F238E27FC236}">
+                  <a16:creationId xmlns:a16="http://schemas.microsoft.com/office/drawing/2014/main" id="{B3AD6091-BC63-CE9A-6C90-1E677ABE559E}"/>
+                </a:ext>
+              </a:extLst>
+            </p:cNvPr>
+            <p:cNvSpPr/>
+            <p:nvPr/>
+          </p:nvSpPr>
+          <p:spPr>
+            <a:xfrm>
+              <a:off x="0" y="0"/>
+              <a:ext cx="4816592" cy="207296"/>
+            </a:xfrm>
+            <a:custGeom>
+              <a:avLst/>
+              <a:gdLst/>
+              <a:ahLst/>
+              <a:cxnLst/>
+              <a:rect l="l" t="t" r="r" b="b"/>
+              <a:pathLst>
+                <a:path w="4816592" h="207296">
+                  <a:moveTo>
+                    <a:pt x="0" y="0"/>
+                  </a:moveTo>
+                  <a:lnTo>
+                    <a:pt x="4816592" y="0"/>
+                  </a:lnTo>
+                  <a:lnTo>
+                    <a:pt x="4816592" y="207296"/>
+                  </a:lnTo>
+                  <a:lnTo>
+                    <a:pt x="0" y="207296"/>
+                  </a:lnTo>
+                  <a:close/>
+                </a:path>
+              </a:pathLst>
+            </a:custGeom>
+            <a:solidFill>
+              <a:srgbClr val="6652DF"/>
+            </a:solidFill>
+          </p:spPr>
+          <p:txBody>
+            <a:bodyPr/>
+            <a:lstStyle/>
+            <a:p>
+              <a:endParaRPr lang="en-IN"/>
+            </a:p>
+          </p:txBody>
+        </p:sp>
+        <p:sp>
+          <p:nvSpPr>
+            <p:cNvPr id="10" name="TextBox 10">
+              <a:extLst>
+                <a:ext uri="{FF2B5EF4-FFF2-40B4-BE49-F238E27FC236}">
+                  <a16:creationId xmlns:a16="http://schemas.microsoft.com/office/drawing/2014/main" id="{6E64FF3D-9351-19FF-F373-C49BA3383776}"/>
+                </a:ext>
+              </a:extLst>
+            </p:cNvPr>
+            <p:cNvSpPr txBox="1"/>
+            <p:nvPr/>
+          </p:nvSpPr>
+          <p:spPr>
+            <a:xfrm>
+              <a:off x="0" y="-38100"/>
+              <a:ext cx="4816593" cy="245396"/>
+            </a:xfrm>
+            <a:prstGeom prst="rect">
+              <a:avLst/>
+            </a:prstGeom>
+          </p:spPr>
+          <p:txBody>
+            <a:bodyPr lIns="50800" tIns="50800" rIns="50800" bIns="50800" rtlCol="0" anchor="ctr"/>
+            <a:lstStyle/>
+            <a:p>
+              <a:pPr algn="ctr">
+                <a:lnSpc>
+                  <a:spcPts val="2659"/>
+                </a:lnSpc>
+              </a:pPr>
+              <a:endParaRPr/>
+            </a:p>
+          </p:txBody>
+        </p:sp>
+      </p:grpSp>
+      <p:sp>
+        <p:nvSpPr>
+          <p:cNvPr id="11" name="TextBox 11">
+            <a:extLst>
+              <a:ext uri="{FF2B5EF4-FFF2-40B4-BE49-F238E27FC236}">
+                <a16:creationId xmlns:a16="http://schemas.microsoft.com/office/drawing/2014/main" id="{39AA0C90-A2FF-2229-4F15-26438BE78CB2}"/>
+              </a:ext>
+            </a:extLst>
+          </p:cNvPr>
+          <p:cNvSpPr txBox="1"/>
+          <p:nvPr/>
+        </p:nvSpPr>
+        <p:spPr>
+          <a:xfrm>
+            <a:off x="6421119" y="933450"/>
+            <a:ext cx="6761481" cy="670889"/>
+          </a:xfrm>
+          <a:prstGeom prst="rect">
+            <a:avLst/>
+          </a:prstGeom>
+        </p:spPr>
+        <p:txBody>
+          <a:bodyPr wrap="square" lIns="0" tIns="0" rIns="0" bIns="0" rtlCol="0" anchor="t">
+            <a:spAutoFit/>
+          </a:bodyPr>
+          <a:lstStyle/>
+          <a:p>
+            <a:pPr algn="ctr">
+              <a:lnSpc>
+                <a:spcPts val="5599"/>
+              </a:lnSpc>
+            </a:pPr>
+            <a:r>
+              <a:rPr lang="en-US" sz="4400" b="1" u="sng" dirty="0">
+                <a:solidFill>
+                  <a:srgbClr val="000000"/>
+                </a:solidFill>
+                <a:latin typeface="Times New Roman Bold"/>
+                <a:ea typeface="Times New Roman Bold"/>
+                <a:cs typeface="Times New Roman Bold"/>
+                <a:sym typeface="Times New Roman Bold"/>
+              </a:rPr>
+              <a:t>TECHNICAL APPROACH</a:t>
+            </a:r>
+          </a:p>
+        </p:txBody>
+      </p:sp>
+      <p:sp>
+        <p:nvSpPr>
+          <p:cNvPr id="12" name="TextBox 12">
+            <a:extLst>
+              <a:ext uri="{FF2B5EF4-FFF2-40B4-BE49-F238E27FC236}">
+                <a16:creationId xmlns:a16="http://schemas.microsoft.com/office/drawing/2014/main" id="{5A95B9C3-44AB-E2CA-D5C8-47A3E539AB28}"/>
+              </a:ext>
+            </a:extLst>
+          </p:cNvPr>
+          <p:cNvSpPr txBox="1"/>
+          <p:nvPr/>
+        </p:nvSpPr>
+        <p:spPr>
+          <a:xfrm>
+            <a:off x="3252929" y="2400300"/>
+            <a:ext cx="12361500" cy="1843838"/>
+          </a:xfrm>
+          <a:prstGeom prst="rect">
+            <a:avLst/>
+          </a:prstGeom>
+        </p:spPr>
+        <p:txBody>
+          <a:bodyPr lIns="0" tIns="0" rIns="0" bIns="0" rtlCol="0" anchor="t">
+            <a:spAutoFit/>
+          </a:bodyPr>
+          <a:lstStyle/>
+          <a:p>
+            <a:pPr marL="755641" lvl="1" indent="-377820">
+              <a:lnSpc>
+                <a:spcPts val="4899"/>
+              </a:lnSpc>
+              <a:buFont typeface="Arial"/>
+              <a:buChar char="•"/>
+            </a:pPr>
+            <a:r>
+              <a:rPr lang="en-US" sz="3499" dirty="0">
+                <a:solidFill>
+                  <a:srgbClr val="000000"/>
+                </a:solidFill>
+                <a:latin typeface="Open Sans"/>
+                <a:ea typeface="Open Sans"/>
+                <a:cs typeface="Open Sans"/>
+                <a:sym typeface="Open Sans"/>
+              </a:rPr>
+              <a:t>Methodology and process for implementation (Flow Charts/Images/ working prototype)</a:t>
+            </a:r>
+          </a:p>
+          <a:p>
+            <a:pPr algn="l">
+              <a:lnSpc>
+                <a:spcPts val="4899"/>
+              </a:lnSpc>
+            </a:pPr>
+            <a:endParaRPr lang="en-US" sz="3499" dirty="0">
+              <a:solidFill>
+                <a:srgbClr val="000000"/>
+              </a:solidFill>
+              <a:latin typeface="Open Sans"/>
+              <a:ea typeface="Open Sans"/>
+              <a:cs typeface="Open Sans"/>
+              <a:sym typeface="Open Sans"/>
+            </a:endParaRPr>
+          </a:p>
+        </p:txBody>
+      </p:sp>
+      <p:sp>
+        <p:nvSpPr>
+          <p:cNvPr id="13" name="TextBox 13">
+            <a:extLst>
+              <a:ext uri="{FF2B5EF4-FFF2-40B4-BE49-F238E27FC236}">
+                <a16:creationId xmlns:a16="http://schemas.microsoft.com/office/drawing/2014/main" id="{8F30A2BD-4E2A-2C89-AFA4-EEEE073E7D3F}"/>
+              </a:ext>
+            </a:extLst>
+          </p:cNvPr>
+          <p:cNvSpPr txBox="1"/>
+          <p:nvPr/>
+        </p:nvSpPr>
+        <p:spPr>
+          <a:xfrm>
+            <a:off x="5983077" y="9704587"/>
+            <a:ext cx="6321847" cy="763195"/>
+          </a:xfrm>
+          <a:prstGeom prst="rect">
+            <a:avLst/>
+          </a:prstGeom>
+        </p:spPr>
+        <p:txBody>
+          <a:bodyPr lIns="0" tIns="0" rIns="0" bIns="0" rtlCol="0" anchor="t">
+            <a:spAutoFit/>
+          </a:bodyPr>
+          <a:lstStyle/>
+          <a:p>
+            <a:pPr algn="ctr">
+              <a:lnSpc>
+                <a:spcPts val="3080"/>
+              </a:lnSpc>
+            </a:pPr>
+            <a:r>
+              <a:rPr lang="en-US" sz="2200">
+                <a:solidFill>
+                  <a:srgbClr val="FFFFFF"/>
+                </a:solidFill>
+                <a:latin typeface="Canva Sans"/>
+                <a:ea typeface="Canva Sans"/>
+                <a:cs typeface="Canva Sans"/>
+                <a:sym typeface="Canva Sans"/>
+              </a:rPr>
+              <a:t> @ IGNITE 2K26 IDEA SUBMISSION -TEMPLATE  </a:t>
+            </a:r>
+          </a:p>
+          <a:p>
+            <a:pPr algn="ctr">
+              <a:lnSpc>
+                <a:spcPts val="3080"/>
+              </a:lnSpc>
+            </a:pPr>
+            <a:endParaRPr lang="en-US" sz="2200">
+              <a:solidFill>
+                <a:srgbClr val="FFFFFF"/>
+              </a:solidFill>
+              <a:latin typeface="Canva Sans"/>
+              <a:ea typeface="Canva Sans"/>
+              <a:cs typeface="Canva Sans"/>
+              <a:sym typeface="Canva Sans"/>
+            </a:endParaRPr>
+          </a:p>
+        </p:txBody>
+      </p:sp>
+      <p:sp>
+        <p:nvSpPr>
+          <p:cNvPr id="14" name="Rectangle 13">
+            <a:extLst>
+              <a:ext uri="{FF2B5EF4-FFF2-40B4-BE49-F238E27FC236}">
+                <a16:creationId xmlns:a16="http://schemas.microsoft.com/office/drawing/2014/main" id="{1FC4BE10-1D3B-80F7-5EE6-5EBC67C50D14}"/>
+              </a:ext>
+            </a:extLst>
+          </p:cNvPr>
+          <p:cNvSpPr/>
+          <p:nvPr/>
+        </p:nvSpPr>
+        <p:spPr>
+          <a:xfrm>
+            <a:off x="3615144" y="4000500"/>
+            <a:ext cx="11167656" cy="5318642"/>
+          </a:xfrm>
+          <a:prstGeom prst="rect">
+            <a:avLst/>
+          </a:prstGeom>
+          <a:pattFill prst="pct5">
+            <a:fgClr>
+              <a:schemeClr val="accent1"/>
+            </a:fgClr>
+            <a:bgClr>
+              <a:schemeClr val="bg1"/>
+            </a:bgClr>
+          </a:pattFill>
+        </p:spPr>
+        <p:style>
+          <a:lnRef idx="2">
+            <a:schemeClr val="accent1">
+              <a:shade val="15000"/>
+            </a:schemeClr>
+          </a:lnRef>
+          <a:fillRef idx="1">
+            <a:schemeClr val="accent1"/>
+          </a:fillRef>
+          <a:effectRef idx="0">
+            <a:schemeClr val="accent1"/>
+          </a:effectRef>
+          <a:fontRef idx="minor">
+            <a:schemeClr val="lt1"/>
+          </a:fontRef>
+        </p:style>
+        <p:txBody>
+          <a:bodyPr rtlCol="0" anchor="ctr"/>
+          <a:lstStyle/>
+          <a:p>
+            <a:pPr algn="ctr"/>
+            <a:endParaRPr lang="en-IN"/>
+          </a:p>
+        </p:txBody>
+      </p:sp>
+    </p:spTree>
+    <p:extLst>
+      <p:ext uri="{BB962C8B-B14F-4D97-AF65-F5344CB8AC3E}">
+        <p14:creationId xmlns:p14="http://schemas.microsoft.com/office/powerpoint/2010/main" val="1643774777"/>
+      </p:ext>
+    </p:extLst>
+  </p:cSld>
+  <p:clrMapOvr>
+    <a:masterClrMapping/>
+  </p:clrMapOvr>
+</p:sld>
+</file>
+
+<file path=ppt/slides/slide7.xml><?xml version="1.0" encoding="utf-8"?>
+<p:sld xmlns:a="http://schemas.openxmlformats.org/drawingml/2006/main" xmlns:r="http://schemas.openxmlformats.org/officeDocument/2006/relationships" xmlns:p="http://schemas.openxmlformats.org/presentationml/2006/main">
+  <p:cSld>
+    <p:spTree>
+      <p:nvGrpSpPr>
+        <p:cNvPr id="1" name=""/>
+        <p:cNvGrpSpPr/>
+        <p:nvPr/>
+      </p:nvGrpSpPr>
+      <p:grpSpPr>
+        <a:xfrm>
+          <a:off x="0" y="0"/>
+          <a:ext cx="0" cy="0"/>
+          <a:chOff x="0" y="0"/>
+          <a:chExt cx="0" cy="0"/>
+        </a:xfrm>
+      </p:grpSpPr>
+      <p:sp>
+        <p:nvSpPr>
+          <p:cNvPr id="2" name="Freeform 2"/>
+          <p:cNvSpPr/>
+          <p:nvPr/>
+        </p:nvSpPr>
+        <p:spPr>
+          <a:xfrm>
+            <a:off x="15252215" y="546926"/>
+            <a:ext cx="1900850" cy="1900850"/>
+          </a:xfrm>
+          <a:custGeom>
+            <a:avLst/>
+            <a:gdLst/>
+            <a:ahLst/>
+            <a:cxnLst/>
+            <a:rect l="l" t="t" r="r" b="b"/>
+            <a:pathLst>
+              <a:path w="1900850" h="1900850">
+                <a:moveTo>
+                  <a:pt x="0" y="0"/>
+                </a:moveTo>
+                <a:lnTo>
+                  <a:pt x="1900849" y="0"/>
+                </a:lnTo>
+                <a:lnTo>
+                  <a:pt x="1900849" y="1900850"/>
+                </a:lnTo>
+                <a:lnTo>
+                  <a:pt x="0" y="1900850"/>
+                </a:lnTo>
+                <a:lnTo>
+                  <a:pt x="0" y="0"/>
+                </a:lnTo>
+                <a:close/>
+              </a:path>
+            </a:pathLst>
+          </a:custGeom>
+          <a:blipFill>
+            <a:blip r:embed="rId2"/>
+            <a:stretch>
+              <a:fillRect/>
+            </a:stretch>
+          </a:blipFill>
+        </p:spPr>
+        <p:txBody>
+          <a:bodyPr/>
+          <a:lstStyle/>
+          <a:p>
+            <a:endParaRPr lang="en-IN"/>
+          </a:p>
+        </p:txBody>
+      </p:sp>
+      <p:grpSp>
+        <p:nvGrpSpPr>
+          <p:cNvPr id="3" name="Group 3"/>
+          <p:cNvGrpSpPr/>
+          <p:nvPr/>
+        </p:nvGrpSpPr>
+        <p:grpSpPr>
+          <a:xfrm>
+            <a:off x="894614" y="736842"/>
+            <a:ext cx="2720530" cy="1521019"/>
+            <a:chOff x="0" y="0"/>
+            <a:chExt cx="3627373" cy="2028026"/>
+          </a:xfrm>
+        </p:grpSpPr>
+        <p:grpSp>
+          <p:nvGrpSpPr>
+            <p:cNvPr id="4" name="Group 4"/>
+            <p:cNvGrpSpPr/>
+            <p:nvPr/>
+          </p:nvGrpSpPr>
+          <p:grpSpPr>
+            <a:xfrm>
+              <a:off x="0" y="0"/>
+              <a:ext cx="3627373" cy="2028026"/>
+              <a:chOff x="0" y="0"/>
+              <a:chExt cx="895448" cy="500635"/>
+            </a:xfrm>
+          </p:grpSpPr>
+          <p:sp>
+            <p:nvSpPr>
+              <p:cNvPr id="5" name="Freeform 5"/>
+              <p:cNvSpPr/>
+              <p:nvPr/>
+            </p:nvSpPr>
+            <p:spPr>
+              <a:xfrm>
+                <a:off x="0" y="0"/>
+                <a:ext cx="895448" cy="500635"/>
+              </a:xfrm>
+              <a:custGeom>
+                <a:avLst/>
+                <a:gdLst/>
+                <a:ahLst/>
+                <a:cxnLst/>
+                <a:rect l="l" t="t" r="r" b="b"/>
+                <a:pathLst>
+                  <a:path w="895448" h="500635">
+                    <a:moveTo>
+                      <a:pt x="52373" y="0"/>
+                    </a:moveTo>
+                    <a:lnTo>
+                      <a:pt x="843075" y="0"/>
+                    </a:lnTo>
+                    <a:cubicBezTo>
+                      <a:pt x="856965" y="0"/>
+                      <a:pt x="870286" y="5518"/>
+                      <a:pt x="880108" y="15340"/>
+                    </a:cubicBezTo>
+                    <a:cubicBezTo>
+                      <a:pt x="889930" y="25162"/>
+                      <a:pt x="895448" y="38483"/>
+                      <a:pt x="895448" y="52373"/>
+                    </a:cubicBezTo>
+                    <a:lnTo>
+                      <a:pt x="895448" y="448262"/>
+                    </a:lnTo>
+                    <a:cubicBezTo>
+                      <a:pt x="895448" y="462152"/>
+                      <a:pt x="889930" y="475474"/>
+                      <a:pt x="880108" y="485296"/>
+                    </a:cubicBezTo>
+                    <a:cubicBezTo>
+                      <a:pt x="870286" y="495118"/>
+                      <a:pt x="856965" y="500635"/>
+                      <a:pt x="843075" y="500635"/>
+                    </a:cubicBezTo>
+                    <a:lnTo>
+                      <a:pt x="52373" y="500635"/>
+                    </a:lnTo>
+                    <a:cubicBezTo>
+                      <a:pt x="38483" y="500635"/>
+                      <a:pt x="25162" y="495118"/>
+                      <a:pt x="15340" y="485296"/>
+                    </a:cubicBezTo>
+                    <a:cubicBezTo>
+                      <a:pt x="5518" y="475474"/>
+                      <a:pt x="0" y="462152"/>
+                      <a:pt x="0" y="448262"/>
+                    </a:cubicBezTo>
+                    <a:lnTo>
+                      <a:pt x="0" y="52373"/>
+                    </a:lnTo>
+                    <a:cubicBezTo>
+                      <a:pt x="0" y="38483"/>
+                      <a:pt x="5518" y="25162"/>
+                      <a:pt x="15340" y="15340"/>
+                    </a:cubicBezTo>
+                    <a:cubicBezTo>
+                      <a:pt x="25162" y="5518"/>
+                      <a:pt x="38483" y="0"/>
+                      <a:pt x="52373" y="0"/>
+                    </a:cubicBezTo>
+                    <a:close/>
+                  </a:path>
+                </a:pathLst>
+              </a:custGeom>
+              <a:solidFill>
+                <a:srgbClr val="FFFFFF"/>
+              </a:solidFill>
+              <a:ln w="9525" cap="rnd">
+                <a:solidFill>
+                  <a:srgbClr val="000000"/>
+                </a:solidFill>
+                <a:prstDash val="solid"/>
+                <a:round/>
+              </a:ln>
+            </p:spPr>
+            <p:txBody>
+              <a:bodyPr/>
+              <a:lstStyle/>
+              <a:p>
+                <a:endParaRPr lang="en-IN"/>
+              </a:p>
+            </p:txBody>
+          </p:sp>
+          <p:sp>
+            <p:nvSpPr>
+              <p:cNvPr id="6" name="TextBox 6"/>
+              <p:cNvSpPr txBox="1"/>
+              <p:nvPr/>
+            </p:nvSpPr>
+            <p:spPr>
+              <a:xfrm>
+                <a:off x="0" y="-38100"/>
+                <a:ext cx="895448" cy="538735"/>
+              </a:xfrm>
+              <a:prstGeom prst="rect">
+                <a:avLst/>
+              </a:prstGeom>
+            </p:spPr>
+            <p:txBody>
+              <a:bodyPr lIns="50800" tIns="50800" rIns="50800" bIns="50800" rtlCol="0" anchor="ctr"/>
+              <a:lstStyle/>
+              <a:p>
+                <a:pPr algn="ctr">
+                  <a:lnSpc>
+                    <a:spcPts val="2659"/>
+                  </a:lnSpc>
+                </a:pPr>
+                <a:endParaRPr/>
+              </a:p>
+            </p:txBody>
+          </p:sp>
+        </p:grpSp>
+        <p:sp>
+          <p:nvSpPr>
+            <p:cNvPr id="7" name="TextBox 7"/>
+            <p:cNvSpPr txBox="1"/>
+            <p:nvPr/>
+          </p:nvSpPr>
+          <p:spPr>
+            <a:xfrm>
+              <a:off x="222703" y="354116"/>
+              <a:ext cx="3181967" cy="1272168"/>
+            </a:xfrm>
+            <a:prstGeom prst="rect">
+              <a:avLst/>
+            </a:prstGeom>
+          </p:spPr>
+          <p:txBody>
+            <a:bodyPr lIns="0" tIns="0" rIns="0" bIns="0" rtlCol="0" anchor="t">
+              <a:spAutoFit/>
+            </a:bodyPr>
+            <a:lstStyle/>
+            <a:p>
+              <a:pPr algn="ctr">
+                <a:lnSpc>
+                  <a:spcPts val="3957"/>
+                </a:lnSpc>
+              </a:pPr>
+              <a:r>
+                <a:rPr lang="en-US" sz="2826">
+                  <a:solidFill>
+                    <a:srgbClr val="000000"/>
+                  </a:solidFill>
+                  <a:latin typeface="Canva Sans"/>
+                  <a:ea typeface="Canva Sans"/>
+                  <a:cs typeface="Canva Sans"/>
+                  <a:sym typeface="Canva Sans"/>
+                </a:rPr>
+                <a:t>Team </a:t>
+              </a:r>
+            </a:p>
+            <a:p>
+              <a:pPr algn="ctr">
+                <a:lnSpc>
+                  <a:spcPts val="3957"/>
+                </a:lnSpc>
+              </a:pPr>
+              <a:r>
+                <a:rPr lang="en-US" sz="2826">
+                  <a:solidFill>
+                    <a:srgbClr val="000000"/>
+                  </a:solidFill>
+                  <a:latin typeface="Canva Sans"/>
+                  <a:ea typeface="Canva Sans"/>
+                  <a:cs typeface="Canva Sans"/>
+                  <a:sym typeface="Canva Sans"/>
+                </a:rPr>
+                <a:t>Name</a:t>
+              </a:r>
+            </a:p>
+          </p:txBody>
+        </p:sp>
+      </p:grpSp>
+      <p:grpSp>
+        <p:nvGrpSpPr>
+          <p:cNvPr id="8" name="Group 8"/>
+          <p:cNvGrpSpPr/>
+          <p:nvPr/>
+        </p:nvGrpSpPr>
+        <p:grpSpPr>
+          <a:xfrm>
+            <a:off x="0" y="9499924"/>
+            <a:ext cx="18288000" cy="787076"/>
+            <a:chOff x="0" y="0"/>
+            <a:chExt cx="4816593" cy="207296"/>
+          </a:xfrm>
+        </p:grpSpPr>
+        <p:sp>
+          <p:nvSpPr>
+            <p:cNvPr id="9" name="Freeform 9"/>
+            <p:cNvSpPr/>
+            <p:nvPr/>
+          </p:nvSpPr>
+          <p:spPr>
+            <a:xfrm>
+              <a:off x="0" y="0"/>
+              <a:ext cx="4816592" cy="207296"/>
+            </a:xfrm>
+            <a:custGeom>
+              <a:avLst/>
+              <a:gdLst/>
+              <a:ahLst/>
+              <a:cxnLst/>
+              <a:rect l="l" t="t" r="r" b="b"/>
+              <a:pathLst>
+                <a:path w="4816592" h="207296">
+                  <a:moveTo>
+                    <a:pt x="0" y="0"/>
+                  </a:moveTo>
+                  <a:lnTo>
+                    <a:pt x="4816592" y="0"/>
+                  </a:lnTo>
+                  <a:lnTo>
+                    <a:pt x="4816592" y="207296"/>
+                  </a:lnTo>
+                  <a:lnTo>
+                    <a:pt x="0" y="207296"/>
+                  </a:lnTo>
+                  <a:close/>
+                </a:path>
+              </a:pathLst>
+            </a:custGeom>
+            <a:solidFill>
+              <a:srgbClr val="6652DF"/>
+            </a:solidFill>
+          </p:spPr>
+          <p:txBody>
+            <a:bodyPr/>
+            <a:lstStyle/>
+            <a:p>
+              <a:endParaRPr lang="en-IN"/>
+            </a:p>
+          </p:txBody>
+        </p:sp>
+        <p:sp>
+          <p:nvSpPr>
+            <p:cNvPr id="10" name="TextBox 10"/>
+            <p:cNvSpPr txBox="1"/>
+            <p:nvPr/>
+          </p:nvSpPr>
+          <p:spPr>
+            <a:xfrm>
+              <a:off x="0" y="-38100"/>
+              <a:ext cx="4816593" cy="245396"/>
+            </a:xfrm>
+            <a:prstGeom prst="rect">
+              <a:avLst/>
+            </a:prstGeom>
+          </p:spPr>
+          <p:txBody>
+            <a:bodyPr lIns="50800" tIns="50800" rIns="50800" bIns="50800" rtlCol="0" anchor="ctr"/>
+            <a:lstStyle/>
+            <a:p>
+              <a:pPr algn="ctr">
+                <a:lnSpc>
+                  <a:spcPts val="2659"/>
+                </a:lnSpc>
+              </a:pPr>
+              <a:endParaRPr/>
+            </a:p>
+          </p:txBody>
+        </p:sp>
+      </p:grpSp>
+      <p:sp>
+        <p:nvSpPr>
+          <p:cNvPr id="11" name="TextBox 11"/>
+          <p:cNvSpPr txBox="1"/>
+          <p:nvPr/>
+        </p:nvSpPr>
+        <p:spPr>
+          <a:xfrm>
+            <a:off x="5319732" y="985988"/>
+            <a:ext cx="8227895" cy="670889"/>
+          </a:xfrm>
+          <a:prstGeom prst="rect">
+            <a:avLst/>
+          </a:prstGeom>
+        </p:spPr>
+        <p:txBody>
+          <a:bodyPr wrap="square" lIns="0" tIns="0" rIns="0" bIns="0" rtlCol="0" anchor="t">
+            <a:spAutoFit/>
+          </a:bodyPr>
+          <a:lstStyle/>
+          <a:p>
+            <a:pPr algn="ctr">
+              <a:lnSpc>
+                <a:spcPts val="5599"/>
+              </a:lnSpc>
+            </a:pPr>
+            <a:r>
+              <a:rPr lang="en-US" sz="4400" b="1" u="sng" dirty="0">
+                <a:solidFill>
+                  <a:srgbClr val="000000"/>
+                </a:solidFill>
+                <a:latin typeface="Times New Roman Bold"/>
+                <a:ea typeface="Times New Roman Bold"/>
+                <a:cs typeface="Times New Roman Bold"/>
+                <a:sym typeface="Times New Roman Bold"/>
+              </a:rPr>
+              <a:t>FEASIBILITY AND VIABILITY</a:t>
+            </a:r>
+          </a:p>
+        </p:txBody>
+      </p:sp>
+      <p:sp>
+        <p:nvSpPr>
+          <p:cNvPr id="12" name="TextBox 12"/>
+          <p:cNvSpPr txBox="1"/>
+          <p:nvPr/>
+        </p:nvSpPr>
+        <p:spPr>
+          <a:xfrm>
+            <a:off x="3541851" y="3517158"/>
+            <a:ext cx="12361500" cy="3728970"/>
+          </a:xfrm>
+          <a:prstGeom prst="rect">
+            <a:avLst/>
+          </a:prstGeom>
+        </p:spPr>
+        <p:txBody>
+          <a:bodyPr lIns="0" tIns="0" rIns="0" bIns="0" rtlCol="0" anchor="t">
+            <a:spAutoFit/>
+          </a:bodyPr>
+          <a:lstStyle/>
+          <a:p>
+            <a:pPr marL="755641" lvl="1" indent="-377820" algn="l">
+              <a:lnSpc>
+                <a:spcPts val="4899"/>
+              </a:lnSpc>
+              <a:buFont typeface="Arial"/>
+              <a:buChar char="•"/>
+            </a:pPr>
+            <a:r>
+              <a:rPr lang="en-US" sz="3499" dirty="0">
+                <a:solidFill>
+                  <a:srgbClr val="000000"/>
+                </a:solidFill>
+                <a:latin typeface="Open Sans"/>
+                <a:ea typeface="Open Sans"/>
+                <a:cs typeface="Open Sans"/>
+                <a:sym typeface="Open Sans"/>
+              </a:rPr>
+              <a:t>Analysis of the feasibility of the idea</a:t>
+            </a:r>
+          </a:p>
+          <a:p>
+            <a:pPr marL="755641" lvl="1" indent="-377820" algn="l">
+              <a:lnSpc>
+                <a:spcPts val="4899"/>
+              </a:lnSpc>
+              <a:buFont typeface="Arial"/>
+              <a:buChar char="•"/>
+            </a:pPr>
+            <a:r>
+              <a:rPr lang="en-US" sz="3499" dirty="0">
+                <a:solidFill>
+                  <a:srgbClr val="000000"/>
+                </a:solidFill>
+                <a:latin typeface="Open Sans"/>
+                <a:ea typeface="Open Sans"/>
+                <a:cs typeface="Open Sans"/>
+                <a:sym typeface="Open Sans"/>
+              </a:rPr>
+              <a:t> </a:t>
+            </a:r>
+          </a:p>
+          <a:p>
+            <a:pPr marL="755641" lvl="1" indent="-377820" algn="l">
+              <a:lnSpc>
+                <a:spcPts val="4899"/>
+              </a:lnSpc>
+              <a:buFont typeface="Arial"/>
+              <a:buChar char="•"/>
+            </a:pPr>
+            <a:r>
+              <a:rPr lang="en-US" sz="3499" dirty="0">
+                <a:solidFill>
+                  <a:srgbClr val="000000"/>
+                </a:solidFill>
+                <a:latin typeface="Open Sans"/>
+                <a:ea typeface="Open Sans"/>
+                <a:cs typeface="Open Sans"/>
+                <a:sym typeface="Open Sans"/>
+              </a:rPr>
+              <a:t> </a:t>
+            </a:r>
+          </a:p>
+          <a:p>
+            <a:pPr marL="755641" lvl="1" indent="-377820" algn="l">
+              <a:lnSpc>
+                <a:spcPts val="4899"/>
+              </a:lnSpc>
+              <a:buFont typeface="Arial"/>
+              <a:buChar char="•"/>
+            </a:pPr>
+            <a:r>
+              <a:rPr lang="en-US" sz="3499" dirty="0">
+                <a:solidFill>
+                  <a:srgbClr val="000000"/>
+                </a:solidFill>
+                <a:latin typeface="Open Sans"/>
+                <a:ea typeface="Open Sans"/>
+                <a:cs typeface="Open Sans"/>
+                <a:sym typeface="Open Sans"/>
+              </a:rPr>
+              <a:t> </a:t>
+            </a:r>
+          </a:p>
+          <a:p>
+            <a:pPr marL="755641" lvl="1" indent="-377820" algn="l">
+              <a:lnSpc>
+                <a:spcPts val="4899"/>
+              </a:lnSpc>
+              <a:buFont typeface="Arial"/>
+              <a:buChar char="•"/>
+            </a:pPr>
+            <a:r>
+              <a:rPr lang="en-US" sz="3499" dirty="0">
+                <a:solidFill>
+                  <a:srgbClr val="000000"/>
+                </a:solidFill>
+                <a:latin typeface="Open Sans"/>
+                <a:ea typeface="Open Sans"/>
+                <a:cs typeface="Open Sans"/>
+                <a:sym typeface="Open Sans"/>
+              </a:rPr>
+              <a:t> </a:t>
+            </a:r>
+          </a:p>
+          <a:p>
+            <a:pPr algn="l">
+              <a:lnSpc>
+                <a:spcPts val="4899"/>
+              </a:lnSpc>
+            </a:pPr>
+            <a:endParaRPr lang="en-US" sz="3499" dirty="0">
+              <a:solidFill>
+                <a:srgbClr val="000000"/>
+              </a:solidFill>
+              <a:latin typeface="Open Sans"/>
+              <a:ea typeface="Open Sans"/>
+              <a:cs typeface="Open Sans"/>
+              <a:sym typeface="Open Sans"/>
+            </a:endParaRPr>
+          </a:p>
+        </p:txBody>
+      </p:sp>
+      <p:sp>
+        <p:nvSpPr>
+          <p:cNvPr id="13" name="TextBox 13"/>
+          <p:cNvSpPr txBox="1"/>
+          <p:nvPr/>
+        </p:nvSpPr>
+        <p:spPr>
+          <a:xfrm>
+            <a:off x="5983077" y="9704587"/>
+            <a:ext cx="6321847" cy="763195"/>
+          </a:xfrm>
+          <a:prstGeom prst="rect">
+            <a:avLst/>
+          </a:prstGeom>
+        </p:spPr>
+        <p:txBody>
+          <a:bodyPr lIns="0" tIns="0" rIns="0" bIns="0" rtlCol="0" anchor="t">
+            <a:spAutoFit/>
+          </a:bodyPr>
+          <a:lstStyle/>
+          <a:p>
+            <a:pPr algn="ctr">
+              <a:lnSpc>
+                <a:spcPts val="3080"/>
+              </a:lnSpc>
+            </a:pPr>
+            <a:r>
+              <a:rPr lang="en-US" sz="2200">
+                <a:solidFill>
+                  <a:srgbClr val="FFFFFF"/>
+                </a:solidFill>
+                <a:latin typeface="Canva Sans"/>
+                <a:ea typeface="Canva Sans"/>
+                <a:cs typeface="Canva Sans"/>
+                <a:sym typeface="Canva Sans"/>
+              </a:rPr>
+              <a:t> @ IGNITE 2K26 IDEA SUBMISSION -TEMPLATE  </a:t>
+            </a:r>
+          </a:p>
+          <a:p>
+            <a:pPr algn="ctr">
+              <a:lnSpc>
+                <a:spcPts val="3080"/>
+              </a:lnSpc>
+            </a:pPr>
+            <a:endParaRPr lang="en-US" sz="2200">
+              <a:solidFill>
+                <a:srgbClr val="FFFFFF"/>
+              </a:solidFill>
+              <a:latin typeface="Canva Sans"/>
+              <a:ea typeface="Canva Sans"/>
+              <a:cs typeface="Canva Sans"/>
+              <a:sym typeface="Canva Sans"/>
+            </a:endParaRPr>
+          </a:p>
+        </p:txBody>
+      </p:sp>
+      <p:sp>
+        <p:nvSpPr>
+          <p:cNvPr id="14" name="Freeform 2">
+            <a:extLst>
+              <a:ext uri="{FF2B5EF4-FFF2-40B4-BE49-F238E27FC236}">
+                <a16:creationId xmlns:a16="http://schemas.microsoft.com/office/drawing/2014/main" id="{709A4654-18C9-DABC-4A71-85A852FD1588}"/>
+              </a:ext>
+            </a:extLst>
+          </p:cNvPr>
+          <p:cNvSpPr/>
+          <p:nvPr/>
+        </p:nvSpPr>
+        <p:spPr>
+          <a:xfrm>
+            <a:off x="5035850" y="1345838"/>
+            <a:ext cx="8839200" cy="7848600"/>
+          </a:xfrm>
+          <a:custGeom>
+            <a:avLst/>
+            <a:gdLst/>
+            <a:ahLst/>
+            <a:cxnLst/>
+            <a:rect l="l" t="t" r="r" b="b"/>
+            <a:pathLst>
+              <a:path w="1900850" h="1900850">
+                <a:moveTo>
+                  <a:pt x="0" y="0"/>
+                </a:moveTo>
+                <a:lnTo>
+                  <a:pt x="1900849" y="0"/>
+                </a:lnTo>
+                <a:lnTo>
+                  <a:pt x="1900849" y="1900850"/>
+                </a:lnTo>
+                <a:lnTo>
+                  <a:pt x="0" y="1900850"/>
+                </a:lnTo>
+                <a:lnTo>
+                  <a:pt x="0" y="0"/>
+                </a:lnTo>
+                <a:close/>
+              </a:path>
+            </a:pathLst>
+          </a:custGeom>
+          <a:blipFill>
+            <a:blip r:embed="rId2">
+              <a:alphaModFix amt="10000"/>
+            </a:blip>
+            <a:stretch>
+              <a:fillRect/>
+            </a:stretch>
+          </a:blipFill>
+        </p:spPr>
+        <p:txBody>
+          <a:bodyPr/>
+          <a:lstStyle/>
+          <a:p>
+            <a:endParaRPr lang="en-IN" dirty="0"/>
+          </a:p>
+        </p:txBody>
+      </p:sp>
+    </p:spTree>
+  </p:cSld>
+  <p:clrMapOvr>
+    <a:masterClrMapping/>
+  </p:clrMapOvr>
+</p:sld>
+</file>
+
+<file path=ppt/slides/slide8.xml><?xml version="1.0" encoding="utf-8"?>
+<p:sld xmlns:a="http://schemas.openxmlformats.org/drawingml/2006/main" xmlns:r="http://schemas.openxmlformats.org/officeDocument/2006/relationships" xmlns:p="http://schemas.openxmlformats.org/presentationml/2006/main">
+  <p:cSld>
+    <p:spTree>
+      <p:nvGrpSpPr>
+        <p:cNvPr id="1" name="">
+          <a:extLst>
+            <a:ext uri="{FF2B5EF4-FFF2-40B4-BE49-F238E27FC236}">
+              <a16:creationId xmlns:a16="http://schemas.microsoft.com/office/drawing/2014/main" id="{2D5B6ECF-72D9-3E7F-EB28-0F027EC8330F}"/>
+            </a:ext>
+          </a:extLst>
+        </p:cNvPr>
+        <p:cNvGrpSpPr/>
+        <p:nvPr/>
+      </p:nvGrpSpPr>
+      <p:grpSpPr>
+        <a:xfrm>
+          <a:off x="0" y="0"/>
+          <a:ext cx="0" cy="0"/>
+          <a:chOff x="0" y="0"/>
+          <a:chExt cx="0" cy="0"/>
+        </a:xfrm>
+      </p:grpSpPr>
+      <p:sp>
+        <p:nvSpPr>
+          <p:cNvPr id="2" name="Freeform 2">
+            <a:extLst>
+              <a:ext uri="{FF2B5EF4-FFF2-40B4-BE49-F238E27FC236}">
+                <a16:creationId xmlns:a16="http://schemas.microsoft.com/office/drawing/2014/main" id="{56B2032E-D4C3-23A8-A566-0F24C2B31454}"/>
+              </a:ext>
+            </a:extLst>
+          </p:cNvPr>
+          <p:cNvSpPr/>
+          <p:nvPr/>
+        </p:nvSpPr>
+        <p:spPr>
+          <a:xfrm>
+            <a:off x="15252215" y="546926"/>
+            <a:ext cx="1900850" cy="1900850"/>
+          </a:xfrm>
+          <a:custGeom>
+            <a:avLst/>
+            <a:gdLst/>
+            <a:ahLst/>
+            <a:cxnLst/>
+            <a:rect l="l" t="t" r="r" b="b"/>
+            <a:pathLst>
+              <a:path w="1900850" h="1900850">
+                <a:moveTo>
+                  <a:pt x="0" y="0"/>
+                </a:moveTo>
+                <a:lnTo>
+                  <a:pt x="1900849" y="0"/>
+                </a:lnTo>
+                <a:lnTo>
+                  <a:pt x="1900849" y="1900850"/>
+                </a:lnTo>
+                <a:lnTo>
+                  <a:pt x="0" y="1900850"/>
+                </a:lnTo>
+                <a:lnTo>
+                  <a:pt x="0" y="0"/>
+                </a:lnTo>
+                <a:close/>
+              </a:path>
+            </a:pathLst>
+          </a:custGeom>
+          <a:blipFill>
+            <a:blip r:embed="rId2"/>
+            <a:stretch>
+              <a:fillRect/>
+            </a:stretch>
+          </a:blipFill>
+        </p:spPr>
+        <p:txBody>
+          <a:bodyPr/>
+          <a:lstStyle/>
+          <a:p>
+            <a:endParaRPr lang="en-IN"/>
+          </a:p>
+        </p:txBody>
+      </p:sp>
+      <p:grpSp>
+        <p:nvGrpSpPr>
+          <p:cNvPr id="3" name="Group 3">
+            <a:extLst>
+              <a:ext uri="{FF2B5EF4-FFF2-40B4-BE49-F238E27FC236}">
+                <a16:creationId xmlns:a16="http://schemas.microsoft.com/office/drawing/2014/main" id="{9F5D12A5-FD3F-0E0D-9DE1-E51BD4BE67B7}"/>
+              </a:ext>
+            </a:extLst>
+          </p:cNvPr>
+          <p:cNvGrpSpPr/>
+          <p:nvPr/>
+        </p:nvGrpSpPr>
+        <p:grpSpPr>
+          <a:xfrm>
+            <a:off x="894614" y="736842"/>
+            <a:ext cx="2720530" cy="1521019"/>
+            <a:chOff x="0" y="0"/>
+            <a:chExt cx="3627373" cy="2028026"/>
+          </a:xfrm>
+        </p:grpSpPr>
+        <p:grpSp>
+          <p:nvGrpSpPr>
+            <p:cNvPr id="4" name="Group 4">
+              <a:extLst>
+                <a:ext uri="{FF2B5EF4-FFF2-40B4-BE49-F238E27FC236}">
+                  <a16:creationId xmlns:a16="http://schemas.microsoft.com/office/drawing/2014/main" id="{26F7AD2F-2771-8EDE-7DA1-97FFDDEA555A}"/>
+                </a:ext>
+              </a:extLst>
+            </p:cNvPr>
+            <p:cNvGrpSpPr/>
+            <p:nvPr/>
+          </p:nvGrpSpPr>
+          <p:grpSpPr>
+            <a:xfrm>
+              <a:off x="0" y="0"/>
+              <a:ext cx="3627373" cy="2028026"/>
+              <a:chOff x="0" y="0"/>
+              <a:chExt cx="895448" cy="500635"/>
+            </a:xfrm>
+          </p:grpSpPr>
+          <p:sp>
+            <p:nvSpPr>
+              <p:cNvPr id="5" name="Freeform 5">
+                <a:extLst>
+                  <a:ext uri="{FF2B5EF4-FFF2-40B4-BE49-F238E27FC236}">
+                    <a16:creationId xmlns:a16="http://schemas.microsoft.com/office/drawing/2014/main" id="{AA9D1054-1D20-7F79-8FA8-046BAB6096A4}"/>
+                  </a:ext>
+                </a:extLst>
+              </p:cNvPr>
+              <p:cNvSpPr/>
+              <p:nvPr/>
+            </p:nvSpPr>
+            <p:spPr>
+              <a:xfrm>
+                <a:off x="0" y="0"/>
+                <a:ext cx="895448" cy="500635"/>
+              </a:xfrm>
+              <a:custGeom>
+                <a:avLst/>
+                <a:gdLst/>
+                <a:ahLst/>
+                <a:cxnLst/>
+                <a:rect l="l" t="t" r="r" b="b"/>
+                <a:pathLst>
+                  <a:path w="895448" h="500635">
+                    <a:moveTo>
+                      <a:pt x="52373" y="0"/>
+                    </a:moveTo>
+                    <a:lnTo>
+                      <a:pt x="843075" y="0"/>
+                    </a:lnTo>
+                    <a:cubicBezTo>
+                      <a:pt x="856965" y="0"/>
+                      <a:pt x="870286" y="5518"/>
+                      <a:pt x="880108" y="15340"/>
+                    </a:cubicBezTo>
+                    <a:cubicBezTo>
+                      <a:pt x="889930" y="25162"/>
+                      <a:pt x="895448" y="38483"/>
+                      <a:pt x="895448" y="52373"/>
+                    </a:cubicBezTo>
+                    <a:lnTo>
+                      <a:pt x="895448" y="448262"/>
+                    </a:lnTo>
+                    <a:cubicBezTo>
+                      <a:pt x="895448" y="462152"/>
+                      <a:pt x="889930" y="475474"/>
+                      <a:pt x="880108" y="485296"/>
+                    </a:cubicBezTo>
+                    <a:cubicBezTo>
+                      <a:pt x="870286" y="495118"/>
+                      <a:pt x="856965" y="500635"/>
+                      <a:pt x="843075" y="500635"/>
+                    </a:cubicBezTo>
+                    <a:lnTo>
+                      <a:pt x="52373" y="500635"/>
+                    </a:lnTo>
+                    <a:cubicBezTo>
+                      <a:pt x="38483" y="500635"/>
+                      <a:pt x="25162" y="495118"/>
+                      <a:pt x="15340" y="485296"/>
+                    </a:cubicBezTo>
+                    <a:cubicBezTo>
+                      <a:pt x="5518" y="475474"/>
+                      <a:pt x="0" y="462152"/>
+                      <a:pt x="0" y="448262"/>
+                    </a:cubicBezTo>
+                    <a:lnTo>
+                      <a:pt x="0" y="52373"/>
+                    </a:lnTo>
+                    <a:cubicBezTo>
+                      <a:pt x="0" y="38483"/>
+                      <a:pt x="5518" y="25162"/>
+                      <a:pt x="15340" y="15340"/>
+                    </a:cubicBezTo>
+                    <a:cubicBezTo>
+                      <a:pt x="25162" y="5518"/>
+                      <a:pt x="38483" y="0"/>
+                      <a:pt x="52373" y="0"/>
+                    </a:cubicBezTo>
+                    <a:close/>
+                  </a:path>
+                </a:pathLst>
+              </a:custGeom>
+              <a:solidFill>
+                <a:srgbClr val="FFFFFF"/>
+              </a:solidFill>
+              <a:ln w="9525" cap="rnd">
+                <a:solidFill>
+                  <a:srgbClr val="000000"/>
+                </a:solidFill>
+                <a:prstDash val="solid"/>
+                <a:round/>
+              </a:ln>
+            </p:spPr>
+            <p:txBody>
+              <a:bodyPr/>
+              <a:lstStyle/>
+              <a:p>
+                <a:endParaRPr lang="en-IN"/>
+              </a:p>
+            </p:txBody>
+          </p:sp>
+          <p:sp>
+            <p:nvSpPr>
+              <p:cNvPr id="6" name="TextBox 6">
+                <a:extLst>
+                  <a:ext uri="{FF2B5EF4-FFF2-40B4-BE49-F238E27FC236}">
+                    <a16:creationId xmlns:a16="http://schemas.microsoft.com/office/drawing/2014/main" id="{996D4590-EEE3-353C-504B-EDA6204C7B22}"/>
+                  </a:ext>
+                </a:extLst>
+              </p:cNvPr>
+              <p:cNvSpPr txBox="1"/>
+              <p:nvPr/>
+            </p:nvSpPr>
+            <p:spPr>
+              <a:xfrm>
+                <a:off x="0" y="-38100"/>
+                <a:ext cx="895448" cy="538735"/>
+              </a:xfrm>
+              <a:prstGeom prst="rect">
+                <a:avLst/>
+              </a:prstGeom>
+            </p:spPr>
+            <p:txBody>
+              <a:bodyPr lIns="50800" tIns="50800" rIns="50800" bIns="50800" rtlCol="0" anchor="ctr"/>
+              <a:lstStyle/>
+              <a:p>
+                <a:pPr algn="ctr">
+                  <a:lnSpc>
+                    <a:spcPts val="2659"/>
+                  </a:lnSpc>
+                </a:pPr>
+                <a:endParaRPr/>
+              </a:p>
+            </p:txBody>
+          </p:sp>
+        </p:grpSp>
+        <p:sp>
+          <p:nvSpPr>
+            <p:cNvPr id="7" name="TextBox 7">
+              <a:extLst>
+                <a:ext uri="{FF2B5EF4-FFF2-40B4-BE49-F238E27FC236}">
+                  <a16:creationId xmlns:a16="http://schemas.microsoft.com/office/drawing/2014/main" id="{FBF88988-8A80-2660-7C35-8E3532318F31}"/>
+                </a:ext>
+              </a:extLst>
+            </p:cNvPr>
+            <p:cNvSpPr txBox="1"/>
+            <p:nvPr/>
+          </p:nvSpPr>
+          <p:spPr>
+            <a:xfrm>
+              <a:off x="222703" y="354116"/>
+              <a:ext cx="3181967" cy="1272168"/>
+            </a:xfrm>
+            <a:prstGeom prst="rect">
+              <a:avLst/>
+            </a:prstGeom>
+          </p:spPr>
+          <p:txBody>
+            <a:bodyPr lIns="0" tIns="0" rIns="0" bIns="0" rtlCol="0" anchor="t">
+              <a:spAutoFit/>
+            </a:bodyPr>
+            <a:lstStyle/>
+            <a:p>
+              <a:pPr algn="ctr">
+                <a:lnSpc>
+                  <a:spcPts val="3957"/>
+                </a:lnSpc>
+              </a:pPr>
+              <a:r>
+                <a:rPr lang="en-US" sz="2826">
+                  <a:solidFill>
+                    <a:srgbClr val="000000"/>
+                  </a:solidFill>
+                  <a:latin typeface="Canva Sans"/>
+                  <a:ea typeface="Canva Sans"/>
+                  <a:cs typeface="Canva Sans"/>
+                  <a:sym typeface="Canva Sans"/>
+                </a:rPr>
+                <a:t>Team </a:t>
+              </a:r>
+            </a:p>
+            <a:p>
+              <a:pPr algn="ctr">
+                <a:lnSpc>
+                  <a:spcPts val="3957"/>
+                </a:lnSpc>
+              </a:pPr>
+              <a:r>
+                <a:rPr lang="en-US" sz="2826">
+                  <a:solidFill>
+                    <a:srgbClr val="000000"/>
+                  </a:solidFill>
+                  <a:latin typeface="Canva Sans"/>
+                  <a:ea typeface="Canva Sans"/>
+                  <a:cs typeface="Canva Sans"/>
+                  <a:sym typeface="Canva Sans"/>
+                </a:rPr>
+                <a:t>Name</a:t>
+              </a:r>
+            </a:p>
+          </p:txBody>
+        </p:sp>
+      </p:grpSp>
+      <p:grpSp>
+        <p:nvGrpSpPr>
+          <p:cNvPr id="8" name="Group 8">
+            <a:extLst>
+              <a:ext uri="{FF2B5EF4-FFF2-40B4-BE49-F238E27FC236}">
+                <a16:creationId xmlns:a16="http://schemas.microsoft.com/office/drawing/2014/main" id="{BEFA0530-F225-C2C9-3507-5699CB5FE282}"/>
+              </a:ext>
+            </a:extLst>
+          </p:cNvPr>
+          <p:cNvGrpSpPr/>
+          <p:nvPr/>
+        </p:nvGrpSpPr>
+        <p:grpSpPr>
+          <a:xfrm>
+            <a:off x="0" y="9499924"/>
+            <a:ext cx="18288000" cy="787076"/>
+            <a:chOff x="0" y="0"/>
+            <a:chExt cx="4816593" cy="207296"/>
+          </a:xfrm>
+        </p:grpSpPr>
+        <p:sp>
+          <p:nvSpPr>
+            <p:cNvPr id="9" name="Freeform 9">
+              <a:extLst>
+                <a:ext uri="{FF2B5EF4-FFF2-40B4-BE49-F238E27FC236}">
+                  <a16:creationId xmlns:a16="http://schemas.microsoft.com/office/drawing/2014/main" id="{B15E8E7F-5389-3B08-B1F4-F248BB9E39B3}"/>
+                </a:ext>
+              </a:extLst>
+            </p:cNvPr>
+            <p:cNvSpPr/>
+            <p:nvPr/>
+          </p:nvSpPr>
+          <p:spPr>
+            <a:xfrm>
+              <a:off x="0" y="0"/>
+              <a:ext cx="4816592" cy="207296"/>
+            </a:xfrm>
+            <a:custGeom>
+              <a:avLst/>
+              <a:gdLst/>
+              <a:ahLst/>
+              <a:cxnLst/>
+              <a:rect l="l" t="t" r="r" b="b"/>
+              <a:pathLst>
+                <a:path w="4816592" h="207296">
+                  <a:moveTo>
+                    <a:pt x="0" y="0"/>
+                  </a:moveTo>
+                  <a:lnTo>
+                    <a:pt x="4816592" y="0"/>
+                  </a:lnTo>
+                  <a:lnTo>
+                    <a:pt x="4816592" y="207296"/>
+                  </a:lnTo>
+                  <a:lnTo>
+                    <a:pt x="0" y="207296"/>
+                  </a:lnTo>
+                  <a:close/>
+                </a:path>
+              </a:pathLst>
+            </a:custGeom>
+            <a:solidFill>
+              <a:srgbClr val="6652DF"/>
+            </a:solidFill>
+          </p:spPr>
+          <p:txBody>
+            <a:bodyPr/>
+            <a:lstStyle/>
+            <a:p>
+              <a:endParaRPr lang="en-IN"/>
+            </a:p>
+          </p:txBody>
+        </p:sp>
+        <p:sp>
+          <p:nvSpPr>
+            <p:cNvPr id="10" name="TextBox 10">
+              <a:extLst>
+                <a:ext uri="{FF2B5EF4-FFF2-40B4-BE49-F238E27FC236}">
+                  <a16:creationId xmlns:a16="http://schemas.microsoft.com/office/drawing/2014/main" id="{7229FF4C-3656-178E-F112-404B130AAECB}"/>
+                </a:ext>
+              </a:extLst>
+            </p:cNvPr>
+            <p:cNvSpPr txBox="1"/>
+            <p:nvPr/>
+          </p:nvSpPr>
+          <p:spPr>
+            <a:xfrm>
+              <a:off x="0" y="-38100"/>
+              <a:ext cx="4816593" cy="245396"/>
+            </a:xfrm>
+            <a:prstGeom prst="rect">
+              <a:avLst/>
+            </a:prstGeom>
+          </p:spPr>
+          <p:txBody>
+            <a:bodyPr lIns="50800" tIns="50800" rIns="50800" bIns="50800" rtlCol="0" anchor="ctr"/>
+            <a:lstStyle/>
+            <a:p>
+              <a:pPr algn="ctr">
+                <a:lnSpc>
+                  <a:spcPts val="2659"/>
+                </a:lnSpc>
+              </a:pPr>
+              <a:endParaRPr/>
+            </a:p>
+          </p:txBody>
+        </p:sp>
+      </p:grpSp>
+      <p:sp>
+        <p:nvSpPr>
+          <p:cNvPr id="11" name="TextBox 11">
+            <a:extLst>
+              <a:ext uri="{FF2B5EF4-FFF2-40B4-BE49-F238E27FC236}">
+                <a16:creationId xmlns:a16="http://schemas.microsoft.com/office/drawing/2014/main" id="{3773EAB7-14C3-0004-03C1-8B883CA28803}"/>
+              </a:ext>
+            </a:extLst>
+          </p:cNvPr>
+          <p:cNvSpPr txBox="1"/>
+          <p:nvPr/>
+        </p:nvSpPr>
+        <p:spPr>
+          <a:xfrm>
+            <a:off x="5403246" y="932953"/>
+            <a:ext cx="8060867" cy="670889"/>
+          </a:xfrm>
+          <a:prstGeom prst="rect">
+            <a:avLst/>
+          </a:prstGeom>
+        </p:spPr>
+        <p:txBody>
+          <a:bodyPr wrap="square" lIns="0" tIns="0" rIns="0" bIns="0" rtlCol="0" anchor="t">
+            <a:spAutoFit/>
+          </a:bodyPr>
+          <a:lstStyle/>
+          <a:p>
+            <a:pPr algn="ctr">
+              <a:lnSpc>
+                <a:spcPts val="5599"/>
+              </a:lnSpc>
+            </a:pPr>
+            <a:r>
+              <a:rPr lang="en-US" sz="4400" b="1" u="sng" dirty="0">
+                <a:solidFill>
+                  <a:srgbClr val="000000"/>
+                </a:solidFill>
+                <a:latin typeface="Times New Roman Bold"/>
+                <a:ea typeface="Times New Roman Bold"/>
+                <a:cs typeface="Times New Roman Bold"/>
+                <a:sym typeface="Times New Roman Bold"/>
+              </a:rPr>
+              <a:t>FEASIBILITY AND VIABILITY</a:t>
+            </a:r>
+          </a:p>
+        </p:txBody>
+      </p:sp>
+      <p:sp>
+        <p:nvSpPr>
+          <p:cNvPr id="12" name="TextBox 12">
+            <a:extLst>
+              <a:ext uri="{FF2B5EF4-FFF2-40B4-BE49-F238E27FC236}">
+                <a16:creationId xmlns:a16="http://schemas.microsoft.com/office/drawing/2014/main" id="{0CE6F239-5396-65BA-2A65-ACC559D42A43}"/>
+              </a:ext>
+            </a:extLst>
+          </p:cNvPr>
+          <p:cNvSpPr txBox="1"/>
+          <p:nvPr/>
+        </p:nvSpPr>
+        <p:spPr>
+          <a:xfrm>
+            <a:off x="3920361" y="3517158"/>
+            <a:ext cx="12361500" cy="3728970"/>
+          </a:xfrm>
+          <a:prstGeom prst="rect">
+            <a:avLst/>
+          </a:prstGeom>
+        </p:spPr>
+        <p:txBody>
+          <a:bodyPr lIns="0" tIns="0" rIns="0" bIns="0" rtlCol="0" anchor="t">
+            <a:spAutoFit/>
+          </a:bodyPr>
+          <a:lstStyle/>
+          <a:p>
+            <a:pPr marL="755641" lvl="1" indent="-377820">
+              <a:lnSpc>
+                <a:spcPts val="4899"/>
+              </a:lnSpc>
+              <a:buFont typeface="Arial"/>
+              <a:buChar char="•"/>
+            </a:pPr>
+            <a:r>
+              <a:rPr lang="en-US" sz="3499" dirty="0">
+                <a:solidFill>
+                  <a:srgbClr val="000000"/>
+                </a:solidFill>
+                <a:latin typeface="Open Sans"/>
+                <a:ea typeface="Open Sans"/>
+                <a:cs typeface="Open Sans"/>
+                <a:sym typeface="Open Sans"/>
+              </a:rPr>
+              <a:t>Potential challenges and risks</a:t>
+            </a:r>
+          </a:p>
+          <a:p>
+            <a:pPr marL="755641" lvl="1" indent="-377820" algn="l">
+              <a:lnSpc>
+                <a:spcPts val="4899"/>
+              </a:lnSpc>
+              <a:buFont typeface="Arial"/>
+              <a:buChar char="•"/>
+            </a:pPr>
+            <a:r>
+              <a:rPr lang="en-US" sz="3499" dirty="0">
+                <a:solidFill>
+                  <a:srgbClr val="000000"/>
+                </a:solidFill>
+                <a:latin typeface="Open Sans"/>
+                <a:ea typeface="Open Sans"/>
+                <a:cs typeface="Open Sans"/>
+                <a:sym typeface="Open Sans"/>
+              </a:rPr>
+              <a:t> </a:t>
+            </a:r>
+          </a:p>
+          <a:p>
+            <a:pPr marL="755641" lvl="1" indent="-377820" algn="l">
+              <a:lnSpc>
+                <a:spcPts val="4899"/>
+              </a:lnSpc>
+              <a:buFont typeface="Arial"/>
+              <a:buChar char="•"/>
+            </a:pPr>
+            <a:r>
+              <a:rPr lang="en-US" sz="3499" dirty="0">
+                <a:solidFill>
+                  <a:srgbClr val="000000"/>
+                </a:solidFill>
+                <a:latin typeface="Open Sans"/>
+                <a:ea typeface="Open Sans"/>
+                <a:cs typeface="Open Sans"/>
+                <a:sym typeface="Open Sans"/>
+              </a:rPr>
+              <a:t> </a:t>
+            </a:r>
+          </a:p>
+          <a:p>
+            <a:pPr marL="755641" lvl="1" indent="-377820" algn="l">
+              <a:lnSpc>
+                <a:spcPts val="4899"/>
+              </a:lnSpc>
+              <a:buFont typeface="Arial"/>
+              <a:buChar char="•"/>
+            </a:pPr>
+            <a:r>
+              <a:rPr lang="en-US" sz="3499" dirty="0">
+                <a:solidFill>
+                  <a:srgbClr val="000000"/>
+                </a:solidFill>
+                <a:latin typeface="Open Sans"/>
+                <a:ea typeface="Open Sans"/>
+                <a:cs typeface="Open Sans"/>
+                <a:sym typeface="Open Sans"/>
+              </a:rPr>
+              <a:t> </a:t>
+            </a:r>
+          </a:p>
+          <a:p>
+            <a:pPr marL="755641" lvl="1" indent="-377820" algn="l">
+              <a:lnSpc>
+                <a:spcPts val="4899"/>
+              </a:lnSpc>
+              <a:buFont typeface="Arial"/>
+              <a:buChar char="•"/>
+            </a:pPr>
+            <a:r>
+              <a:rPr lang="en-US" sz="3499" dirty="0">
+                <a:solidFill>
+                  <a:srgbClr val="000000"/>
+                </a:solidFill>
+                <a:latin typeface="Open Sans"/>
+                <a:ea typeface="Open Sans"/>
+                <a:cs typeface="Open Sans"/>
+                <a:sym typeface="Open Sans"/>
+              </a:rPr>
+              <a:t> </a:t>
+            </a:r>
+          </a:p>
+          <a:p>
+            <a:pPr algn="l">
+              <a:lnSpc>
+                <a:spcPts val="4899"/>
+              </a:lnSpc>
+            </a:pPr>
+            <a:endParaRPr lang="en-US" sz="3499" dirty="0">
+              <a:solidFill>
+                <a:srgbClr val="000000"/>
+              </a:solidFill>
+              <a:latin typeface="Open Sans"/>
+              <a:ea typeface="Open Sans"/>
+              <a:cs typeface="Open Sans"/>
+              <a:sym typeface="Open Sans"/>
+            </a:endParaRPr>
+          </a:p>
+        </p:txBody>
+      </p:sp>
+      <p:sp>
+        <p:nvSpPr>
+          <p:cNvPr id="13" name="TextBox 13">
+            <a:extLst>
+              <a:ext uri="{FF2B5EF4-FFF2-40B4-BE49-F238E27FC236}">
+                <a16:creationId xmlns:a16="http://schemas.microsoft.com/office/drawing/2014/main" id="{9E918C58-5498-A5D8-B26C-016B600A1346}"/>
+              </a:ext>
+            </a:extLst>
+          </p:cNvPr>
+          <p:cNvSpPr txBox="1"/>
+          <p:nvPr/>
+        </p:nvSpPr>
+        <p:spPr>
+          <a:xfrm>
+            <a:off x="5983077" y="9704587"/>
+            <a:ext cx="6321847" cy="763195"/>
+          </a:xfrm>
+          <a:prstGeom prst="rect">
+            <a:avLst/>
+          </a:prstGeom>
+        </p:spPr>
+        <p:txBody>
+          <a:bodyPr lIns="0" tIns="0" rIns="0" bIns="0" rtlCol="0" anchor="t">
+            <a:spAutoFit/>
+          </a:bodyPr>
+          <a:lstStyle/>
+          <a:p>
+            <a:pPr algn="ctr">
+              <a:lnSpc>
+                <a:spcPts val="3080"/>
+              </a:lnSpc>
+            </a:pPr>
+            <a:r>
+              <a:rPr lang="en-US" sz="2200">
+                <a:solidFill>
+                  <a:srgbClr val="FFFFFF"/>
+                </a:solidFill>
+                <a:latin typeface="Canva Sans"/>
+                <a:ea typeface="Canva Sans"/>
+                <a:cs typeface="Canva Sans"/>
+                <a:sym typeface="Canva Sans"/>
+              </a:rPr>
+              <a:t> @ IGNITE 2K26 IDEA SUBMISSION -TEMPLATE  </a:t>
+            </a:r>
+          </a:p>
+          <a:p>
+            <a:pPr algn="ctr">
+              <a:lnSpc>
+                <a:spcPts val="3080"/>
+              </a:lnSpc>
+            </a:pPr>
+            <a:endParaRPr lang="en-US" sz="2200">
+              <a:solidFill>
+                <a:srgbClr val="FFFFFF"/>
+              </a:solidFill>
+              <a:latin typeface="Canva Sans"/>
+              <a:ea typeface="Canva Sans"/>
+              <a:cs typeface="Canva Sans"/>
+              <a:sym typeface="Canva Sans"/>
+            </a:endParaRPr>
+          </a:p>
+        </p:txBody>
+      </p:sp>
+      <p:sp>
+        <p:nvSpPr>
+          <p:cNvPr id="17" name="Freeform 2">
+            <a:extLst>
+              <a:ext uri="{FF2B5EF4-FFF2-40B4-BE49-F238E27FC236}">
+                <a16:creationId xmlns:a16="http://schemas.microsoft.com/office/drawing/2014/main" id="{7E8D2606-EC1D-B074-C698-50742F13C87D}"/>
+              </a:ext>
+            </a:extLst>
+          </p:cNvPr>
+          <p:cNvSpPr/>
+          <p:nvPr/>
+        </p:nvSpPr>
+        <p:spPr>
+          <a:xfrm>
+            <a:off x="5014078" y="1282700"/>
+            <a:ext cx="8839200" cy="7848600"/>
+          </a:xfrm>
+          <a:custGeom>
+            <a:avLst/>
+            <a:gdLst/>
+            <a:ahLst/>
+            <a:cxnLst/>
+            <a:rect l="l" t="t" r="r" b="b"/>
+            <a:pathLst>
+              <a:path w="1900850" h="1900850">
+                <a:moveTo>
+                  <a:pt x="0" y="0"/>
+                </a:moveTo>
+                <a:lnTo>
+                  <a:pt x="1900849" y="0"/>
+                </a:lnTo>
+                <a:lnTo>
+                  <a:pt x="1900849" y="1900850"/>
+                </a:lnTo>
+                <a:lnTo>
+                  <a:pt x="0" y="1900850"/>
+                </a:lnTo>
+                <a:lnTo>
+                  <a:pt x="0" y="0"/>
+                </a:lnTo>
+                <a:close/>
+              </a:path>
+            </a:pathLst>
+          </a:custGeom>
+          <a:blipFill>
+            <a:blip r:embed="rId2">
+              <a:alphaModFix amt="10000"/>
+            </a:blip>
+            <a:stretch>
+              <a:fillRect/>
+            </a:stretch>
+          </a:blipFill>
+        </p:spPr>
+        <p:txBody>
+          <a:bodyPr/>
+          <a:lstStyle/>
+          <a:p>
+            <a:endParaRPr lang="en-IN" dirty="0"/>
+          </a:p>
+        </p:txBody>
+      </p:sp>
+    </p:spTree>
+    <p:extLst>
+      <p:ext uri="{BB962C8B-B14F-4D97-AF65-F5344CB8AC3E}">
+        <p14:creationId xmlns:p14="http://schemas.microsoft.com/office/powerpoint/2010/main" val="2261823551"/>
+      </p:ext>
+    </p:extLst>
+  </p:cSld>
+  <p:clrMapOvr>
+    <a:masterClrMapping/>
+  </p:clrMapOvr>
+</p:sld>
+</file>
+
+<file path=ppt/slides/slide9.xml><?xml version="1.0" encoding="utf-8"?>
+<p:sld xmlns:a="http://schemas.openxmlformats.org/drawingml/2006/main" xmlns:r="http://schemas.openxmlformats.org/officeDocument/2006/relationships" xmlns:p="http://schemas.openxmlformats.org/presentationml/2006/main">
+  <p:cSld>
+    <p:spTree>
+      <p:nvGrpSpPr>
+        <p:cNvPr id="1" name="">
+          <a:extLst>
+            <a:ext uri="{FF2B5EF4-FFF2-40B4-BE49-F238E27FC236}">
+              <a16:creationId xmlns:a16="http://schemas.microsoft.com/office/drawing/2014/main" id="{2299210A-F1E8-1926-F005-FF2C7E30A467}"/>
+            </a:ext>
+          </a:extLst>
+        </p:cNvPr>
+        <p:cNvGrpSpPr/>
+        <p:nvPr/>
+      </p:nvGrpSpPr>
+      <p:grpSpPr>
+        <a:xfrm>
+          <a:off x="0" y="0"/>
+          <a:ext cx="0" cy="0"/>
+          <a:chOff x="0" y="0"/>
+          <a:chExt cx="0" cy="0"/>
+        </a:xfrm>
+      </p:grpSpPr>
+      <p:sp>
+        <p:nvSpPr>
+          <p:cNvPr id="2" name="Freeform 2">
+            <a:extLst>
+              <a:ext uri="{FF2B5EF4-FFF2-40B4-BE49-F238E27FC236}">
+                <a16:creationId xmlns:a16="http://schemas.microsoft.com/office/drawing/2014/main" id="{5949308B-300C-5715-0327-DA5596346B93}"/>
+              </a:ext>
+            </a:extLst>
+          </p:cNvPr>
+          <p:cNvSpPr/>
+          <p:nvPr/>
+        </p:nvSpPr>
+        <p:spPr>
+          <a:xfrm>
+            <a:off x="15252215" y="546926"/>
+            <a:ext cx="1900850" cy="1900850"/>
+          </a:xfrm>
+          <a:custGeom>
+            <a:avLst/>
+            <a:gdLst/>
+            <a:ahLst/>
+            <a:cxnLst/>
+            <a:rect l="l" t="t" r="r" b="b"/>
+            <a:pathLst>
+              <a:path w="1900850" h="1900850">
+                <a:moveTo>
+                  <a:pt x="0" y="0"/>
+                </a:moveTo>
+                <a:lnTo>
+                  <a:pt x="1900849" y="0"/>
+                </a:lnTo>
+                <a:lnTo>
+                  <a:pt x="1900849" y="1900850"/>
+                </a:lnTo>
+                <a:lnTo>
+                  <a:pt x="0" y="1900850"/>
+                </a:lnTo>
+                <a:lnTo>
+                  <a:pt x="0" y="0"/>
+                </a:lnTo>
+                <a:close/>
+              </a:path>
+            </a:pathLst>
+          </a:custGeom>
+          <a:blipFill>
+            <a:blip r:embed="rId2"/>
+            <a:stretch>
+              <a:fillRect/>
+            </a:stretch>
+          </a:blipFill>
+        </p:spPr>
+        <p:txBody>
+          <a:bodyPr/>
+          <a:lstStyle/>
+          <a:p>
+            <a:endParaRPr lang="en-IN"/>
+          </a:p>
+        </p:txBody>
+      </p:sp>
+      <p:grpSp>
+        <p:nvGrpSpPr>
+          <p:cNvPr id="3" name="Group 3">
+            <a:extLst>
+              <a:ext uri="{FF2B5EF4-FFF2-40B4-BE49-F238E27FC236}">
+                <a16:creationId xmlns:a16="http://schemas.microsoft.com/office/drawing/2014/main" id="{5BFD8753-A111-A087-D015-B80B18BEB35C}"/>
+              </a:ext>
+            </a:extLst>
+          </p:cNvPr>
+          <p:cNvGrpSpPr/>
+          <p:nvPr/>
+        </p:nvGrpSpPr>
+        <p:grpSpPr>
+          <a:xfrm>
+            <a:off x="894614" y="736842"/>
+            <a:ext cx="2720530" cy="1521019"/>
+            <a:chOff x="0" y="0"/>
+            <a:chExt cx="3627373" cy="2028026"/>
+          </a:xfrm>
+        </p:grpSpPr>
+        <p:grpSp>
+          <p:nvGrpSpPr>
+            <p:cNvPr id="4" name="Group 4">
+              <a:extLst>
+                <a:ext uri="{FF2B5EF4-FFF2-40B4-BE49-F238E27FC236}">
+                  <a16:creationId xmlns:a16="http://schemas.microsoft.com/office/drawing/2014/main" id="{DBB5BF65-39D7-8C5A-3F30-F8FAF8630BE9}"/>
+                </a:ext>
+              </a:extLst>
+            </p:cNvPr>
+            <p:cNvGrpSpPr/>
+            <p:nvPr/>
+          </p:nvGrpSpPr>
+          <p:grpSpPr>
+            <a:xfrm>
+              <a:off x="0" y="0"/>
+              <a:ext cx="3627373" cy="2028026"/>
+              <a:chOff x="0" y="0"/>
+              <a:chExt cx="895448" cy="500635"/>
+            </a:xfrm>
+          </p:grpSpPr>
+          <p:sp>
+            <p:nvSpPr>
+              <p:cNvPr id="5" name="Freeform 5">
+                <a:extLst>
+                  <a:ext uri="{FF2B5EF4-FFF2-40B4-BE49-F238E27FC236}">
+                    <a16:creationId xmlns:a16="http://schemas.microsoft.com/office/drawing/2014/main" id="{31B05B70-4ABC-CC89-85DC-40E09E6BDB44}"/>
+                  </a:ext>
+                </a:extLst>
+              </p:cNvPr>
+              <p:cNvSpPr/>
+              <p:nvPr/>
+            </p:nvSpPr>
+            <p:spPr>
+              <a:xfrm>
+                <a:off x="0" y="0"/>
+                <a:ext cx="895448" cy="500635"/>
+              </a:xfrm>
+              <a:custGeom>
+                <a:avLst/>
+                <a:gdLst/>
+                <a:ahLst/>
+                <a:cxnLst/>
+                <a:rect l="l" t="t" r="r" b="b"/>
+                <a:pathLst>
+                  <a:path w="895448" h="500635">
+                    <a:moveTo>
+                      <a:pt x="52373" y="0"/>
+                    </a:moveTo>
+                    <a:lnTo>
+                      <a:pt x="843075" y="0"/>
+                    </a:lnTo>
+                    <a:cubicBezTo>
+                      <a:pt x="856965" y="0"/>
+                      <a:pt x="870286" y="5518"/>
+                      <a:pt x="880108" y="15340"/>
+                    </a:cubicBezTo>
+                    <a:cubicBezTo>
+                      <a:pt x="889930" y="25162"/>
+                      <a:pt x="895448" y="38483"/>
+                      <a:pt x="895448" y="52373"/>
+                    </a:cubicBezTo>
+                    <a:lnTo>
+                      <a:pt x="895448" y="448262"/>
+                    </a:lnTo>
+                    <a:cubicBezTo>
+                      <a:pt x="895448" y="462152"/>
+                      <a:pt x="889930" y="475474"/>
+                      <a:pt x="880108" y="485296"/>
+                    </a:cubicBezTo>
+                    <a:cubicBezTo>
+                      <a:pt x="870286" y="495118"/>
+                      <a:pt x="856965" y="500635"/>
+                      <a:pt x="843075" y="500635"/>
+                    </a:cubicBezTo>
+                    <a:lnTo>
+                      <a:pt x="52373" y="500635"/>
+                    </a:lnTo>
+                    <a:cubicBezTo>
+                      <a:pt x="38483" y="500635"/>
+                      <a:pt x="25162" y="495118"/>
+                      <a:pt x="15340" y="485296"/>
+                    </a:cubicBezTo>
+                    <a:cubicBezTo>
+                      <a:pt x="5518" y="475474"/>
+                      <a:pt x="0" y="462152"/>
+                      <a:pt x="0" y="448262"/>
+                    </a:cubicBezTo>
+                    <a:lnTo>
+                      <a:pt x="0" y="52373"/>
+                    </a:lnTo>
+                    <a:cubicBezTo>
+                      <a:pt x="0" y="38483"/>
+                      <a:pt x="5518" y="25162"/>
+                      <a:pt x="15340" y="15340"/>
+                    </a:cubicBezTo>
+                    <a:cubicBezTo>
+                      <a:pt x="25162" y="5518"/>
+                      <a:pt x="38483" y="0"/>
+                      <a:pt x="52373" y="0"/>
+                    </a:cubicBezTo>
+                    <a:close/>
+                  </a:path>
+                </a:pathLst>
+              </a:custGeom>
+              <a:solidFill>
+                <a:srgbClr val="FFFFFF"/>
+              </a:solidFill>
+              <a:ln w="9525" cap="rnd">
+                <a:solidFill>
+                  <a:srgbClr val="000000"/>
+                </a:solidFill>
+                <a:prstDash val="solid"/>
+                <a:round/>
+              </a:ln>
+            </p:spPr>
+            <p:txBody>
+              <a:bodyPr/>
+              <a:lstStyle/>
+              <a:p>
+                <a:endParaRPr lang="en-IN"/>
+              </a:p>
+            </p:txBody>
+          </p:sp>
+          <p:sp>
+            <p:nvSpPr>
+              <p:cNvPr id="6" name="TextBox 6">
+                <a:extLst>
+                  <a:ext uri="{FF2B5EF4-FFF2-40B4-BE49-F238E27FC236}">
+                    <a16:creationId xmlns:a16="http://schemas.microsoft.com/office/drawing/2014/main" id="{4AB5DAF2-8B11-CF01-15F0-136B6A2C57A0}"/>
+                  </a:ext>
+                </a:extLst>
+              </p:cNvPr>
+              <p:cNvSpPr txBox="1"/>
+              <p:nvPr/>
+            </p:nvSpPr>
+            <p:spPr>
+              <a:xfrm>
+                <a:off x="0" y="-38100"/>
+                <a:ext cx="895448" cy="538735"/>
+              </a:xfrm>
+              <a:prstGeom prst="rect">
+                <a:avLst/>
+              </a:prstGeom>
+            </p:spPr>
+            <p:txBody>
+              <a:bodyPr lIns="50800" tIns="50800" rIns="50800" bIns="50800" rtlCol="0" anchor="ctr"/>
+              <a:lstStyle/>
+              <a:p>
+                <a:pPr algn="ctr">
+                  <a:lnSpc>
+                    <a:spcPts val="2659"/>
+                  </a:lnSpc>
+                </a:pPr>
+                <a:endParaRPr/>
+              </a:p>
+            </p:txBody>
+          </p:sp>
+        </p:grpSp>
+        <p:sp>
+          <p:nvSpPr>
+            <p:cNvPr id="7" name="TextBox 7">
+              <a:extLst>
+                <a:ext uri="{FF2B5EF4-FFF2-40B4-BE49-F238E27FC236}">
+                  <a16:creationId xmlns:a16="http://schemas.microsoft.com/office/drawing/2014/main" id="{56E65D74-69F8-4CDC-BE4E-E3C5168F01CB}"/>
+                </a:ext>
+              </a:extLst>
+            </p:cNvPr>
+            <p:cNvSpPr txBox="1"/>
+            <p:nvPr/>
+          </p:nvSpPr>
+          <p:spPr>
+            <a:xfrm>
+              <a:off x="222703" y="354116"/>
+              <a:ext cx="3181967" cy="1272168"/>
+            </a:xfrm>
+            <a:prstGeom prst="rect">
+              <a:avLst/>
+            </a:prstGeom>
+          </p:spPr>
+          <p:txBody>
+            <a:bodyPr lIns="0" tIns="0" rIns="0" bIns="0" rtlCol="0" anchor="t">
+              <a:spAutoFit/>
+            </a:bodyPr>
+            <a:lstStyle/>
+            <a:p>
+              <a:pPr algn="ctr">
+                <a:lnSpc>
+                  <a:spcPts val="3957"/>
+                </a:lnSpc>
+              </a:pPr>
+              <a:r>
+                <a:rPr lang="en-US" sz="2826">
+                  <a:solidFill>
+                    <a:srgbClr val="000000"/>
+                  </a:solidFill>
+                  <a:latin typeface="Canva Sans"/>
+                  <a:ea typeface="Canva Sans"/>
+                  <a:cs typeface="Canva Sans"/>
+                  <a:sym typeface="Canva Sans"/>
+                </a:rPr>
+                <a:t>Team </a:t>
+              </a:r>
+            </a:p>
+            <a:p>
+              <a:pPr algn="ctr">
+                <a:lnSpc>
+                  <a:spcPts val="3957"/>
+                </a:lnSpc>
+              </a:pPr>
+              <a:r>
+                <a:rPr lang="en-US" sz="2826">
+                  <a:solidFill>
+                    <a:srgbClr val="000000"/>
+                  </a:solidFill>
+                  <a:latin typeface="Canva Sans"/>
+                  <a:ea typeface="Canva Sans"/>
+                  <a:cs typeface="Canva Sans"/>
+                  <a:sym typeface="Canva Sans"/>
+                </a:rPr>
+                <a:t>Name</a:t>
+              </a:r>
+            </a:p>
+          </p:txBody>
+        </p:sp>
+      </p:grpSp>
+      <p:grpSp>
+        <p:nvGrpSpPr>
+          <p:cNvPr id="8" name="Group 8">
+            <a:extLst>
+              <a:ext uri="{FF2B5EF4-FFF2-40B4-BE49-F238E27FC236}">
+                <a16:creationId xmlns:a16="http://schemas.microsoft.com/office/drawing/2014/main" id="{996C2032-5143-3B03-4BA5-DF3D4A2C4848}"/>
+              </a:ext>
+            </a:extLst>
+          </p:cNvPr>
+          <p:cNvGrpSpPr/>
+          <p:nvPr/>
+        </p:nvGrpSpPr>
+        <p:grpSpPr>
+          <a:xfrm>
+            <a:off x="0" y="9499924"/>
+            <a:ext cx="18288000" cy="787076"/>
+            <a:chOff x="0" y="0"/>
+            <a:chExt cx="4816593" cy="207296"/>
+          </a:xfrm>
+        </p:grpSpPr>
+        <p:sp>
+          <p:nvSpPr>
+            <p:cNvPr id="9" name="Freeform 9">
+              <a:extLst>
+                <a:ext uri="{FF2B5EF4-FFF2-40B4-BE49-F238E27FC236}">
+                  <a16:creationId xmlns:a16="http://schemas.microsoft.com/office/drawing/2014/main" id="{8B974395-4197-DF7E-91F7-B29180C9E0BE}"/>
+                </a:ext>
+              </a:extLst>
+            </p:cNvPr>
+            <p:cNvSpPr/>
+            <p:nvPr/>
+          </p:nvSpPr>
+          <p:spPr>
+            <a:xfrm>
+              <a:off x="0" y="0"/>
+              <a:ext cx="4816592" cy="207296"/>
+            </a:xfrm>
+            <a:custGeom>
+              <a:avLst/>
+              <a:gdLst/>
+              <a:ahLst/>
+              <a:cxnLst/>
+              <a:rect l="l" t="t" r="r" b="b"/>
+              <a:pathLst>
+                <a:path w="4816592" h="207296">
+                  <a:moveTo>
+                    <a:pt x="0" y="0"/>
+                  </a:moveTo>
+                  <a:lnTo>
+                    <a:pt x="4816592" y="0"/>
+                  </a:lnTo>
+                  <a:lnTo>
+                    <a:pt x="4816592" y="207296"/>
+                  </a:lnTo>
+                  <a:lnTo>
+                    <a:pt x="0" y="207296"/>
+                  </a:lnTo>
+                  <a:close/>
+                </a:path>
+              </a:pathLst>
+            </a:custGeom>
+            <a:solidFill>
+              <a:srgbClr val="6652DF"/>
+            </a:solidFill>
+          </p:spPr>
+          <p:txBody>
+            <a:bodyPr/>
+            <a:lstStyle/>
+            <a:p>
+              <a:endParaRPr lang="en-IN"/>
+            </a:p>
+          </p:txBody>
+        </p:sp>
+        <p:sp>
+          <p:nvSpPr>
+            <p:cNvPr id="10" name="TextBox 10">
+              <a:extLst>
+                <a:ext uri="{FF2B5EF4-FFF2-40B4-BE49-F238E27FC236}">
+                  <a16:creationId xmlns:a16="http://schemas.microsoft.com/office/drawing/2014/main" id="{5B35F0B9-EA32-2956-1489-DB9AF0B22CFB}"/>
+                </a:ext>
+              </a:extLst>
+            </p:cNvPr>
+            <p:cNvSpPr txBox="1"/>
+            <p:nvPr/>
+          </p:nvSpPr>
+          <p:spPr>
+            <a:xfrm>
+              <a:off x="0" y="-38100"/>
+              <a:ext cx="4816593" cy="245396"/>
+            </a:xfrm>
+            <a:prstGeom prst="rect">
+              <a:avLst/>
+            </a:prstGeom>
+          </p:spPr>
+          <p:txBody>
+            <a:bodyPr lIns="50800" tIns="50800" rIns="50800" bIns="50800" rtlCol="0" anchor="ctr"/>
+            <a:lstStyle/>
+            <a:p>
+              <a:pPr algn="ctr">
+                <a:lnSpc>
+                  <a:spcPts val="2659"/>
+                </a:lnSpc>
+              </a:pPr>
+              <a:endParaRPr/>
+            </a:p>
+          </p:txBody>
+        </p:sp>
+      </p:grpSp>
+      <p:sp>
+        <p:nvSpPr>
+          <p:cNvPr id="11" name="TextBox 11">
+            <a:extLst>
+              <a:ext uri="{FF2B5EF4-FFF2-40B4-BE49-F238E27FC236}">
+                <a16:creationId xmlns:a16="http://schemas.microsoft.com/office/drawing/2014/main" id="{294892DE-7C68-0584-B25B-9778CD722BCC}"/>
+              </a:ext>
+            </a:extLst>
+          </p:cNvPr>
+          <p:cNvSpPr txBox="1"/>
+          <p:nvPr/>
+        </p:nvSpPr>
+        <p:spPr>
+          <a:xfrm>
+            <a:off x="5403246" y="947255"/>
+            <a:ext cx="8060867" cy="670889"/>
+          </a:xfrm>
+          <a:prstGeom prst="rect">
+            <a:avLst/>
+          </a:prstGeom>
+        </p:spPr>
+        <p:txBody>
+          <a:bodyPr wrap="square" lIns="0" tIns="0" rIns="0" bIns="0" rtlCol="0" anchor="t">
+            <a:spAutoFit/>
+          </a:bodyPr>
+          <a:lstStyle/>
+          <a:p>
+            <a:pPr algn="ctr">
+              <a:lnSpc>
+                <a:spcPts val="5599"/>
+              </a:lnSpc>
+            </a:pPr>
+            <a:r>
+              <a:rPr lang="en-US" sz="4400" b="1" u="sng" dirty="0">
+                <a:solidFill>
+                  <a:srgbClr val="000000"/>
+                </a:solidFill>
+                <a:latin typeface="Times New Roman Bold"/>
+                <a:ea typeface="Times New Roman Bold"/>
+                <a:cs typeface="Times New Roman Bold"/>
+                <a:sym typeface="Times New Roman Bold"/>
+              </a:rPr>
+              <a:t>FEASIBILITY AND VIABILITY</a:t>
+            </a:r>
+          </a:p>
+        </p:txBody>
+      </p:sp>
+      <p:sp>
+        <p:nvSpPr>
+          <p:cNvPr id="12" name="TextBox 12">
+            <a:extLst>
+              <a:ext uri="{FF2B5EF4-FFF2-40B4-BE49-F238E27FC236}">
+                <a16:creationId xmlns:a16="http://schemas.microsoft.com/office/drawing/2014/main" id="{C7765369-32E1-E519-3974-B4BDEE5FD61D}"/>
+              </a:ext>
+            </a:extLst>
+          </p:cNvPr>
+          <p:cNvSpPr txBox="1"/>
+          <p:nvPr/>
+        </p:nvSpPr>
+        <p:spPr>
+          <a:xfrm>
+            <a:off x="3448116" y="3628236"/>
+            <a:ext cx="12361500" cy="3728970"/>
+          </a:xfrm>
+          <a:prstGeom prst="rect">
+            <a:avLst/>
+          </a:prstGeom>
+        </p:spPr>
+        <p:txBody>
+          <a:bodyPr lIns="0" tIns="0" rIns="0" bIns="0" rtlCol="0" anchor="t">
+            <a:spAutoFit/>
+          </a:bodyPr>
+          <a:lstStyle/>
+          <a:p>
+            <a:pPr marL="755641" lvl="1" indent="-377820">
+              <a:lnSpc>
+                <a:spcPts val="4899"/>
+              </a:lnSpc>
+              <a:buFont typeface="Arial"/>
+              <a:buChar char="•"/>
+            </a:pPr>
+            <a:r>
+              <a:rPr lang="en-US" sz="3499" dirty="0">
+                <a:solidFill>
+                  <a:srgbClr val="000000"/>
+                </a:solidFill>
+                <a:latin typeface="Open Sans"/>
+                <a:ea typeface="Open Sans"/>
+                <a:cs typeface="Open Sans"/>
+                <a:sym typeface="Open Sans"/>
+              </a:rPr>
+              <a:t>Strategies for overcoming these challenges</a:t>
+            </a:r>
+          </a:p>
+          <a:p>
+            <a:pPr marL="755641" lvl="1" indent="-377820" algn="l">
+              <a:lnSpc>
+                <a:spcPts val="4899"/>
+              </a:lnSpc>
+              <a:buFont typeface="Arial"/>
+              <a:buChar char="•"/>
+            </a:pPr>
+            <a:r>
+              <a:rPr lang="en-US" sz="3499" dirty="0">
+                <a:solidFill>
+                  <a:srgbClr val="000000"/>
+                </a:solidFill>
+                <a:latin typeface="Open Sans"/>
+                <a:ea typeface="Open Sans"/>
+                <a:cs typeface="Open Sans"/>
+                <a:sym typeface="Open Sans"/>
+              </a:rPr>
+              <a:t> </a:t>
+            </a:r>
+          </a:p>
+          <a:p>
+            <a:pPr marL="755641" lvl="1" indent="-377820" algn="l">
+              <a:lnSpc>
+                <a:spcPts val="4899"/>
+              </a:lnSpc>
+              <a:buFont typeface="Arial"/>
+              <a:buChar char="•"/>
+            </a:pPr>
+            <a:r>
+              <a:rPr lang="en-US" sz="3499" dirty="0">
+                <a:solidFill>
+                  <a:srgbClr val="000000"/>
+                </a:solidFill>
+                <a:latin typeface="Open Sans"/>
+                <a:ea typeface="Open Sans"/>
+                <a:cs typeface="Open Sans"/>
+                <a:sym typeface="Open Sans"/>
+              </a:rPr>
+              <a:t> </a:t>
+            </a:r>
+          </a:p>
+          <a:p>
+            <a:pPr marL="755641" lvl="1" indent="-377820" algn="l">
+              <a:lnSpc>
+                <a:spcPts val="4899"/>
+              </a:lnSpc>
+              <a:buFont typeface="Arial"/>
+              <a:buChar char="•"/>
+            </a:pPr>
+            <a:r>
+              <a:rPr lang="en-US" sz="3499" dirty="0">
+                <a:solidFill>
+                  <a:srgbClr val="000000"/>
+                </a:solidFill>
+                <a:latin typeface="Open Sans"/>
+                <a:ea typeface="Open Sans"/>
+                <a:cs typeface="Open Sans"/>
+                <a:sym typeface="Open Sans"/>
+              </a:rPr>
+              <a:t> </a:t>
+            </a:r>
+          </a:p>
+          <a:p>
+            <a:pPr marL="755641" lvl="1" indent="-377820" algn="l">
+              <a:lnSpc>
+                <a:spcPts val="4899"/>
+              </a:lnSpc>
+              <a:buFont typeface="Arial"/>
+              <a:buChar char="•"/>
+            </a:pPr>
+            <a:r>
+              <a:rPr lang="en-US" sz="3499" dirty="0">
+                <a:solidFill>
+                  <a:srgbClr val="000000"/>
+                </a:solidFill>
+                <a:latin typeface="Open Sans"/>
+                <a:ea typeface="Open Sans"/>
+                <a:cs typeface="Open Sans"/>
+                <a:sym typeface="Open Sans"/>
+              </a:rPr>
+              <a:t> </a:t>
+            </a:r>
+          </a:p>
+          <a:p>
+            <a:pPr algn="l">
+              <a:lnSpc>
+                <a:spcPts val="4899"/>
+              </a:lnSpc>
+            </a:pPr>
+            <a:endParaRPr lang="en-US" sz="3499" dirty="0">
+              <a:solidFill>
+                <a:srgbClr val="000000"/>
+              </a:solidFill>
+              <a:latin typeface="Open Sans"/>
+              <a:ea typeface="Open Sans"/>
+              <a:cs typeface="Open Sans"/>
+              <a:sym typeface="Open Sans"/>
+            </a:endParaRPr>
+          </a:p>
+        </p:txBody>
+      </p:sp>
+      <p:sp>
+        <p:nvSpPr>
+          <p:cNvPr id="13" name="TextBox 13">
+            <a:extLst>
+              <a:ext uri="{FF2B5EF4-FFF2-40B4-BE49-F238E27FC236}">
+                <a16:creationId xmlns:a16="http://schemas.microsoft.com/office/drawing/2014/main" id="{C85F3C7B-FE79-F0C4-DD13-35405EEF869B}"/>
+              </a:ext>
+            </a:extLst>
+          </p:cNvPr>
+          <p:cNvSpPr txBox="1"/>
+          <p:nvPr/>
+        </p:nvSpPr>
+        <p:spPr>
+          <a:xfrm>
+            <a:off x="5983077" y="9704587"/>
+            <a:ext cx="6321847" cy="763195"/>
+          </a:xfrm>
+          <a:prstGeom prst="rect">
+            <a:avLst/>
+          </a:prstGeom>
+        </p:spPr>
+        <p:txBody>
+          <a:bodyPr lIns="0" tIns="0" rIns="0" bIns="0" rtlCol="0" anchor="t">
+            <a:spAutoFit/>
+          </a:bodyPr>
+          <a:lstStyle/>
+          <a:p>
+            <a:pPr algn="ctr">
+              <a:lnSpc>
+                <a:spcPts val="3080"/>
+              </a:lnSpc>
+            </a:pPr>
+            <a:r>
+              <a:rPr lang="en-US" sz="2200">
+                <a:solidFill>
+                  <a:srgbClr val="FFFFFF"/>
+                </a:solidFill>
+                <a:latin typeface="Canva Sans"/>
+                <a:ea typeface="Canva Sans"/>
+                <a:cs typeface="Canva Sans"/>
+                <a:sym typeface="Canva Sans"/>
+              </a:rPr>
+              <a:t> @ IGNITE 2K26 IDEA SUBMISSION -TEMPLATE  </a:t>
+            </a:r>
+          </a:p>
+          <a:p>
+            <a:pPr algn="ctr">
+              <a:lnSpc>
+                <a:spcPts val="3080"/>
+              </a:lnSpc>
+            </a:pPr>
+            <a:endParaRPr lang="en-US" sz="2200">
+              <a:solidFill>
+                <a:srgbClr val="FFFFFF"/>
+              </a:solidFill>
+              <a:latin typeface="Canva Sans"/>
+              <a:ea typeface="Canva Sans"/>
+              <a:cs typeface="Canva Sans"/>
+              <a:sym typeface="Canva Sans"/>
+            </a:endParaRPr>
+          </a:p>
+        </p:txBody>
+      </p:sp>
+      <p:sp>
+        <p:nvSpPr>
+          <p:cNvPr id="14" name="Freeform 2">
+            <a:extLst>
+              <a:ext uri="{FF2B5EF4-FFF2-40B4-BE49-F238E27FC236}">
+                <a16:creationId xmlns:a16="http://schemas.microsoft.com/office/drawing/2014/main" id="{0B72414F-AB19-5631-282C-271D72E78837}"/>
+              </a:ext>
+            </a:extLst>
+          </p:cNvPr>
+          <p:cNvSpPr/>
+          <p:nvPr/>
+        </p:nvSpPr>
+        <p:spPr>
+          <a:xfrm>
+            <a:off x="5014078" y="1282700"/>
+            <a:ext cx="8839200" cy="7848600"/>
+          </a:xfrm>
+          <a:custGeom>
+            <a:avLst/>
+            <a:gdLst/>
+            <a:ahLst/>
+            <a:cxnLst/>
+            <a:rect l="l" t="t" r="r" b="b"/>
+            <a:pathLst>
+              <a:path w="1900850" h="1900850">
+                <a:moveTo>
+                  <a:pt x="0" y="0"/>
+                </a:moveTo>
+                <a:lnTo>
+                  <a:pt x="1900849" y="0"/>
+                </a:lnTo>
+                <a:lnTo>
+                  <a:pt x="1900849" y="1900850"/>
+                </a:lnTo>
+                <a:lnTo>
+                  <a:pt x="0" y="1900850"/>
+                </a:lnTo>
+                <a:lnTo>
+                  <a:pt x="0" y="0"/>
+                </a:lnTo>
+                <a:close/>
+              </a:path>
+            </a:pathLst>
+          </a:custGeom>
+          <a:blipFill>
+            <a:blip r:embed="rId2">
+              <a:alphaModFix amt="10000"/>
+            </a:blip>
+            <a:stretch>
+              <a:fillRect/>
+            </a:stretch>
+          </a:blipFill>
+        </p:spPr>
+        <p:txBody>
+          <a:bodyPr/>
+          <a:lstStyle/>
+          <a:p>
+            <a:endParaRPr lang="en-IN" dirty="0"/>
+          </a:p>
+        </p:txBody>
+      </p:sp>
+    </p:spTree>
+    <p:extLst>
+      <p:ext uri="{BB962C8B-B14F-4D97-AF65-F5344CB8AC3E}">
+        <p14:creationId xmlns:p14="http://schemas.microsoft.com/office/powerpoint/2010/main" val="1670385918"/>
+      </p:ext>
+    </p:extLst>
   </p:cSld>
   <p:clrMapOvr>
     <a:masterClrMapping/>
